--- a/SE diagram.pptx
+++ b/SE diagram.pptx
@@ -6,7 +6,7 @@
   </p:sldMasterIdLst>
   <p:sldIdLst>
     <p:sldId id="257" r:id="rId2"/>
-    <p:sldId id="258" r:id="rId3"/>
+    <p:sldId id="262" r:id="rId3"/>
     <p:sldId id="259" r:id="rId4"/>
     <p:sldId id="260" r:id="rId5"/>
     <p:sldId id="261" r:id="rId6"/>
@@ -6122,7 +6122,7 @@
           <p:cNvPr id="5" name="Freeform: Shape 4">
             <a:extLst>
               <a:ext uri="{FF2B5EF4-FFF2-40B4-BE49-F238E27FC236}">
-                <a16:creationId xmlns:a16="http://schemas.microsoft.com/office/drawing/2014/main" id="{91ECE6EC-AFF5-2D69-B723-AA2DBD5D3F87}"/>
+                <a16:creationId xmlns:a16="http://schemas.microsoft.com/office/drawing/2014/main" id="{9730C248-C30B-2BB1-2CFD-BD2C593D4C8B}"/>
               </a:ext>
             </a:extLst>
           </p:cNvPr>
@@ -6131,22 +6131,20 @@
         </p:nvSpPr>
         <p:spPr>
           <a:xfrm>
-            <a:off x="5958840" y="205740"/>
-            <a:ext cx="274320" cy="274320"/>
+            <a:off x="2238375" y="342900"/>
+            <a:ext cx="857250" cy="428625"/>
           </a:xfrm>
           <a:custGeom>
             <a:avLst/>
             <a:gdLst>
-              <a:gd name="connsiteX0" fmla="*/ 274320 w 274320"/>
-              <a:gd name="connsiteY0" fmla="*/ 137160 h 274320"/>
-              <a:gd name="connsiteX1" fmla="*/ 137160 w 274320"/>
-              <a:gd name="connsiteY1" fmla="*/ 274320 h 274320"/>
-              <a:gd name="connsiteX2" fmla="*/ 0 w 274320"/>
-              <a:gd name="connsiteY2" fmla="*/ 137160 h 274320"/>
-              <a:gd name="connsiteX3" fmla="*/ 137160 w 274320"/>
-              <a:gd name="connsiteY3" fmla="*/ 0 h 274320"/>
-              <a:gd name="connsiteX4" fmla="*/ 274320 w 274320"/>
-              <a:gd name="connsiteY4" fmla="*/ 137160 h 274320"/>
+              <a:gd name="connsiteX0" fmla="*/ 0 w 857250"/>
+              <a:gd name="connsiteY0" fmla="*/ 0 h 428625"/>
+              <a:gd name="connsiteX1" fmla="*/ 857250 w 857250"/>
+              <a:gd name="connsiteY1" fmla="*/ 0 h 428625"/>
+              <a:gd name="connsiteX2" fmla="*/ 857250 w 857250"/>
+              <a:gd name="connsiteY2" fmla="*/ 428625 h 428625"/>
+              <a:gd name="connsiteX3" fmla="*/ 0 w 857250"/>
+              <a:gd name="connsiteY3" fmla="*/ 428625 h 428625"/>
             </a:gdLst>
             <a:ahLst/>
             <a:cxnLst>
@@ -6162,156 +6160,22 @@
               <a:cxn ang="0">
                 <a:pos x="connsiteX3" y="connsiteY3"/>
               </a:cxn>
-              <a:cxn ang="0">
-                <a:pos x="connsiteX4" y="connsiteY4"/>
-              </a:cxn>
             </a:cxnLst>
             <a:rect l="l" t="t" r="r" b="b"/>
             <a:pathLst>
-              <a:path w="274320" h="274320">
+              <a:path w="857250" h="428625">
                 <a:moveTo>
-                  <a:pt x="274320" y="137160"/>
+                  <a:pt x="0" y="0"/>
                 </a:moveTo>
-                <a:cubicBezTo>
-                  <a:pt x="274320" y="212911"/>
-                  <a:pt x="212911" y="274320"/>
-                  <a:pt x="137160" y="274320"/>
-                </a:cubicBezTo>
-                <a:cubicBezTo>
-                  <a:pt x="61409" y="274320"/>
-                  <a:pt x="0" y="212911"/>
-                  <a:pt x="0" y="137160"/>
-                </a:cubicBezTo>
-                <a:cubicBezTo>
-                  <a:pt x="0" y="61409"/>
-                  <a:pt x="61409" y="0"/>
-                  <a:pt x="137160" y="0"/>
-                </a:cubicBezTo>
-                <a:cubicBezTo>
-                  <a:pt x="212911" y="0"/>
-                  <a:pt x="274320" y="61409"/>
-                  <a:pt x="274320" y="137160"/>
-                </a:cubicBezTo>
-                <a:close/>
-              </a:path>
-            </a:pathLst>
-          </a:custGeom>
-          <a:solidFill>
-            <a:srgbClr val="000000"/>
-          </a:solidFill>
-          <a:ln w="6858" cap="flat">
-            <a:noFill/>
-            <a:prstDash val="solid"/>
-            <a:miter/>
-          </a:ln>
-        </p:spPr>
-        <p:txBody>
-          <a:bodyPr rtlCol="0" anchor="ctr"/>
-          <a:lstStyle/>
-          <a:p>
-            <a:endParaRPr lang="en-IN"/>
-          </a:p>
-        </p:txBody>
-      </p:sp>
-      <p:sp>
-        <p:nvSpPr>
-          <p:cNvPr id="6" name="Freeform: Shape 5">
-            <a:extLst>
-              <a:ext uri="{FF2B5EF4-FFF2-40B4-BE49-F238E27FC236}">
-                <a16:creationId xmlns:a16="http://schemas.microsoft.com/office/drawing/2014/main" id="{4FD3B1C8-E446-374F-36B5-87105AF58878}"/>
-              </a:ext>
-            </a:extLst>
-          </p:cNvPr>
-          <p:cNvSpPr/>
-          <p:nvPr/>
-        </p:nvSpPr>
-        <p:spPr>
-          <a:xfrm>
-            <a:off x="5410200" y="685800"/>
-            <a:ext cx="1371600" cy="411480"/>
-          </a:xfrm>
-          <a:custGeom>
-            <a:avLst/>
-            <a:gdLst>
-              <a:gd name="connsiteX0" fmla="*/ 1303020 w 1371600"/>
-              <a:gd name="connsiteY0" fmla="*/ 0 h 411480"/>
-              <a:gd name="connsiteX1" fmla="*/ 1371600 w 1371600"/>
-              <a:gd name="connsiteY1" fmla="*/ 0 h 411480"/>
-              <a:gd name="connsiteX2" fmla="*/ 1371600 w 1371600"/>
-              <a:gd name="connsiteY2" fmla="*/ 411480 h 411480"/>
-              <a:gd name="connsiteX3" fmla="*/ 1303020 w 1371600"/>
-              <a:gd name="connsiteY3" fmla="*/ 411480 h 411480"/>
-              <a:gd name="connsiteX4" fmla="*/ 68580 w 1371600"/>
-              <a:gd name="connsiteY4" fmla="*/ 411480 h 411480"/>
-              <a:gd name="connsiteX5" fmla="*/ 0 w 1371600"/>
-              <a:gd name="connsiteY5" fmla="*/ 411480 h 411480"/>
-              <a:gd name="connsiteX6" fmla="*/ 0 w 1371600"/>
-              <a:gd name="connsiteY6" fmla="*/ 0 h 411480"/>
-              <a:gd name="connsiteX7" fmla="*/ 68580 w 1371600"/>
-              <a:gd name="connsiteY7" fmla="*/ 0 h 411480"/>
-            </a:gdLst>
-            <a:ahLst/>
-            <a:cxnLst>
-              <a:cxn ang="0">
-                <a:pos x="connsiteX0" y="connsiteY0"/>
-              </a:cxn>
-              <a:cxn ang="0">
-                <a:pos x="connsiteX1" y="connsiteY1"/>
-              </a:cxn>
-              <a:cxn ang="0">
-                <a:pos x="connsiteX2" y="connsiteY2"/>
-              </a:cxn>
-              <a:cxn ang="0">
-                <a:pos x="connsiteX3" y="connsiteY3"/>
-              </a:cxn>
-              <a:cxn ang="0">
-                <a:pos x="connsiteX4" y="connsiteY4"/>
-              </a:cxn>
-              <a:cxn ang="0">
-                <a:pos x="connsiteX5" y="connsiteY5"/>
-              </a:cxn>
-              <a:cxn ang="0">
-                <a:pos x="connsiteX6" y="connsiteY6"/>
-              </a:cxn>
-              <a:cxn ang="0">
-                <a:pos x="connsiteX7" y="connsiteY7"/>
-              </a:cxn>
-            </a:cxnLst>
-            <a:rect l="l" t="t" r="r" b="b"/>
-            <a:pathLst>
-              <a:path w="1371600" h="411480">
-                <a:moveTo>
-                  <a:pt x="1303020" y="0"/>
-                </a:moveTo>
-                <a:cubicBezTo>
-                  <a:pt x="1340896" y="0"/>
-                  <a:pt x="1371600" y="0"/>
-                  <a:pt x="1371600" y="0"/>
-                </a:cubicBezTo>
-                <a:lnTo>
-                  <a:pt x="1371600" y="411480"/>
-                </a:lnTo>
-                <a:cubicBezTo>
-                  <a:pt x="1371600" y="411480"/>
-                  <a:pt x="1340896" y="411480"/>
-                  <a:pt x="1303020" y="411480"/>
-                </a:cubicBezTo>
-                <a:lnTo>
-                  <a:pt x="68580" y="411480"/>
-                </a:lnTo>
-                <a:cubicBezTo>
-                  <a:pt x="30704" y="411480"/>
-                  <a:pt x="0" y="411480"/>
-                  <a:pt x="0" y="411480"/>
-                </a:cubicBezTo>
-                <a:lnTo>
-                  <a:pt x="0" y="0"/>
-                </a:lnTo>
-                <a:cubicBezTo>
-                  <a:pt x="0" y="0"/>
-                  <a:pt x="30704" y="0"/>
-                  <a:pt x="68580" y="0"/>
-                </a:cubicBezTo>
+                <a:lnTo>
+                  <a:pt x="857250" y="0"/>
+                </a:lnTo>
+                <a:lnTo>
+                  <a:pt x="857250" y="428625"/>
+                </a:lnTo>
+                <a:lnTo>
+                  <a:pt x="0" y="428625"/>
+                </a:lnTo>
                 <a:close/>
               </a:path>
             </a:pathLst>
@@ -6319,7 +6183,7 @@
           <a:solidFill>
             <a:srgbClr val="FFFFFF"/>
           </a:solidFill>
-          <a:ln w="13716" cap="flat">
+          <a:ln w="17145" cap="flat">
             <a:solidFill>
               <a:srgbClr val="000000"/>
             </a:solidFill>
@@ -6337,10 +6201,10 @@
       </p:sp>
       <p:sp>
         <p:nvSpPr>
-          <p:cNvPr id="7" name="TextBox 6">
-            <a:extLst>
-              <a:ext uri="{FF2B5EF4-FFF2-40B4-BE49-F238E27FC236}">
-                <a16:creationId xmlns:a16="http://schemas.microsoft.com/office/drawing/2014/main" id="{5F06139A-DD92-70B5-06A1-77E58D23A185}"/>
+          <p:cNvPr id="6" name="TextBox 5">
+            <a:extLst>
+              <a:ext uri="{FF2B5EF4-FFF2-40B4-BE49-F238E27FC236}">
+                <a16:creationId xmlns:a16="http://schemas.microsoft.com/office/drawing/2014/main" id="{EA31FBB1-110E-CFED-24A4-4EF54B077B68}"/>
               </a:ext>
             </a:extLst>
           </p:cNvPr>
@@ -6349,8 +6213,8 @@
         </p:nvSpPr>
         <p:spPr>
           <a:xfrm>
-            <a:off x="5781675" y="804672"/>
-            <a:ext cx="628650" cy="187452"/>
+            <a:off x="2459831" y="460057"/>
+            <a:ext cx="414337" cy="211455"/>
           </a:xfrm>
           <a:prstGeom prst="rect">
             <a:avLst/>
@@ -6375,17 +6239,17 @@
                 <a:sym typeface="Arial"/>
                 <a:rtl val="0"/>
               </a:rPr>
-              <a:t>Input Image</a:t>
+              <a:t>User</a:t>
             </a:r>
           </a:p>
         </p:txBody>
       </p:sp>
       <p:sp>
         <p:nvSpPr>
-          <p:cNvPr id="8" name="Freeform: Shape 7">
-            <a:extLst>
-              <a:ext uri="{FF2B5EF4-FFF2-40B4-BE49-F238E27FC236}">
-                <a16:creationId xmlns:a16="http://schemas.microsoft.com/office/drawing/2014/main" id="{CC08E085-B6F6-F6A2-DCF9-1629B592A84B}"/>
+          <p:cNvPr id="7" name="Freeform: Shape 6">
+            <a:extLst>
+              <a:ext uri="{FF2B5EF4-FFF2-40B4-BE49-F238E27FC236}">
+                <a16:creationId xmlns:a16="http://schemas.microsoft.com/office/drawing/2014/main" id="{56710BBC-245B-A4B3-6D61-F0D2566C34F6}"/>
               </a:ext>
             </a:extLst>
           </p:cNvPr>
@@ -6394,28 +6258,20 @@
         </p:nvSpPr>
         <p:spPr>
           <a:xfrm>
-            <a:off x="5410200" y="1371600"/>
-            <a:ext cx="1371600" cy="411480"/>
+            <a:off x="3952875" y="342900"/>
+            <a:ext cx="857250" cy="428625"/>
           </a:xfrm>
           <a:custGeom>
             <a:avLst/>
             <a:gdLst>
-              <a:gd name="connsiteX0" fmla="*/ 1303020 w 1371600"/>
-              <a:gd name="connsiteY0" fmla="*/ 0 h 411480"/>
-              <a:gd name="connsiteX1" fmla="*/ 1371600 w 1371600"/>
-              <a:gd name="connsiteY1" fmla="*/ 0 h 411480"/>
-              <a:gd name="connsiteX2" fmla="*/ 1371600 w 1371600"/>
-              <a:gd name="connsiteY2" fmla="*/ 411480 h 411480"/>
-              <a:gd name="connsiteX3" fmla="*/ 1303020 w 1371600"/>
-              <a:gd name="connsiteY3" fmla="*/ 411480 h 411480"/>
-              <a:gd name="connsiteX4" fmla="*/ 68580 w 1371600"/>
-              <a:gd name="connsiteY4" fmla="*/ 411480 h 411480"/>
-              <a:gd name="connsiteX5" fmla="*/ 0 w 1371600"/>
-              <a:gd name="connsiteY5" fmla="*/ 411480 h 411480"/>
-              <a:gd name="connsiteX6" fmla="*/ 0 w 1371600"/>
-              <a:gd name="connsiteY6" fmla="*/ 0 h 411480"/>
-              <a:gd name="connsiteX7" fmla="*/ 68580 w 1371600"/>
-              <a:gd name="connsiteY7" fmla="*/ 0 h 411480"/>
+              <a:gd name="connsiteX0" fmla="*/ 0 w 857250"/>
+              <a:gd name="connsiteY0" fmla="*/ 0 h 428625"/>
+              <a:gd name="connsiteX1" fmla="*/ 857250 w 857250"/>
+              <a:gd name="connsiteY1" fmla="*/ 0 h 428625"/>
+              <a:gd name="connsiteX2" fmla="*/ 857250 w 857250"/>
+              <a:gd name="connsiteY2" fmla="*/ 428625 h 428625"/>
+              <a:gd name="connsiteX3" fmla="*/ 0 w 857250"/>
+              <a:gd name="connsiteY3" fmla="*/ 428625 h 428625"/>
             </a:gdLst>
             <a:ahLst/>
             <a:cxnLst>
@@ -6431,54 +6287,22 @@
               <a:cxn ang="0">
                 <a:pos x="connsiteX3" y="connsiteY3"/>
               </a:cxn>
-              <a:cxn ang="0">
-                <a:pos x="connsiteX4" y="connsiteY4"/>
-              </a:cxn>
-              <a:cxn ang="0">
-                <a:pos x="connsiteX5" y="connsiteY5"/>
-              </a:cxn>
-              <a:cxn ang="0">
-                <a:pos x="connsiteX6" y="connsiteY6"/>
-              </a:cxn>
-              <a:cxn ang="0">
-                <a:pos x="connsiteX7" y="connsiteY7"/>
-              </a:cxn>
             </a:cxnLst>
             <a:rect l="l" t="t" r="r" b="b"/>
             <a:pathLst>
-              <a:path w="1371600" h="411480">
+              <a:path w="857250" h="428625">
                 <a:moveTo>
-                  <a:pt x="1303020" y="0"/>
+                  <a:pt x="0" y="0"/>
                 </a:moveTo>
-                <a:cubicBezTo>
-                  <a:pt x="1340896" y="0"/>
-                  <a:pt x="1371600" y="0"/>
-                  <a:pt x="1371600" y="0"/>
-                </a:cubicBezTo>
-                <a:lnTo>
-                  <a:pt x="1371600" y="411480"/>
-                </a:lnTo>
-                <a:cubicBezTo>
-                  <a:pt x="1371600" y="411480"/>
-                  <a:pt x="1340896" y="411480"/>
-                  <a:pt x="1303020" y="411480"/>
-                </a:cubicBezTo>
-                <a:lnTo>
-                  <a:pt x="68580" y="411480"/>
-                </a:lnTo>
-                <a:cubicBezTo>
-                  <a:pt x="30704" y="411480"/>
-                  <a:pt x="0" y="411480"/>
-                  <a:pt x="0" y="411480"/>
-                </a:cubicBezTo>
-                <a:lnTo>
-                  <a:pt x="0" y="0"/>
-                </a:lnTo>
-                <a:cubicBezTo>
-                  <a:pt x="0" y="0"/>
-                  <a:pt x="30704" y="0"/>
-                  <a:pt x="68580" y="0"/>
-                </a:cubicBezTo>
+                <a:lnTo>
+                  <a:pt x="857250" y="0"/>
+                </a:lnTo>
+                <a:lnTo>
+                  <a:pt x="857250" y="428625"/>
+                </a:lnTo>
+                <a:lnTo>
+                  <a:pt x="0" y="428625"/>
+                </a:lnTo>
                 <a:close/>
               </a:path>
             </a:pathLst>
@@ -6486,7 +6310,7 @@
           <a:solidFill>
             <a:srgbClr val="FFFFFF"/>
           </a:solidFill>
-          <a:ln w="13716" cap="flat">
+          <a:ln w="17145" cap="flat">
             <a:solidFill>
               <a:srgbClr val="000000"/>
             </a:solidFill>
@@ -6504,10 +6328,10 @@
       </p:sp>
       <p:sp>
         <p:nvSpPr>
-          <p:cNvPr id="9" name="TextBox 8">
-            <a:extLst>
-              <a:ext uri="{FF2B5EF4-FFF2-40B4-BE49-F238E27FC236}">
-                <a16:creationId xmlns:a16="http://schemas.microsoft.com/office/drawing/2014/main" id="{54E45214-AAC5-5625-F107-85CA634D073A}"/>
+          <p:cNvPr id="8" name="TextBox 7">
+            <a:extLst>
+              <a:ext uri="{FF2B5EF4-FFF2-40B4-BE49-F238E27FC236}">
+                <a16:creationId xmlns:a16="http://schemas.microsoft.com/office/drawing/2014/main" id="{2A2BD1CB-7F2D-FCCE-5990-DBFF2F5FC07C}"/>
               </a:ext>
             </a:extLst>
           </p:cNvPr>
@@ -6516,8 +6340,8 @@
         </p:nvSpPr>
         <p:spPr>
           <a:xfrm>
-            <a:off x="5654802" y="1490472"/>
-            <a:ext cx="882396" cy="187452"/>
+            <a:off x="4238625" y="460057"/>
+            <a:ext cx="285750" cy="211455"/>
           </a:xfrm>
           <a:prstGeom prst="rect">
             <a:avLst/>
@@ -6542,17 +6366,17 @@
                 <a:sym typeface="Arial"/>
                 <a:rtl val="0"/>
               </a:rPr>
-              <a:t>Preprocess Image</a:t>
+              <a:t>UI</a:t>
             </a:r>
           </a:p>
         </p:txBody>
       </p:sp>
       <p:sp>
         <p:nvSpPr>
-          <p:cNvPr id="10" name="Freeform: Shape 9">
-            <a:extLst>
-              <a:ext uri="{FF2B5EF4-FFF2-40B4-BE49-F238E27FC236}">
-                <a16:creationId xmlns:a16="http://schemas.microsoft.com/office/drawing/2014/main" id="{9FCF7AA6-F2C1-751B-9DE5-CE8390793B63}"/>
+          <p:cNvPr id="9" name="Freeform: Shape 8">
+            <a:extLst>
+              <a:ext uri="{FF2B5EF4-FFF2-40B4-BE49-F238E27FC236}">
+                <a16:creationId xmlns:a16="http://schemas.microsoft.com/office/drawing/2014/main" id="{2788666A-F488-E4F7-72D0-BF02616F2D7C}"/>
               </a:ext>
             </a:extLst>
           </p:cNvPr>
@@ -6561,28 +6385,20 @@
         </p:nvSpPr>
         <p:spPr>
           <a:xfrm>
-            <a:off x="5410200" y="2057400"/>
-            <a:ext cx="1371600" cy="411480"/>
+            <a:off x="5667375" y="342900"/>
+            <a:ext cx="857250" cy="428625"/>
           </a:xfrm>
           <a:custGeom>
             <a:avLst/>
             <a:gdLst>
-              <a:gd name="connsiteX0" fmla="*/ 1303020 w 1371600"/>
-              <a:gd name="connsiteY0" fmla="*/ 0 h 411480"/>
-              <a:gd name="connsiteX1" fmla="*/ 1371600 w 1371600"/>
-              <a:gd name="connsiteY1" fmla="*/ 0 h 411480"/>
-              <a:gd name="connsiteX2" fmla="*/ 1371600 w 1371600"/>
-              <a:gd name="connsiteY2" fmla="*/ 411480 h 411480"/>
-              <a:gd name="connsiteX3" fmla="*/ 1303020 w 1371600"/>
-              <a:gd name="connsiteY3" fmla="*/ 411480 h 411480"/>
-              <a:gd name="connsiteX4" fmla="*/ 68580 w 1371600"/>
-              <a:gd name="connsiteY4" fmla="*/ 411480 h 411480"/>
-              <a:gd name="connsiteX5" fmla="*/ 0 w 1371600"/>
-              <a:gd name="connsiteY5" fmla="*/ 411480 h 411480"/>
-              <a:gd name="connsiteX6" fmla="*/ 0 w 1371600"/>
-              <a:gd name="connsiteY6" fmla="*/ 0 h 411480"/>
-              <a:gd name="connsiteX7" fmla="*/ 68580 w 1371600"/>
-              <a:gd name="connsiteY7" fmla="*/ 0 h 411480"/>
+              <a:gd name="connsiteX0" fmla="*/ 0 w 857250"/>
+              <a:gd name="connsiteY0" fmla="*/ 0 h 428625"/>
+              <a:gd name="connsiteX1" fmla="*/ 857250 w 857250"/>
+              <a:gd name="connsiteY1" fmla="*/ 0 h 428625"/>
+              <a:gd name="connsiteX2" fmla="*/ 857250 w 857250"/>
+              <a:gd name="connsiteY2" fmla="*/ 428625 h 428625"/>
+              <a:gd name="connsiteX3" fmla="*/ 0 w 857250"/>
+              <a:gd name="connsiteY3" fmla="*/ 428625 h 428625"/>
             </a:gdLst>
             <a:ahLst/>
             <a:cxnLst>
@@ -6598,54 +6414,22 @@
               <a:cxn ang="0">
                 <a:pos x="connsiteX3" y="connsiteY3"/>
               </a:cxn>
-              <a:cxn ang="0">
-                <a:pos x="connsiteX4" y="connsiteY4"/>
-              </a:cxn>
-              <a:cxn ang="0">
-                <a:pos x="connsiteX5" y="connsiteY5"/>
-              </a:cxn>
-              <a:cxn ang="0">
-                <a:pos x="connsiteX6" y="connsiteY6"/>
-              </a:cxn>
-              <a:cxn ang="0">
-                <a:pos x="connsiteX7" y="connsiteY7"/>
-              </a:cxn>
             </a:cxnLst>
             <a:rect l="l" t="t" r="r" b="b"/>
             <a:pathLst>
-              <a:path w="1371600" h="411480">
+              <a:path w="857250" h="428625">
                 <a:moveTo>
-                  <a:pt x="1303020" y="0"/>
+                  <a:pt x="0" y="0"/>
                 </a:moveTo>
-                <a:cubicBezTo>
-                  <a:pt x="1340896" y="0"/>
-                  <a:pt x="1371600" y="0"/>
-                  <a:pt x="1371600" y="0"/>
-                </a:cubicBezTo>
-                <a:lnTo>
-                  <a:pt x="1371600" y="411480"/>
-                </a:lnTo>
-                <a:cubicBezTo>
-                  <a:pt x="1371600" y="411480"/>
-                  <a:pt x="1340896" y="411480"/>
-                  <a:pt x="1303020" y="411480"/>
-                </a:cubicBezTo>
-                <a:lnTo>
-                  <a:pt x="68580" y="411480"/>
-                </a:lnTo>
-                <a:cubicBezTo>
-                  <a:pt x="30704" y="411480"/>
-                  <a:pt x="0" y="411480"/>
-                  <a:pt x="0" y="411480"/>
-                </a:cubicBezTo>
-                <a:lnTo>
-                  <a:pt x="0" y="0"/>
-                </a:lnTo>
-                <a:cubicBezTo>
-                  <a:pt x="0" y="0"/>
-                  <a:pt x="30704" y="0"/>
-                  <a:pt x="68580" y="0"/>
-                </a:cubicBezTo>
+                <a:lnTo>
+                  <a:pt x="857250" y="0"/>
+                </a:lnTo>
+                <a:lnTo>
+                  <a:pt x="857250" y="428625"/>
+                </a:lnTo>
+                <a:lnTo>
+                  <a:pt x="0" y="428625"/>
+                </a:lnTo>
                 <a:close/>
               </a:path>
             </a:pathLst>
@@ -6653,7 +6437,7 @@
           <a:solidFill>
             <a:srgbClr val="FFFFFF"/>
           </a:solidFill>
-          <a:ln w="13716" cap="flat">
+          <a:ln w="17145" cap="flat">
             <a:solidFill>
               <a:srgbClr val="000000"/>
             </a:solidFill>
@@ -6671,10 +6455,10 @@
       </p:sp>
       <p:sp>
         <p:nvSpPr>
-          <p:cNvPr id="11" name="TextBox 10">
-            <a:extLst>
-              <a:ext uri="{FF2B5EF4-FFF2-40B4-BE49-F238E27FC236}">
-                <a16:creationId xmlns:a16="http://schemas.microsoft.com/office/drawing/2014/main" id="{B168D0F7-ECA0-F066-08FD-DF906002DC5B}"/>
+          <p:cNvPr id="10" name="TextBox 9">
+            <a:extLst>
+              <a:ext uri="{FF2B5EF4-FFF2-40B4-BE49-F238E27FC236}">
+                <a16:creationId xmlns:a16="http://schemas.microsoft.com/office/drawing/2014/main" id="{DEBE00DD-E8D5-C6B2-7151-78237465EF46}"/>
               </a:ext>
             </a:extLst>
           </p:cNvPr>
@@ -6683,8 +6467,8 @@
         </p:nvSpPr>
         <p:spPr>
           <a:xfrm>
-            <a:off x="5428488" y="2176272"/>
-            <a:ext cx="1335024" cy="187452"/>
+            <a:off x="5678805" y="460057"/>
+            <a:ext cx="834390" cy="211455"/>
           </a:xfrm>
           <a:prstGeom prst="rect">
             <a:avLst/>
@@ -6709,17 +6493,17 @@
                 <a:sym typeface="Arial"/>
                 <a:rtl val="0"/>
               </a:rPr>
-              <a:t>Apply Face Detection Algorithm</a:t>
+              <a:t>Face Detector</a:t>
             </a:r>
           </a:p>
         </p:txBody>
       </p:sp>
       <p:sp>
         <p:nvSpPr>
-          <p:cNvPr id="12" name="Freeform: Shape 11">
-            <a:extLst>
-              <a:ext uri="{FF2B5EF4-FFF2-40B4-BE49-F238E27FC236}">
-                <a16:creationId xmlns:a16="http://schemas.microsoft.com/office/drawing/2014/main" id="{D27FFA6E-095E-A5B6-E064-B1B16B0D4E37}"/>
+          <p:cNvPr id="11" name="Freeform: Shape 10">
+            <a:extLst>
+              <a:ext uri="{FF2B5EF4-FFF2-40B4-BE49-F238E27FC236}">
+                <a16:creationId xmlns:a16="http://schemas.microsoft.com/office/drawing/2014/main" id="{8C43B0D9-F584-4425-EABC-BAB94C89C86F}"/>
               </a:ext>
             </a:extLst>
           </p:cNvPr>
@@ -6728,20 +6512,20 @@
         </p:nvSpPr>
         <p:spPr>
           <a:xfrm>
-            <a:off x="5410200" y="2400300"/>
-            <a:ext cx="1371600" cy="685800"/>
+            <a:off x="7381875" y="342900"/>
+            <a:ext cx="857250" cy="428625"/>
           </a:xfrm>
           <a:custGeom>
             <a:avLst/>
             <a:gdLst>
-              <a:gd name="connsiteX0" fmla="*/ 0 w 1371600"/>
-              <a:gd name="connsiteY0" fmla="*/ 342900 h 685800"/>
-              <a:gd name="connsiteX1" fmla="*/ 685800 w 1371600"/>
-              <a:gd name="connsiteY1" fmla="*/ 685800 h 685800"/>
-              <a:gd name="connsiteX2" fmla="*/ 1371600 w 1371600"/>
-              <a:gd name="connsiteY2" fmla="*/ 342900 h 685800"/>
-              <a:gd name="connsiteX3" fmla="*/ 685800 w 1371600"/>
-              <a:gd name="connsiteY3" fmla="*/ 0 h 685800"/>
+              <a:gd name="connsiteX0" fmla="*/ 0 w 857250"/>
+              <a:gd name="connsiteY0" fmla="*/ 0 h 428625"/>
+              <a:gd name="connsiteX1" fmla="*/ 857250 w 857250"/>
+              <a:gd name="connsiteY1" fmla="*/ 0 h 428625"/>
+              <a:gd name="connsiteX2" fmla="*/ 857250 w 857250"/>
+              <a:gd name="connsiteY2" fmla="*/ 428625 h 428625"/>
+              <a:gd name="connsiteX3" fmla="*/ 0 w 857250"/>
+              <a:gd name="connsiteY3" fmla="*/ 428625 h 428625"/>
             </a:gdLst>
             <a:ahLst/>
             <a:cxnLst>
@@ -6760,18 +6544,18 @@
             </a:cxnLst>
             <a:rect l="l" t="t" r="r" b="b"/>
             <a:pathLst>
-              <a:path w="1371600" h="685800">
+              <a:path w="857250" h="428625">
                 <a:moveTo>
-                  <a:pt x="0" y="342900"/>
+                  <a:pt x="0" y="0"/>
                 </a:moveTo>
                 <a:lnTo>
-                  <a:pt x="685800" y="685800"/>
-                </a:lnTo>
-                <a:lnTo>
-                  <a:pt x="1371600" y="342900"/>
-                </a:lnTo>
-                <a:lnTo>
-                  <a:pt x="685800" y="0"/>
+                  <a:pt x="857250" y="0"/>
+                </a:lnTo>
+                <a:lnTo>
+                  <a:pt x="857250" y="428625"/>
+                </a:lnTo>
+                <a:lnTo>
+                  <a:pt x="0" y="428625"/>
                 </a:lnTo>
                 <a:close/>
               </a:path>
@@ -6780,7 +6564,7 @@
           <a:solidFill>
             <a:srgbClr val="FFFFFF"/>
           </a:solidFill>
-          <a:ln w="13716" cap="flat">
+          <a:ln w="17145" cap="flat">
             <a:solidFill>
               <a:srgbClr val="000000"/>
             </a:solidFill>
@@ -6798,10 +6582,10 @@
       </p:sp>
       <p:sp>
         <p:nvSpPr>
-          <p:cNvPr id="13" name="TextBox 12">
-            <a:extLst>
-              <a:ext uri="{FF2B5EF4-FFF2-40B4-BE49-F238E27FC236}">
-                <a16:creationId xmlns:a16="http://schemas.microsoft.com/office/drawing/2014/main" id="{39988914-9FE7-25C0-12AA-38F2F30821F1}"/>
+          <p:cNvPr id="12" name="TextBox 11">
+            <a:extLst>
+              <a:ext uri="{FF2B5EF4-FFF2-40B4-BE49-F238E27FC236}">
+                <a16:creationId xmlns:a16="http://schemas.microsoft.com/office/drawing/2014/main" id="{92091B93-7C3B-ACD6-F976-750CA149BE67}"/>
               </a:ext>
             </a:extLst>
           </p:cNvPr>
@@ -6810,8 +6594,8 @@
         </p:nvSpPr>
         <p:spPr>
           <a:xfrm>
-            <a:off x="5709666" y="2690622"/>
-            <a:ext cx="772668" cy="187452"/>
+            <a:off x="7346156" y="460057"/>
+            <a:ext cx="928687" cy="211455"/>
           </a:xfrm>
           <a:prstGeom prst="rect">
             <a:avLst/>
@@ -6836,17 +6620,17 @@
                 <a:sym typeface="Arial"/>
                 <a:rtl val="0"/>
               </a:rPr>
-              <a:t>Face Detected?</a:t>
+              <a:t>Face Processor</a:t>
             </a:r>
           </a:p>
         </p:txBody>
       </p:sp>
       <p:sp>
         <p:nvSpPr>
-          <p:cNvPr id="14" name="Freeform: Shape 13">
-            <a:extLst>
-              <a:ext uri="{FF2B5EF4-FFF2-40B4-BE49-F238E27FC236}">
-                <a16:creationId xmlns:a16="http://schemas.microsoft.com/office/drawing/2014/main" id="{81B6E13B-6060-315D-0756-A2D988CCA8D3}"/>
+          <p:cNvPr id="13" name="Freeform: Shape 12">
+            <a:extLst>
+              <a:ext uri="{FF2B5EF4-FFF2-40B4-BE49-F238E27FC236}">
+                <a16:creationId xmlns:a16="http://schemas.microsoft.com/office/drawing/2014/main" id="{C81D8218-9962-D279-9EEF-2CDD2F5A0530}"/>
               </a:ext>
             </a:extLst>
           </p:cNvPr>
@@ -6855,28 +6639,20 @@
         </p:nvSpPr>
         <p:spPr>
           <a:xfrm>
-            <a:off x="7124700" y="2880360"/>
-            <a:ext cx="1371600" cy="411480"/>
+            <a:off x="9096375" y="342900"/>
+            <a:ext cx="857250" cy="428625"/>
           </a:xfrm>
           <a:custGeom>
             <a:avLst/>
             <a:gdLst>
-              <a:gd name="connsiteX0" fmla="*/ 1303020 w 1371600"/>
-              <a:gd name="connsiteY0" fmla="*/ 0 h 411480"/>
-              <a:gd name="connsiteX1" fmla="*/ 1371600 w 1371600"/>
-              <a:gd name="connsiteY1" fmla="*/ 0 h 411480"/>
-              <a:gd name="connsiteX2" fmla="*/ 1371600 w 1371600"/>
-              <a:gd name="connsiteY2" fmla="*/ 411480 h 411480"/>
-              <a:gd name="connsiteX3" fmla="*/ 1303020 w 1371600"/>
-              <a:gd name="connsiteY3" fmla="*/ 411480 h 411480"/>
-              <a:gd name="connsiteX4" fmla="*/ 68580 w 1371600"/>
-              <a:gd name="connsiteY4" fmla="*/ 411480 h 411480"/>
-              <a:gd name="connsiteX5" fmla="*/ 0 w 1371600"/>
-              <a:gd name="connsiteY5" fmla="*/ 411480 h 411480"/>
-              <a:gd name="connsiteX6" fmla="*/ 0 w 1371600"/>
-              <a:gd name="connsiteY6" fmla="*/ 0 h 411480"/>
-              <a:gd name="connsiteX7" fmla="*/ 68580 w 1371600"/>
-              <a:gd name="connsiteY7" fmla="*/ 0 h 411480"/>
+              <a:gd name="connsiteX0" fmla="*/ 0 w 857250"/>
+              <a:gd name="connsiteY0" fmla="*/ 0 h 428625"/>
+              <a:gd name="connsiteX1" fmla="*/ 857250 w 857250"/>
+              <a:gd name="connsiteY1" fmla="*/ 0 h 428625"/>
+              <a:gd name="connsiteX2" fmla="*/ 857250 w 857250"/>
+              <a:gd name="connsiteY2" fmla="*/ 428625 h 428625"/>
+              <a:gd name="connsiteX3" fmla="*/ 0 w 857250"/>
+              <a:gd name="connsiteY3" fmla="*/ 428625 h 428625"/>
             </a:gdLst>
             <a:ahLst/>
             <a:cxnLst>
@@ -6892,54 +6668,22 @@
               <a:cxn ang="0">
                 <a:pos x="connsiteX3" y="connsiteY3"/>
               </a:cxn>
-              <a:cxn ang="0">
-                <a:pos x="connsiteX4" y="connsiteY4"/>
-              </a:cxn>
-              <a:cxn ang="0">
-                <a:pos x="connsiteX5" y="connsiteY5"/>
-              </a:cxn>
-              <a:cxn ang="0">
-                <a:pos x="connsiteX6" y="connsiteY6"/>
-              </a:cxn>
-              <a:cxn ang="0">
-                <a:pos x="connsiteX7" y="connsiteY7"/>
-              </a:cxn>
             </a:cxnLst>
             <a:rect l="l" t="t" r="r" b="b"/>
             <a:pathLst>
-              <a:path w="1371600" h="411480">
+              <a:path w="857250" h="428625">
                 <a:moveTo>
-                  <a:pt x="1303020" y="0"/>
+                  <a:pt x="0" y="0"/>
                 </a:moveTo>
-                <a:cubicBezTo>
-                  <a:pt x="1340896" y="0"/>
-                  <a:pt x="1371600" y="0"/>
-                  <a:pt x="1371600" y="0"/>
-                </a:cubicBezTo>
-                <a:lnTo>
-                  <a:pt x="1371600" y="411480"/>
-                </a:lnTo>
-                <a:cubicBezTo>
-                  <a:pt x="1371600" y="411480"/>
-                  <a:pt x="1340896" y="411480"/>
-                  <a:pt x="1303020" y="411480"/>
-                </a:cubicBezTo>
-                <a:lnTo>
-                  <a:pt x="68580" y="411480"/>
-                </a:lnTo>
-                <a:cubicBezTo>
-                  <a:pt x="30704" y="411480"/>
-                  <a:pt x="0" y="411480"/>
-                  <a:pt x="0" y="411480"/>
-                </a:cubicBezTo>
-                <a:lnTo>
-                  <a:pt x="0" y="0"/>
-                </a:lnTo>
-                <a:cubicBezTo>
-                  <a:pt x="0" y="0"/>
-                  <a:pt x="30704" y="0"/>
-                  <a:pt x="68580" y="0"/>
-                </a:cubicBezTo>
+                <a:lnTo>
+                  <a:pt x="857250" y="0"/>
+                </a:lnTo>
+                <a:lnTo>
+                  <a:pt x="857250" y="428625"/>
+                </a:lnTo>
+                <a:lnTo>
+                  <a:pt x="0" y="428625"/>
+                </a:lnTo>
                 <a:close/>
               </a:path>
             </a:pathLst>
@@ -6947,7 +6691,7 @@
           <a:solidFill>
             <a:srgbClr val="FFFFFF"/>
           </a:solidFill>
-          <a:ln w="13716" cap="flat">
+          <a:ln w="17145" cap="flat">
             <a:solidFill>
               <a:srgbClr val="000000"/>
             </a:solidFill>
@@ -6965,10 +6709,10 @@
       </p:sp>
       <p:sp>
         <p:nvSpPr>
-          <p:cNvPr id="15" name="TextBox 14">
-            <a:extLst>
-              <a:ext uri="{FF2B5EF4-FFF2-40B4-BE49-F238E27FC236}">
-                <a16:creationId xmlns:a16="http://schemas.microsoft.com/office/drawing/2014/main" id="{F6A9F70F-8A78-F021-F1D9-73DE0FE36E6B}"/>
+          <p:cNvPr id="14" name="TextBox 13">
+            <a:extLst>
+              <a:ext uri="{FF2B5EF4-FFF2-40B4-BE49-F238E27FC236}">
+                <a16:creationId xmlns:a16="http://schemas.microsoft.com/office/drawing/2014/main" id="{1DA36ECC-18A5-4611-3BC6-5D910A51B5B3}"/>
               </a:ext>
             </a:extLst>
           </p:cNvPr>
@@ -6977,8 +6721,8 @@
         </p:nvSpPr>
         <p:spPr>
           <a:xfrm>
-            <a:off x="7252716" y="2999232"/>
-            <a:ext cx="1115568" cy="187452"/>
+            <a:off x="9202102" y="460057"/>
+            <a:ext cx="645795" cy="211455"/>
           </a:xfrm>
           <a:prstGeom prst="rect">
             <a:avLst/>
@@ -7003,17 +6747,17 @@
                 <a:sym typeface="Arial"/>
                 <a:rtl val="0"/>
               </a:rPr>
-              <a:t>Display "No Face Found"</a:t>
+              <a:t>Database</a:t>
             </a:r>
           </a:p>
         </p:txBody>
       </p:sp>
       <p:sp>
         <p:nvSpPr>
-          <p:cNvPr id="16" name="Freeform: Shape 15">
-            <a:extLst>
-              <a:ext uri="{FF2B5EF4-FFF2-40B4-BE49-F238E27FC236}">
-                <a16:creationId xmlns:a16="http://schemas.microsoft.com/office/drawing/2014/main" id="{717470F1-6192-92BD-8186-F2D88887D90C}"/>
+          <p:cNvPr id="15" name="Freeform: Shape 14">
+            <a:extLst>
+              <a:ext uri="{FF2B5EF4-FFF2-40B4-BE49-F238E27FC236}">
+                <a16:creationId xmlns:a16="http://schemas.microsoft.com/office/drawing/2014/main" id="{6D1327EA-5922-10D1-5813-E330FEC5F586}"/>
               </a:ext>
             </a:extLst>
           </p:cNvPr>
@@ -7022,28 +6766,16 @@
         </p:nvSpPr>
         <p:spPr>
           <a:xfrm>
-            <a:off x="5410200" y="3429000"/>
-            <a:ext cx="1371600" cy="411480"/>
+            <a:off x="2667000" y="771525"/>
+            <a:ext cx="8572" cy="5657850"/>
           </a:xfrm>
           <a:custGeom>
             <a:avLst/>
             <a:gdLst>
-              <a:gd name="connsiteX0" fmla="*/ 1303020 w 1371600"/>
-              <a:gd name="connsiteY0" fmla="*/ 0 h 411480"/>
-              <a:gd name="connsiteX1" fmla="*/ 1371600 w 1371600"/>
-              <a:gd name="connsiteY1" fmla="*/ 0 h 411480"/>
-              <a:gd name="connsiteX2" fmla="*/ 1371600 w 1371600"/>
-              <a:gd name="connsiteY2" fmla="*/ 411480 h 411480"/>
-              <a:gd name="connsiteX3" fmla="*/ 1303020 w 1371600"/>
-              <a:gd name="connsiteY3" fmla="*/ 411480 h 411480"/>
-              <a:gd name="connsiteX4" fmla="*/ 68580 w 1371600"/>
-              <a:gd name="connsiteY4" fmla="*/ 411480 h 411480"/>
-              <a:gd name="connsiteX5" fmla="*/ 0 w 1371600"/>
-              <a:gd name="connsiteY5" fmla="*/ 411480 h 411480"/>
-              <a:gd name="connsiteX6" fmla="*/ 0 w 1371600"/>
-              <a:gd name="connsiteY6" fmla="*/ 0 h 411480"/>
-              <a:gd name="connsiteX7" fmla="*/ 68580 w 1371600"/>
-              <a:gd name="connsiteY7" fmla="*/ 0 h 411480"/>
+              <a:gd name="connsiteX0" fmla="*/ 0 w 8572"/>
+              <a:gd name="connsiteY0" fmla="*/ 0 h 5657850"/>
+              <a:gd name="connsiteX1" fmla="*/ 0 w 8572"/>
+              <a:gd name="connsiteY1" fmla="*/ 5657850 h 5657850"/>
             </a:gdLst>
             <a:ahLst/>
             <a:cxnLst>
@@ -7053,68 +6785,360 @@
               <a:cxn ang="0">
                 <a:pos x="connsiteX1" y="connsiteY1"/>
               </a:cxn>
-              <a:cxn ang="0">
-                <a:pos x="connsiteX2" y="connsiteY2"/>
-              </a:cxn>
-              <a:cxn ang="0">
-                <a:pos x="connsiteX3" y="connsiteY3"/>
-              </a:cxn>
-              <a:cxn ang="0">
-                <a:pos x="connsiteX4" y="connsiteY4"/>
-              </a:cxn>
-              <a:cxn ang="0">
-                <a:pos x="connsiteX5" y="connsiteY5"/>
-              </a:cxn>
-              <a:cxn ang="0">
-                <a:pos x="connsiteX6" y="connsiteY6"/>
-              </a:cxn>
-              <a:cxn ang="0">
-                <a:pos x="connsiteX7" y="connsiteY7"/>
-              </a:cxn>
             </a:cxnLst>
             <a:rect l="l" t="t" r="r" b="b"/>
             <a:pathLst>
-              <a:path w="1371600" h="411480">
+              <a:path w="8572" h="5657850">
                 <a:moveTo>
-                  <a:pt x="1303020" y="0"/>
+                  <a:pt x="0" y="0"/>
                 </a:moveTo>
-                <a:cubicBezTo>
-                  <a:pt x="1340896" y="0"/>
-                  <a:pt x="1371600" y="0"/>
-                  <a:pt x="1371600" y="0"/>
-                </a:cubicBezTo>
-                <a:lnTo>
-                  <a:pt x="1371600" y="411480"/>
-                </a:lnTo>
-                <a:cubicBezTo>
-                  <a:pt x="1371600" y="411480"/>
-                  <a:pt x="1340896" y="411480"/>
-                  <a:pt x="1303020" y="411480"/>
-                </a:cubicBezTo>
-                <a:lnTo>
-                  <a:pt x="68580" y="411480"/>
-                </a:lnTo>
-                <a:cubicBezTo>
-                  <a:pt x="30704" y="411480"/>
-                  <a:pt x="0" y="411480"/>
-                  <a:pt x="0" y="411480"/>
-                </a:cubicBezTo>
-                <a:lnTo>
+                <a:lnTo>
+                  <a:pt x="0" y="5657850"/>
+                </a:lnTo>
+              </a:path>
+            </a:pathLst>
+          </a:custGeom>
+          <a:ln w="8572" cap="flat">
+            <a:solidFill>
+              <a:srgbClr val="000000"/>
+            </a:solidFill>
+            <a:custDash>
+              <a:ds d="375000" sp="375000"/>
+            </a:custDash>
+            <a:miter/>
+          </a:ln>
+        </p:spPr>
+        <p:txBody>
+          <a:bodyPr rtlCol="0" anchor="ctr"/>
+          <a:lstStyle/>
+          <a:p>
+            <a:endParaRPr lang="en-IN"/>
+          </a:p>
+        </p:txBody>
+      </p:sp>
+      <p:sp>
+        <p:nvSpPr>
+          <p:cNvPr id="16" name="Freeform: Shape 15">
+            <a:extLst>
+              <a:ext uri="{FF2B5EF4-FFF2-40B4-BE49-F238E27FC236}">
+                <a16:creationId xmlns:a16="http://schemas.microsoft.com/office/drawing/2014/main" id="{3D766833-A488-341E-FA84-4DD81104375E}"/>
+              </a:ext>
+            </a:extLst>
+          </p:cNvPr>
+          <p:cNvSpPr/>
+          <p:nvPr/>
+        </p:nvSpPr>
+        <p:spPr>
+          <a:xfrm>
+            <a:off x="4381500" y="771525"/>
+            <a:ext cx="8572" cy="5657850"/>
+          </a:xfrm>
+          <a:custGeom>
+            <a:avLst/>
+            <a:gdLst>
+              <a:gd name="connsiteX0" fmla="*/ 0 w 8572"/>
+              <a:gd name="connsiteY0" fmla="*/ 0 h 5657850"/>
+              <a:gd name="connsiteX1" fmla="*/ 0 w 8572"/>
+              <a:gd name="connsiteY1" fmla="*/ 5657850 h 5657850"/>
+            </a:gdLst>
+            <a:ahLst/>
+            <a:cxnLst>
+              <a:cxn ang="0">
+                <a:pos x="connsiteX0" y="connsiteY0"/>
+              </a:cxn>
+              <a:cxn ang="0">
+                <a:pos x="connsiteX1" y="connsiteY1"/>
+              </a:cxn>
+            </a:cxnLst>
+            <a:rect l="l" t="t" r="r" b="b"/>
+            <a:pathLst>
+              <a:path w="8572" h="5657850">
+                <a:moveTo>
                   <a:pt x="0" y="0"/>
-                </a:lnTo>
-                <a:cubicBezTo>
+                </a:moveTo>
+                <a:lnTo>
+                  <a:pt x="0" y="5657850"/>
+                </a:lnTo>
+              </a:path>
+            </a:pathLst>
+          </a:custGeom>
+          <a:ln w="8572" cap="flat">
+            <a:solidFill>
+              <a:srgbClr val="000000"/>
+            </a:solidFill>
+            <a:custDash>
+              <a:ds d="375000" sp="375000"/>
+            </a:custDash>
+            <a:miter/>
+          </a:ln>
+        </p:spPr>
+        <p:txBody>
+          <a:bodyPr rtlCol="0" anchor="ctr"/>
+          <a:lstStyle/>
+          <a:p>
+            <a:endParaRPr lang="en-IN"/>
+          </a:p>
+        </p:txBody>
+      </p:sp>
+      <p:sp>
+        <p:nvSpPr>
+          <p:cNvPr id="17" name="Freeform: Shape 16">
+            <a:extLst>
+              <a:ext uri="{FF2B5EF4-FFF2-40B4-BE49-F238E27FC236}">
+                <a16:creationId xmlns:a16="http://schemas.microsoft.com/office/drawing/2014/main" id="{9CD5BF9D-9F4E-BD13-77FA-66F49BC7554C}"/>
+              </a:ext>
+            </a:extLst>
+          </p:cNvPr>
+          <p:cNvSpPr/>
+          <p:nvPr/>
+        </p:nvSpPr>
+        <p:spPr>
+          <a:xfrm>
+            <a:off x="6096000" y="771525"/>
+            <a:ext cx="8572" cy="5657850"/>
+          </a:xfrm>
+          <a:custGeom>
+            <a:avLst/>
+            <a:gdLst>
+              <a:gd name="connsiteX0" fmla="*/ 0 w 8572"/>
+              <a:gd name="connsiteY0" fmla="*/ 0 h 5657850"/>
+              <a:gd name="connsiteX1" fmla="*/ 0 w 8572"/>
+              <a:gd name="connsiteY1" fmla="*/ 5657850 h 5657850"/>
+            </a:gdLst>
+            <a:ahLst/>
+            <a:cxnLst>
+              <a:cxn ang="0">
+                <a:pos x="connsiteX0" y="connsiteY0"/>
+              </a:cxn>
+              <a:cxn ang="0">
+                <a:pos x="connsiteX1" y="connsiteY1"/>
+              </a:cxn>
+            </a:cxnLst>
+            <a:rect l="l" t="t" r="r" b="b"/>
+            <a:pathLst>
+              <a:path w="8572" h="5657850">
+                <a:moveTo>
                   <a:pt x="0" y="0"/>
-                  <a:pt x="30704" y="0"/>
-                  <a:pt x="68580" y="0"/>
-                </a:cubicBezTo>
+                </a:moveTo>
+                <a:lnTo>
+                  <a:pt x="0" y="5657850"/>
+                </a:lnTo>
+              </a:path>
+            </a:pathLst>
+          </a:custGeom>
+          <a:ln w="8572" cap="flat">
+            <a:solidFill>
+              <a:srgbClr val="000000"/>
+            </a:solidFill>
+            <a:custDash>
+              <a:ds d="375000" sp="375000"/>
+            </a:custDash>
+            <a:miter/>
+          </a:ln>
+        </p:spPr>
+        <p:txBody>
+          <a:bodyPr rtlCol="0" anchor="ctr"/>
+          <a:lstStyle/>
+          <a:p>
+            <a:endParaRPr lang="en-IN"/>
+          </a:p>
+        </p:txBody>
+      </p:sp>
+      <p:sp>
+        <p:nvSpPr>
+          <p:cNvPr id="18" name="Freeform: Shape 17">
+            <a:extLst>
+              <a:ext uri="{FF2B5EF4-FFF2-40B4-BE49-F238E27FC236}">
+                <a16:creationId xmlns:a16="http://schemas.microsoft.com/office/drawing/2014/main" id="{A0ED752E-A9F1-D1CE-2D6F-A5FC067B6173}"/>
+              </a:ext>
+            </a:extLst>
+          </p:cNvPr>
+          <p:cNvSpPr/>
+          <p:nvPr/>
+        </p:nvSpPr>
+        <p:spPr>
+          <a:xfrm>
+            <a:off x="7810500" y="771525"/>
+            <a:ext cx="8572" cy="5657850"/>
+          </a:xfrm>
+          <a:custGeom>
+            <a:avLst/>
+            <a:gdLst>
+              <a:gd name="connsiteX0" fmla="*/ 0 w 8572"/>
+              <a:gd name="connsiteY0" fmla="*/ 0 h 5657850"/>
+              <a:gd name="connsiteX1" fmla="*/ 0 w 8572"/>
+              <a:gd name="connsiteY1" fmla="*/ 5657850 h 5657850"/>
+            </a:gdLst>
+            <a:ahLst/>
+            <a:cxnLst>
+              <a:cxn ang="0">
+                <a:pos x="connsiteX0" y="connsiteY0"/>
+              </a:cxn>
+              <a:cxn ang="0">
+                <a:pos x="connsiteX1" y="connsiteY1"/>
+              </a:cxn>
+            </a:cxnLst>
+            <a:rect l="l" t="t" r="r" b="b"/>
+            <a:pathLst>
+              <a:path w="8572" h="5657850">
+                <a:moveTo>
+                  <a:pt x="0" y="0"/>
+                </a:moveTo>
+                <a:lnTo>
+                  <a:pt x="0" y="5657850"/>
+                </a:lnTo>
+              </a:path>
+            </a:pathLst>
+          </a:custGeom>
+          <a:ln w="8572" cap="flat">
+            <a:solidFill>
+              <a:srgbClr val="000000"/>
+            </a:solidFill>
+            <a:custDash>
+              <a:ds d="375000" sp="375000"/>
+            </a:custDash>
+            <a:miter/>
+          </a:ln>
+        </p:spPr>
+        <p:txBody>
+          <a:bodyPr rtlCol="0" anchor="ctr"/>
+          <a:lstStyle/>
+          <a:p>
+            <a:endParaRPr lang="en-IN"/>
+          </a:p>
+        </p:txBody>
+      </p:sp>
+      <p:sp>
+        <p:nvSpPr>
+          <p:cNvPr id="19" name="Freeform: Shape 18">
+            <a:extLst>
+              <a:ext uri="{FF2B5EF4-FFF2-40B4-BE49-F238E27FC236}">
+                <a16:creationId xmlns:a16="http://schemas.microsoft.com/office/drawing/2014/main" id="{9228EAF4-047E-9E1A-A950-829594D71967}"/>
+              </a:ext>
+            </a:extLst>
+          </p:cNvPr>
+          <p:cNvSpPr/>
+          <p:nvPr/>
+        </p:nvSpPr>
+        <p:spPr>
+          <a:xfrm>
+            <a:off x="9525000" y="771525"/>
+            <a:ext cx="8572" cy="5657850"/>
+          </a:xfrm>
+          <a:custGeom>
+            <a:avLst/>
+            <a:gdLst>
+              <a:gd name="connsiteX0" fmla="*/ 0 w 8572"/>
+              <a:gd name="connsiteY0" fmla="*/ 0 h 5657850"/>
+              <a:gd name="connsiteX1" fmla="*/ 0 w 8572"/>
+              <a:gd name="connsiteY1" fmla="*/ 5657850 h 5657850"/>
+            </a:gdLst>
+            <a:ahLst/>
+            <a:cxnLst>
+              <a:cxn ang="0">
+                <a:pos x="connsiteX0" y="connsiteY0"/>
+              </a:cxn>
+              <a:cxn ang="0">
+                <a:pos x="connsiteX1" y="connsiteY1"/>
+              </a:cxn>
+            </a:cxnLst>
+            <a:rect l="l" t="t" r="r" b="b"/>
+            <a:pathLst>
+              <a:path w="8572" h="5657850">
+                <a:moveTo>
+                  <a:pt x="0" y="0"/>
+                </a:moveTo>
+                <a:lnTo>
+                  <a:pt x="0" y="5657850"/>
+                </a:lnTo>
+              </a:path>
+            </a:pathLst>
+          </a:custGeom>
+          <a:ln w="8572" cap="flat">
+            <a:solidFill>
+              <a:srgbClr val="000000"/>
+            </a:solidFill>
+            <a:custDash>
+              <a:ds d="375000" sp="375000"/>
+            </a:custDash>
+            <a:miter/>
+          </a:ln>
+        </p:spPr>
+        <p:txBody>
+          <a:bodyPr rtlCol="0" anchor="ctr"/>
+          <a:lstStyle/>
+          <a:p>
+            <a:endParaRPr lang="en-IN"/>
+          </a:p>
+        </p:txBody>
+      </p:sp>
+      <p:sp>
+        <p:nvSpPr>
+          <p:cNvPr id="20" name="Freeform: Shape 19">
+            <a:extLst>
+              <a:ext uri="{FF2B5EF4-FFF2-40B4-BE49-F238E27FC236}">
+                <a16:creationId xmlns:a16="http://schemas.microsoft.com/office/drawing/2014/main" id="{0745C4B5-593E-8D58-4446-7DBAABF6D1BC}"/>
+              </a:ext>
+            </a:extLst>
+          </p:cNvPr>
+          <p:cNvSpPr/>
+          <p:nvPr/>
+        </p:nvSpPr>
+        <p:spPr>
+          <a:xfrm>
+            <a:off x="4338637" y="1285875"/>
+            <a:ext cx="85725" cy="4714875"/>
+          </a:xfrm>
+          <a:custGeom>
+            <a:avLst/>
+            <a:gdLst>
+              <a:gd name="connsiteX0" fmla="*/ 0 w 85725"/>
+              <a:gd name="connsiteY0" fmla="*/ 0 h 4714875"/>
+              <a:gd name="connsiteX1" fmla="*/ 85725 w 85725"/>
+              <a:gd name="connsiteY1" fmla="*/ 0 h 4714875"/>
+              <a:gd name="connsiteX2" fmla="*/ 85725 w 85725"/>
+              <a:gd name="connsiteY2" fmla="*/ 4714875 h 4714875"/>
+              <a:gd name="connsiteX3" fmla="*/ 0 w 85725"/>
+              <a:gd name="connsiteY3" fmla="*/ 4714875 h 4714875"/>
+            </a:gdLst>
+            <a:ahLst/>
+            <a:cxnLst>
+              <a:cxn ang="0">
+                <a:pos x="connsiteX0" y="connsiteY0"/>
+              </a:cxn>
+              <a:cxn ang="0">
+                <a:pos x="connsiteX1" y="connsiteY1"/>
+              </a:cxn>
+              <a:cxn ang="0">
+                <a:pos x="connsiteX2" y="connsiteY2"/>
+              </a:cxn>
+              <a:cxn ang="0">
+                <a:pos x="connsiteX3" y="connsiteY3"/>
+              </a:cxn>
+            </a:cxnLst>
+            <a:rect l="l" t="t" r="r" b="b"/>
+            <a:pathLst>
+              <a:path w="85725" h="4714875">
+                <a:moveTo>
+                  <a:pt x="0" y="0"/>
+                </a:moveTo>
+                <a:lnTo>
+                  <a:pt x="85725" y="0"/>
+                </a:lnTo>
+                <a:lnTo>
+                  <a:pt x="85725" y="4714875"/>
+                </a:lnTo>
+                <a:lnTo>
+                  <a:pt x="0" y="4714875"/>
+                </a:lnTo>
                 <a:close/>
               </a:path>
             </a:pathLst>
           </a:custGeom>
           <a:solidFill>
-            <a:srgbClr val="FFFFFF"/>
+            <a:srgbClr val="E8E8E8"/>
           </a:solidFill>
-          <a:ln w="13716" cap="flat">
+          <a:ln w="8572" cap="flat">
             <a:solidFill>
               <a:srgbClr val="000000"/>
             </a:solidFill>
@@ -7132,10 +7156,318 @@
       </p:sp>
       <p:sp>
         <p:nvSpPr>
-          <p:cNvPr id="17" name="TextBox 16">
-            <a:extLst>
-              <a:ext uri="{FF2B5EF4-FFF2-40B4-BE49-F238E27FC236}">
-                <a16:creationId xmlns:a16="http://schemas.microsoft.com/office/drawing/2014/main" id="{3483BED7-776D-4B8A-0D25-B1ACC8986388}"/>
+          <p:cNvPr id="21" name="Freeform: Shape 20">
+            <a:extLst>
+              <a:ext uri="{FF2B5EF4-FFF2-40B4-BE49-F238E27FC236}">
+                <a16:creationId xmlns:a16="http://schemas.microsoft.com/office/drawing/2014/main" id="{17E76D85-C95D-6252-B702-2CA8F45A92C2}"/>
+              </a:ext>
+            </a:extLst>
+          </p:cNvPr>
+          <p:cNvSpPr/>
+          <p:nvPr/>
+        </p:nvSpPr>
+        <p:spPr>
+          <a:xfrm>
+            <a:off x="6053137" y="1714500"/>
+            <a:ext cx="85725" cy="3857625"/>
+          </a:xfrm>
+          <a:custGeom>
+            <a:avLst/>
+            <a:gdLst>
+              <a:gd name="connsiteX0" fmla="*/ 0 w 85725"/>
+              <a:gd name="connsiteY0" fmla="*/ 0 h 3857625"/>
+              <a:gd name="connsiteX1" fmla="*/ 85725 w 85725"/>
+              <a:gd name="connsiteY1" fmla="*/ 0 h 3857625"/>
+              <a:gd name="connsiteX2" fmla="*/ 85725 w 85725"/>
+              <a:gd name="connsiteY2" fmla="*/ 3857625 h 3857625"/>
+              <a:gd name="connsiteX3" fmla="*/ 0 w 85725"/>
+              <a:gd name="connsiteY3" fmla="*/ 3857625 h 3857625"/>
+            </a:gdLst>
+            <a:ahLst/>
+            <a:cxnLst>
+              <a:cxn ang="0">
+                <a:pos x="connsiteX0" y="connsiteY0"/>
+              </a:cxn>
+              <a:cxn ang="0">
+                <a:pos x="connsiteX1" y="connsiteY1"/>
+              </a:cxn>
+              <a:cxn ang="0">
+                <a:pos x="connsiteX2" y="connsiteY2"/>
+              </a:cxn>
+              <a:cxn ang="0">
+                <a:pos x="connsiteX3" y="connsiteY3"/>
+              </a:cxn>
+            </a:cxnLst>
+            <a:rect l="l" t="t" r="r" b="b"/>
+            <a:pathLst>
+              <a:path w="85725" h="3857625">
+                <a:moveTo>
+                  <a:pt x="0" y="0"/>
+                </a:moveTo>
+                <a:lnTo>
+                  <a:pt x="85725" y="0"/>
+                </a:lnTo>
+                <a:lnTo>
+                  <a:pt x="85725" y="3857625"/>
+                </a:lnTo>
+                <a:lnTo>
+                  <a:pt x="0" y="3857625"/>
+                </a:lnTo>
+                <a:close/>
+              </a:path>
+            </a:pathLst>
+          </a:custGeom>
+          <a:solidFill>
+            <a:srgbClr val="E8E8E8"/>
+          </a:solidFill>
+          <a:ln w="8572" cap="flat">
+            <a:solidFill>
+              <a:srgbClr val="000000"/>
+            </a:solidFill>
+            <a:prstDash val="solid"/>
+            <a:miter/>
+          </a:ln>
+        </p:spPr>
+        <p:txBody>
+          <a:bodyPr rtlCol="0" anchor="ctr"/>
+          <a:lstStyle/>
+          <a:p>
+            <a:endParaRPr lang="en-IN"/>
+          </a:p>
+        </p:txBody>
+      </p:sp>
+      <p:sp>
+        <p:nvSpPr>
+          <p:cNvPr id="22" name="Freeform: Shape 21">
+            <a:extLst>
+              <a:ext uri="{FF2B5EF4-FFF2-40B4-BE49-F238E27FC236}">
+                <a16:creationId xmlns:a16="http://schemas.microsoft.com/office/drawing/2014/main" id="{0AC4C7C9-7719-17D9-F263-21688F4D577C}"/>
+              </a:ext>
+            </a:extLst>
+          </p:cNvPr>
+          <p:cNvSpPr/>
+          <p:nvPr/>
+        </p:nvSpPr>
+        <p:spPr>
+          <a:xfrm>
+            <a:off x="7767637" y="2571750"/>
+            <a:ext cx="85725" cy="1714500"/>
+          </a:xfrm>
+          <a:custGeom>
+            <a:avLst/>
+            <a:gdLst>
+              <a:gd name="connsiteX0" fmla="*/ 0 w 85725"/>
+              <a:gd name="connsiteY0" fmla="*/ 0 h 1714500"/>
+              <a:gd name="connsiteX1" fmla="*/ 85725 w 85725"/>
+              <a:gd name="connsiteY1" fmla="*/ 0 h 1714500"/>
+              <a:gd name="connsiteX2" fmla="*/ 85725 w 85725"/>
+              <a:gd name="connsiteY2" fmla="*/ 1714500 h 1714500"/>
+              <a:gd name="connsiteX3" fmla="*/ 0 w 85725"/>
+              <a:gd name="connsiteY3" fmla="*/ 1714500 h 1714500"/>
+            </a:gdLst>
+            <a:ahLst/>
+            <a:cxnLst>
+              <a:cxn ang="0">
+                <a:pos x="connsiteX0" y="connsiteY0"/>
+              </a:cxn>
+              <a:cxn ang="0">
+                <a:pos x="connsiteX1" y="connsiteY1"/>
+              </a:cxn>
+              <a:cxn ang="0">
+                <a:pos x="connsiteX2" y="connsiteY2"/>
+              </a:cxn>
+              <a:cxn ang="0">
+                <a:pos x="connsiteX3" y="connsiteY3"/>
+              </a:cxn>
+            </a:cxnLst>
+            <a:rect l="l" t="t" r="r" b="b"/>
+            <a:pathLst>
+              <a:path w="85725" h="1714500">
+                <a:moveTo>
+                  <a:pt x="0" y="0"/>
+                </a:moveTo>
+                <a:lnTo>
+                  <a:pt x="85725" y="0"/>
+                </a:lnTo>
+                <a:lnTo>
+                  <a:pt x="85725" y="1714500"/>
+                </a:lnTo>
+                <a:lnTo>
+                  <a:pt x="0" y="1714500"/>
+                </a:lnTo>
+                <a:close/>
+              </a:path>
+            </a:pathLst>
+          </a:custGeom>
+          <a:solidFill>
+            <a:srgbClr val="E8E8E8"/>
+          </a:solidFill>
+          <a:ln w="8572" cap="flat">
+            <a:solidFill>
+              <a:srgbClr val="000000"/>
+            </a:solidFill>
+            <a:prstDash val="solid"/>
+            <a:miter/>
+          </a:ln>
+        </p:spPr>
+        <p:txBody>
+          <a:bodyPr rtlCol="0" anchor="ctr"/>
+          <a:lstStyle/>
+          <a:p>
+            <a:endParaRPr lang="en-IN"/>
+          </a:p>
+        </p:txBody>
+      </p:sp>
+      <p:sp>
+        <p:nvSpPr>
+          <p:cNvPr id="23" name="Freeform: Shape 22">
+            <a:extLst>
+              <a:ext uri="{FF2B5EF4-FFF2-40B4-BE49-F238E27FC236}">
+                <a16:creationId xmlns:a16="http://schemas.microsoft.com/office/drawing/2014/main" id="{01432F75-F185-154B-BF67-587AF4CDC614}"/>
+              </a:ext>
+            </a:extLst>
+          </p:cNvPr>
+          <p:cNvSpPr/>
+          <p:nvPr/>
+        </p:nvSpPr>
+        <p:spPr>
+          <a:xfrm>
+            <a:off x="9482137" y="3429000"/>
+            <a:ext cx="85725" cy="428625"/>
+          </a:xfrm>
+          <a:custGeom>
+            <a:avLst/>
+            <a:gdLst>
+              <a:gd name="connsiteX0" fmla="*/ 0 w 85725"/>
+              <a:gd name="connsiteY0" fmla="*/ 0 h 428625"/>
+              <a:gd name="connsiteX1" fmla="*/ 85725 w 85725"/>
+              <a:gd name="connsiteY1" fmla="*/ 0 h 428625"/>
+              <a:gd name="connsiteX2" fmla="*/ 85725 w 85725"/>
+              <a:gd name="connsiteY2" fmla="*/ 428625 h 428625"/>
+              <a:gd name="connsiteX3" fmla="*/ 0 w 85725"/>
+              <a:gd name="connsiteY3" fmla="*/ 428625 h 428625"/>
+            </a:gdLst>
+            <a:ahLst/>
+            <a:cxnLst>
+              <a:cxn ang="0">
+                <a:pos x="connsiteX0" y="connsiteY0"/>
+              </a:cxn>
+              <a:cxn ang="0">
+                <a:pos x="connsiteX1" y="connsiteY1"/>
+              </a:cxn>
+              <a:cxn ang="0">
+                <a:pos x="connsiteX2" y="connsiteY2"/>
+              </a:cxn>
+              <a:cxn ang="0">
+                <a:pos x="connsiteX3" y="connsiteY3"/>
+              </a:cxn>
+            </a:cxnLst>
+            <a:rect l="l" t="t" r="r" b="b"/>
+            <a:pathLst>
+              <a:path w="85725" h="428625">
+                <a:moveTo>
+                  <a:pt x="0" y="0"/>
+                </a:moveTo>
+                <a:lnTo>
+                  <a:pt x="85725" y="0"/>
+                </a:lnTo>
+                <a:lnTo>
+                  <a:pt x="85725" y="428625"/>
+                </a:lnTo>
+                <a:lnTo>
+                  <a:pt x="0" y="428625"/>
+                </a:lnTo>
+                <a:close/>
+              </a:path>
+            </a:pathLst>
+          </a:custGeom>
+          <a:solidFill>
+            <a:srgbClr val="E8E8E8"/>
+          </a:solidFill>
+          <a:ln w="8572" cap="flat">
+            <a:solidFill>
+              <a:srgbClr val="000000"/>
+            </a:solidFill>
+            <a:prstDash val="solid"/>
+            <a:miter/>
+          </a:ln>
+        </p:spPr>
+        <p:txBody>
+          <a:bodyPr rtlCol="0" anchor="ctr"/>
+          <a:lstStyle/>
+          <a:p>
+            <a:endParaRPr lang="en-IN"/>
+          </a:p>
+        </p:txBody>
+      </p:sp>
+      <p:sp>
+        <p:nvSpPr>
+          <p:cNvPr id="24" name="Freeform: Shape 23">
+            <a:extLst>
+              <a:ext uri="{FF2B5EF4-FFF2-40B4-BE49-F238E27FC236}">
+                <a16:creationId xmlns:a16="http://schemas.microsoft.com/office/drawing/2014/main" id="{E281F789-41A4-62ED-CF43-16DAC5561DA9}"/>
+              </a:ext>
+            </a:extLst>
+          </p:cNvPr>
+          <p:cNvSpPr/>
+          <p:nvPr/>
+        </p:nvSpPr>
+        <p:spPr>
+          <a:xfrm>
+            <a:off x="2667000" y="1285875"/>
+            <a:ext cx="1671637" cy="8572"/>
+          </a:xfrm>
+          <a:custGeom>
+            <a:avLst/>
+            <a:gdLst>
+              <a:gd name="connsiteX0" fmla="*/ 0 w 1671637"/>
+              <a:gd name="connsiteY0" fmla="*/ 0 h 8572"/>
+              <a:gd name="connsiteX1" fmla="*/ 1671638 w 1671637"/>
+              <a:gd name="connsiteY1" fmla="*/ 0 h 8572"/>
+            </a:gdLst>
+            <a:ahLst/>
+            <a:cxnLst>
+              <a:cxn ang="0">
+                <a:pos x="connsiteX0" y="connsiteY0"/>
+              </a:cxn>
+              <a:cxn ang="0">
+                <a:pos x="connsiteX1" y="connsiteY1"/>
+              </a:cxn>
+            </a:cxnLst>
+            <a:rect l="l" t="t" r="r" b="b"/>
+            <a:pathLst>
+              <a:path w="1671637" h="8572">
+                <a:moveTo>
+                  <a:pt x="0" y="0"/>
+                </a:moveTo>
+                <a:lnTo>
+                  <a:pt x="1671638" y="0"/>
+                </a:lnTo>
+              </a:path>
+            </a:pathLst>
+          </a:custGeom>
+          <a:ln w="17145" cap="flat">
+            <a:solidFill>
+              <a:srgbClr val="000000"/>
+            </a:solidFill>
+            <a:prstDash val="solid"/>
+            <a:miter/>
+          </a:ln>
+        </p:spPr>
+        <p:txBody>
+          <a:bodyPr rtlCol="0" anchor="ctr"/>
+          <a:lstStyle/>
+          <a:p>
+            <a:endParaRPr lang="en-IN"/>
+          </a:p>
+        </p:txBody>
+      </p:sp>
+      <p:sp>
+        <p:nvSpPr>
+          <p:cNvPr id="25" name="TextBox 24">
+            <a:extLst>
+              <a:ext uri="{FF2B5EF4-FFF2-40B4-BE49-F238E27FC236}">
+                <a16:creationId xmlns:a16="http://schemas.microsoft.com/office/drawing/2014/main" id="{3645F6B1-CDBC-4759-A8F2-7DC45F078B59}"/>
               </a:ext>
             </a:extLst>
           </p:cNvPr>
@@ -7144,8 +7476,8 @@
         </p:nvSpPr>
         <p:spPr>
           <a:xfrm>
-            <a:off x="5579364" y="3547872"/>
-            <a:ext cx="1033272" cy="187452"/>
+            <a:off x="3098482" y="1060132"/>
+            <a:ext cx="851535" cy="211455"/>
           </a:xfrm>
           <a:prstGeom prst="rect">
             <a:avLst/>
@@ -7170,17 +7502,17 @@
                 <a:sym typeface="Arial"/>
                 <a:rtl val="0"/>
               </a:rPr>
-              <a:t>Extract Facial Features</a:t>
+              <a:t>Upload Image</a:t>
             </a:r>
           </a:p>
         </p:txBody>
       </p:sp>
       <p:sp>
         <p:nvSpPr>
-          <p:cNvPr id="18" name="Freeform: Shape 17">
-            <a:extLst>
-              <a:ext uri="{FF2B5EF4-FFF2-40B4-BE49-F238E27FC236}">
-                <a16:creationId xmlns:a16="http://schemas.microsoft.com/office/drawing/2014/main" id="{B628E89B-AA8B-B356-5E09-9192A4372701}"/>
+          <p:cNvPr id="26" name="Freeform: Shape 25">
+            <a:extLst>
+              <a:ext uri="{FF2B5EF4-FFF2-40B4-BE49-F238E27FC236}">
+                <a16:creationId xmlns:a16="http://schemas.microsoft.com/office/drawing/2014/main" id="{450ED810-E93D-5088-E057-B5F2538DF0DC}"/>
               </a:ext>
             </a:extLst>
           </p:cNvPr>
@@ -7189,28 +7521,16 @@
         </p:nvSpPr>
         <p:spPr>
           <a:xfrm>
-            <a:off x="5410200" y="4114800"/>
-            <a:ext cx="1371600" cy="411480"/>
+            <a:off x="4381500" y="1714500"/>
+            <a:ext cx="1671637" cy="8572"/>
           </a:xfrm>
           <a:custGeom>
             <a:avLst/>
             <a:gdLst>
-              <a:gd name="connsiteX0" fmla="*/ 1303020 w 1371600"/>
-              <a:gd name="connsiteY0" fmla="*/ 0 h 411480"/>
-              <a:gd name="connsiteX1" fmla="*/ 1371600 w 1371600"/>
-              <a:gd name="connsiteY1" fmla="*/ 0 h 411480"/>
-              <a:gd name="connsiteX2" fmla="*/ 1371600 w 1371600"/>
-              <a:gd name="connsiteY2" fmla="*/ 411480 h 411480"/>
-              <a:gd name="connsiteX3" fmla="*/ 1303020 w 1371600"/>
-              <a:gd name="connsiteY3" fmla="*/ 411480 h 411480"/>
-              <a:gd name="connsiteX4" fmla="*/ 68580 w 1371600"/>
-              <a:gd name="connsiteY4" fmla="*/ 411480 h 411480"/>
-              <a:gd name="connsiteX5" fmla="*/ 0 w 1371600"/>
-              <a:gd name="connsiteY5" fmla="*/ 411480 h 411480"/>
-              <a:gd name="connsiteX6" fmla="*/ 0 w 1371600"/>
-              <a:gd name="connsiteY6" fmla="*/ 0 h 411480"/>
-              <a:gd name="connsiteX7" fmla="*/ 68580 w 1371600"/>
-              <a:gd name="connsiteY7" fmla="*/ 0 h 411480"/>
+              <a:gd name="connsiteX0" fmla="*/ 0 w 1671637"/>
+              <a:gd name="connsiteY0" fmla="*/ 0 h 8572"/>
+              <a:gd name="connsiteX1" fmla="*/ 1671638 w 1671637"/>
+              <a:gd name="connsiteY1" fmla="*/ 0 h 8572"/>
             </a:gdLst>
             <a:ahLst/>
             <a:cxnLst>
@@ -7220,68 +7540,20 @@
               <a:cxn ang="0">
                 <a:pos x="connsiteX1" y="connsiteY1"/>
               </a:cxn>
-              <a:cxn ang="0">
-                <a:pos x="connsiteX2" y="connsiteY2"/>
-              </a:cxn>
-              <a:cxn ang="0">
-                <a:pos x="connsiteX3" y="connsiteY3"/>
-              </a:cxn>
-              <a:cxn ang="0">
-                <a:pos x="connsiteX4" y="connsiteY4"/>
-              </a:cxn>
-              <a:cxn ang="0">
-                <a:pos x="connsiteX5" y="connsiteY5"/>
-              </a:cxn>
-              <a:cxn ang="0">
-                <a:pos x="connsiteX6" y="connsiteY6"/>
-              </a:cxn>
-              <a:cxn ang="0">
-                <a:pos x="connsiteX7" y="connsiteY7"/>
-              </a:cxn>
             </a:cxnLst>
             <a:rect l="l" t="t" r="r" b="b"/>
             <a:pathLst>
-              <a:path w="1371600" h="411480">
+              <a:path w="1671637" h="8572">
                 <a:moveTo>
-                  <a:pt x="1303020" y="0"/>
+                  <a:pt x="0" y="0"/>
                 </a:moveTo>
-                <a:cubicBezTo>
-                  <a:pt x="1340896" y="0"/>
-                  <a:pt x="1371600" y="0"/>
-                  <a:pt x="1371600" y="0"/>
-                </a:cubicBezTo>
-                <a:lnTo>
-                  <a:pt x="1371600" y="411480"/>
-                </a:lnTo>
-                <a:cubicBezTo>
-                  <a:pt x="1371600" y="411480"/>
-                  <a:pt x="1340896" y="411480"/>
-                  <a:pt x="1303020" y="411480"/>
-                </a:cubicBezTo>
-                <a:lnTo>
-                  <a:pt x="68580" y="411480"/>
-                </a:lnTo>
-                <a:cubicBezTo>
-                  <a:pt x="30704" y="411480"/>
-                  <a:pt x="0" y="411480"/>
-                  <a:pt x="0" y="411480"/>
-                </a:cubicBezTo>
-                <a:lnTo>
-                  <a:pt x="0" y="0"/>
-                </a:lnTo>
-                <a:cubicBezTo>
-                  <a:pt x="0" y="0"/>
-                  <a:pt x="30704" y="0"/>
-                  <a:pt x="68580" y="0"/>
-                </a:cubicBezTo>
-                <a:close/>
+                <a:lnTo>
+                  <a:pt x="1671638" y="0"/>
+                </a:lnTo>
               </a:path>
             </a:pathLst>
           </a:custGeom>
-          <a:solidFill>
-            <a:srgbClr val="FFFFFF"/>
-          </a:solidFill>
-          <a:ln w="13716" cap="flat">
+          <a:ln w="17145" cap="flat">
             <a:solidFill>
               <a:srgbClr val="000000"/>
             </a:solidFill>
@@ -7299,10 +7571,10 @@
       </p:sp>
       <p:sp>
         <p:nvSpPr>
-          <p:cNvPr id="19" name="TextBox 18">
-            <a:extLst>
-              <a:ext uri="{FF2B5EF4-FFF2-40B4-BE49-F238E27FC236}">
-                <a16:creationId xmlns:a16="http://schemas.microsoft.com/office/drawing/2014/main" id="{65F9FFA5-19AD-3E61-E612-3C371F77FD8E}"/>
+          <p:cNvPr id="27" name="TextBox 26">
+            <a:extLst>
+              <a:ext uri="{FF2B5EF4-FFF2-40B4-BE49-F238E27FC236}">
+                <a16:creationId xmlns:a16="http://schemas.microsoft.com/office/drawing/2014/main" id="{B7AF8D8B-6644-EE25-DE03-57C953055969}"/>
               </a:ext>
             </a:extLst>
           </p:cNvPr>
@@ -7311,8 +7583,8 @@
         </p:nvSpPr>
         <p:spPr>
           <a:xfrm>
-            <a:off x="5586222" y="4233672"/>
-            <a:ext cx="1019556" cy="187452"/>
+            <a:off x="4787265" y="1488757"/>
+            <a:ext cx="902970" cy="211455"/>
           </a:xfrm>
           <a:prstGeom prst="rect">
             <a:avLst/>
@@ -7337,17 +7609,17 @@
                 <a:sym typeface="Arial"/>
                 <a:rtl val="0"/>
               </a:rPr>
-              <a:t>Mark Face Landmarks</a:t>
+              <a:t>Process Image</a:t>
             </a:r>
           </a:p>
         </p:txBody>
       </p:sp>
       <p:sp>
         <p:nvSpPr>
-          <p:cNvPr id="20" name="Freeform: Shape 19">
-            <a:extLst>
-              <a:ext uri="{FF2B5EF4-FFF2-40B4-BE49-F238E27FC236}">
-                <a16:creationId xmlns:a16="http://schemas.microsoft.com/office/drawing/2014/main" id="{3FFED22D-1B14-5EF5-424D-B6DCB64C68D6}"/>
+          <p:cNvPr id="28" name="Freeform: Shape 27">
+            <a:extLst>
+              <a:ext uri="{FF2B5EF4-FFF2-40B4-BE49-F238E27FC236}">
+                <a16:creationId xmlns:a16="http://schemas.microsoft.com/office/drawing/2014/main" id="{1AEF5153-C657-2340-9AD4-1E721AEFCBBD}"/>
               </a:ext>
             </a:extLst>
           </p:cNvPr>
@@ -7356,28 +7628,20 @@
         </p:nvSpPr>
         <p:spPr>
           <a:xfrm>
-            <a:off x="5410200" y="4800600"/>
-            <a:ext cx="1371600" cy="411480"/>
+            <a:off x="6138862" y="2143125"/>
+            <a:ext cx="257175" cy="257175"/>
           </a:xfrm>
           <a:custGeom>
             <a:avLst/>
             <a:gdLst>
-              <a:gd name="connsiteX0" fmla="*/ 1303020 w 1371600"/>
-              <a:gd name="connsiteY0" fmla="*/ 0 h 411480"/>
-              <a:gd name="connsiteX1" fmla="*/ 1371600 w 1371600"/>
-              <a:gd name="connsiteY1" fmla="*/ 0 h 411480"/>
-              <a:gd name="connsiteX2" fmla="*/ 1371600 w 1371600"/>
-              <a:gd name="connsiteY2" fmla="*/ 411480 h 411480"/>
-              <a:gd name="connsiteX3" fmla="*/ 1303020 w 1371600"/>
-              <a:gd name="connsiteY3" fmla="*/ 411480 h 411480"/>
-              <a:gd name="connsiteX4" fmla="*/ 68580 w 1371600"/>
-              <a:gd name="connsiteY4" fmla="*/ 411480 h 411480"/>
-              <a:gd name="connsiteX5" fmla="*/ 0 w 1371600"/>
-              <a:gd name="connsiteY5" fmla="*/ 411480 h 411480"/>
-              <a:gd name="connsiteX6" fmla="*/ 0 w 1371600"/>
-              <a:gd name="connsiteY6" fmla="*/ 0 h 411480"/>
-              <a:gd name="connsiteX7" fmla="*/ 68580 w 1371600"/>
-              <a:gd name="connsiteY7" fmla="*/ 0 h 411480"/>
+              <a:gd name="connsiteX0" fmla="*/ 0 w 257175"/>
+              <a:gd name="connsiteY0" fmla="*/ 0 h 257175"/>
+              <a:gd name="connsiteX1" fmla="*/ 257175 w 257175"/>
+              <a:gd name="connsiteY1" fmla="*/ 0 h 257175"/>
+              <a:gd name="connsiteX2" fmla="*/ 257175 w 257175"/>
+              <a:gd name="connsiteY2" fmla="*/ 257175 h 257175"/>
+              <a:gd name="connsiteX3" fmla="*/ 0 w 257175"/>
+              <a:gd name="connsiteY3" fmla="*/ 257175 h 257175"/>
             </a:gdLst>
             <a:ahLst/>
             <a:cxnLst>
@@ -7393,62 +7657,27 @@
               <a:cxn ang="0">
                 <a:pos x="connsiteX3" y="connsiteY3"/>
               </a:cxn>
-              <a:cxn ang="0">
-                <a:pos x="connsiteX4" y="connsiteY4"/>
-              </a:cxn>
-              <a:cxn ang="0">
-                <a:pos x="connsiteX5" y="connsiteY5"/>
-              </a:cxn>
-              <a:cxn ang="0">
-                <a:pos x="connsiteX6" y="connsiteY6"/>
-              </a:cxn>
-              <a:cxn ang="0">
-                <a:pos x="connsiteX7" y="connsiteY7"/>
-              </a:cxn>
             </a:cxnLst>
             <a:rect l="l" t="t" r="r" b="b"/>
             <a:pathLst>
-              <a:path w="1371600" h="411480">
+              <a:path w="257175" h="257175">
                 <a:moveTo>
-                  <a:pt x="1303020" y="0"/>
+                  <a:pt x="0" y="0"/>
                 </a:moveTo>
-                <a:cubicBezTo>
-                  <a:pt x="1340896" y="0"/>
-                  <a:pt x="1371600" y="0"/>
-                  <a:pt x="1371600" y="0"/>
-                </a:cubicBezTo>
-                <a:lnTo>
-                  <a:pt x="1371600" y="411480"/>
-                </a:lnTo>
-                <a:cubicBezTo>
-                  <a:pt x="1371600" y="411480"/>
-                  <a:pt x="1340896" y="411480"/>
-                  <a:pt x="1303020" y="411480"/>
-                </a:cubicBezTo>
-                <a:lnTo>
-                  <a:pt x="68580" y="411480"/>
-                </a:lnTo>
-                <a:cubicBezTo>
-                  <a:pt x="30704" y="411480"/>
-                  <a:pt x="0" y="411480"/>
-                  <a:pt x="0" y="411480"/>
-                </a:cubicBezTo>
-                <a:lnTo>
-                  <a:pt x="0" y="0"/>
-                </a:lnTo>
-                <a:cubicBezTo>
-                  <a:pt x="0" y="0"/>
-                  <a:pt x="30704" y="0"/>
-                  <a:pt x="68580" y="0"/>
-                </a:cubicBezTo>
-                <a:close/>
+                <a:lnTo>
+                  <a:pt x="257175" y="0"/>
+                </a:lnTo>
+                <a:lnTo>
+                  <a:pt x="257175" y="257175"/>
+                </a:lnTo>
+                <a:lnTo>
+                  <a:pt x="0" y="257175"/>
+                </a:lnTo>
               </a:path>
             </a:pathLst>
           </a:custGeom>
-          <a:solidFill>
-            <a:srgbClr val="FFFFFF"/>
-          </a:solidFill>
-          <a:ln w="13716" cap="flat">
+          <a:noFill/>
+          <a:ln w="17145" cap="flat">
             <a:solidFill>
               <a:srgbClr val="000000"/>
             </a:solidFill>
@@ -7466,10 +7695,10 @@
       </p:sp>
       <p:sp>
         <p:nvSpPr>
-          <p:cNvPr id="21" name="TextBox 20">
-            <a:extLst>
-              <a:ext uri="{FF2B5EF4-FFF2-40B4-BE49-F238E27FC236}">
-                <a16:creationId xmlns:a16="http://schemas.microsoft.com/office/drawing/2014/main" id="{9CA665E9-755D-E62C-36DA-88DF76943EA0}"/>
+          <p:cNvPr id="29" name="TextBox 28">
+            <a:extLst>
+              <a:ext uri="{FF2B5EF4-FFF2-40B4-BE49-F238E27FC236}">
+                <a16:creationId xmlns:a16="http://schemas.microsoft.com/office/drawing/2014/main" id="{CB6509FB-3B2C-9866-A81B-981613BB37DC}"/>
               </a:ext>
             </a:extLst>
           </p:cNvPr>
@@ -7478,8 +7707,346 @@
         </p:nvSpPr>
         <p:spPr>
           <a:xfrm>
-            <a:off x="5702808" y="4919472"/>
-            <a:ext cx="786384" cy="187452"/>
+            <a:off x="6604635" y="2174557"/>
+            <a:ext cx="740092" cy="211455"/>
+          </a:xfrm>
+          <a:prstGeom prst="rect">
+            <a:avLst/>
+          </a:prstGeom>
+          <a:noFill/>
+        </p:spPr>
+        <p:txBody>
+          <a:bodyPr wrap="none" rtlCol="0">
+            <a:spAutoFit/>
+          </a:bodyPr>
+          <a:lstStyle/>
+          <a:p>
+            <a:pPr algn="l"/>
+            <a:r>
+              <a:rPr lang="en-IN" sz="900" spc="0" baseline="0">
+                <a:ln/>
+                <a:solidFill>
+                  <a:srgbClr val="000000"/>
+                </a:solidFill>
+                <a:latin typeface="Arial"/>
+                <a:cs typeface="Arial"/>
+                <a:sym typeface="Arial"/>
+                <a:rtl val="0"/>
+              </a:rPr>
+              <a:t>Detect Face</a:t>
+            </a:r>
+          </a:p>
+        </p:txBody>
+      </p:sp>
+      <p:sp>
+        <p:nvSpPr>
+          <p:cNvPr id="30" name="Freeform: Shape 29">
+            <a:extLst>
+              <a:ext uri="{FF2B5EF4-FFF2-40B4-BE49-F238E27FC236}">
+                <a16:creationId xmlns:a16="http://schemas.microsoft.com/office/drawing/2014/main" id="{24886974-AA10-D76F-7889-942331E0AF86}"/>
+              </a:ext>
+            </a:extLst>
+          </p:cNvPr>
+          <p:cNvSpPr/>
+          <p:nvPr/>
+        </p:nvSpPr>
+        <p:spPr>
+          <a:xfrm>
+            <a:off x="6138862" y="2571750"/>
+            <a:ext cx="1628775" cy="8572"/>
+          </a:xfrm>
+          <a:custGeom>
+            <a:avLst/>
+            <a:gdLst>
+              <a:gd name="connsiteX0" fmla="*/ 0 w 1628775"/>
+              <a:gd name="connsiteY0" fmla="*/ 0 h 8572"/>
+              <a:gd name="connsiteX1" fmla="*/ 1628775 w 1628775"/>
+              <a:gd name="connsiteY1" fmla="*/ 0 h 8572"/>
+            </a:gdLst>
+            <a:ahLst/>
+            <a:cxnLst>
+              <a:cxn ang="0">
+                <a:pos x="connsiteX0" y="connsiteY0"/>
+              </a:cxn>
+              <a:cxn ang="0">
+                <a:pos x="connsiteX1" y="connsiteY1"/>
+              </a:cxn>
+            </a:cxnLst>
+            <a:rect l="l" t="t" r="r" b="b"/>
+            <a:pathLst>
+              <a:path w="1628775" h="8572">
+                <a:moveTo>
+                  <a:pt x="0" y="0"/>
+                </a:moveTo>
+                <a:lnTo>
+                  <a:pt x="1628775" y="0"/>
+                </a:lnTo>
+              </a:path>
+            </a:pathLst>
+          </a:custGeom>
+          <a:ln w="17145" cap="flat">
+            <a:solidFill>
+              <a:srgbClr val="000000"/>
+            </a:solidFill>
+            <a:prstDash val="solid"/>
+            <a:miter/>
+          </a:ln>
+        </p:spPr>
+        <p:txBody>
+          <a:bodyPr rtlCol="0" anchor="ctr"/>
+          <a:lstStyle/>
+          <a:p>
+            <a:endParaRPr lang="en-IN"/>
+          </a:p>
+        </p:txBody>
+      </p:sp>
+      <p:sp>
+        <p:nvSpPr>
+          <p:cNvPr id="31" name="TextBox 30">
+            <a:extLst>
+              <a:ext uri="{FF2B5EF4-FFF2-40B4-BE49-F238E27FC236}">
+                <a16:creationId xmlns:a16="http://schemas.microsoft.com/office/drawing/2014/main" id="{4737B18D-332B-5980-0C1A-4E8E9921901B}"/>
+              </a:ext>
+            </a:extLst>
+          </p:cNvPr>
+          <p:cNvSpPr txBox="1"/>
+          <p:nvPr/>
+        </p:nvSpPr>
+        <p:spPr>
+          <a:xfrm>
+            <a:off x="6484620" y="2346007"/>
+            <a:ext cx="937260" cy="211455"/>
+          </a:xfrm>
+          <a:prstGeom prst="rect">
+            <a:avLst/>
+          </a:prstGeom>
+          <a:noFill/>
+        </p:spPr>
+        <p:txBody>
+          <a:bodyPr wrap="none" rtlCol="0">
+            <a:spAutoFit/>
+          </a:bodyPr>
+          <a:lstStyle/>
+          <a:p>
+            <a:pPr algn="l"/>
+            <a:r>
+              <a:rPr lang="en-IN" sz="900" spc="0" baseline="0">
+                <a:ln/>
+                <a:solidFill>
+                  <a:srgbClr val="000000"/>
+                </a:solidFill>
+                <a:latin typeface="Arial"/>
+                <a:cs typeface="Arial"/>
+                <a:sym typeface="Arial"/>
+                <a:rtl val="0"/>
+              </a:rPr>
+              <a:t>Extract Features</a:t>
+            </a:r>
+          </a:p>
+        </p:txBody>
+      </p:sp>
+      <p:sp>
+        <p:nvSpPr>
+          <p:cNvPr id="32" name="Freeform: Shape 31">
+            <a:extLst>
+              <a:ext uri="{FF2B5EF4-FFF2-40B4-BE49-F238E27FC236}">
+                <a16:creationId xmlns:a16="http://schemas.microsoft.com/office/drawing/2014/main" id="{EC4A526D-2A94-7C86-5A6A-2A299FC92E20}"/>
+              </a:ext>
+            </a:extLst>
+          </p:cNvPr>
+          <p:cNvSpPr/>
+          <p:nvPr/>
+        </p:nvSpPr>
+        <p:spPr>
+          <a:xfrm>
+            <a:off x="7853362" y="2828925"/>
+            <a:ext cx="257175" cy="257175"/>
+          </a:xfrm>
+          <a:custGeom>
+            <a:avLst/>
+            <a:gdLst>
+              <a:gd name="connsiteX0" fmla="*/ 0 w 257175"/>
+              <a:gd name="connsiteY0" fmla="*/ 0 h 257175"/>
+              <a:gd name="connsiteX1" fmla="*/ 257175 w 257175"/>
+              <a:gd name="connsiteY1" fmla="*/ 0 h 257175"/>
+              <a:gd name="connsiteX2" fmla="*/ 257175 w 257175"/>
+              <a:gd name="connsiteY2" fmla="*/ 257175 h 257175"/>
+              <a:gd name="connsiteX3" fmla="*/ 0 w 257175"/>
+              <a:gd name="connsiteY3" fmla="*/ 257175 h 257175"/>
+            </a:gdLst>
+            <a:ahLst/>
+            <a:cxnLst>
+              <a:cxn ang="0">
+                <a:pos x="connsiteX0" y="connsiteY0"/>
+              </a:cxn>
+              <a:cxn ang="0">
+                <a:pos x="connsiteX1" y="connsiteY1"/>
+              </a:cxn>
+              <a:cxn ang="0">
+                <a:pos x="connsiteX2" y="connsiteY2"/>
+              </a:cxn>
+              <a:cxn ang="0">
+                <a:pos x="connsiteX3" y="connsiteY3"/>
+              </a:cxn>
+            </a:cxnLst>
+            <a:rect l="l" t="t" r="r" b="b"/>
+            <a:pathLst>
+              <a:path w="257175" h="257175">
+                <a:moveTo>
+                  <a:pt x="0" y="0"/>
+                </a:moveTo>
+                <a:lnTo>
+                  <a:pt x="257175" y="0"/>
+                </a:lnTo>
+                <a:lnTo>
+                  <a:pt x="257175" y="257175"/>
+                </a:lnTo>
+                <a:lnTo>
+                  <a:pt x="0" y="257175"/>
+                </a:lnTo>
+              </a:path>
+            </a:pathLst>
+          </a:custGeom>
+          <a:noFill/>
+          <a:ln w="17145" cap="flat">
+            <a:solidFill>
+              <a:srgbClr val="000000"/>
+            </a:solidFill>
+            <a:prstDash val="solid"/>
+            <a:miter/>
+          </a:ln>
+        </p:spPr>
+        <p:txBody>
+          <a:bodyPr rtlCol="0" anchor="ctr"/>
+          <a:lstStyle/>
+          <a:p>
+            <a:endParaRPr lang="en-IN"/>
+          </a:p>
+        </p:txBody>
+      </p:sp>
+      <p:sp>
+        <p:nvSpPr>
+          <p:cNvPr id="33" name="TextBox 32">
+            <a:extLst>
+              <a:ext uri="{FF2B5EF4-FFF2-40B4-BE49-F238E27FC236}">
+                <a16:creationId xmlns:a16="http://schemas.microsoft.com/office/drawing/2014/main" id="{9593DBE9-16A7-82F5-D61D-615DDD37DA3F}"/>
+              </a:ext>
+            </a:extLst>
+          </p:cNvPr>
+          <p:cNvSpPr txBox="1"/>
+          <p:nvPr/>
+        </p:nvSpPr>
+        <p:spPr>
+          <a:xfrm>
+            <a:off x="8319135" y="2860357"/>
+            <a:ext cx="971550" cy="211455"/>
+          </a:xfrm>
+          <a:prstGeom prst="rect">
+            <a:avLst/>
+          </a:prstGeom>
+          <a:noFill/>
+        </p:spPr>
+        <p:txBody>
+          <a:bodyPr wrap="none" rtlCol="0">
+            <a:spAutoFit/>
+          </a:bodyPr>
+          <a:lstStyle/>
+          <a:p>
+            <a:pPr algn="l"/>
+            <a:r>
+              <a:rPr lang="en-IN" sz="900" spc="0" baseline="0">
+                <a:ln/>
+                <a:solidFill>
+                  <a:srgbClr val="000000"/>
+                </a:solidFill>
+                <a:latin typeface="Arial"/>
+                <a:cs typeface="Arial"/>
+                <a:sym typeface="Arial"/>
+                <a:rtl val="0"/>
+              </a:rPr>
+              <a:t>Mark Landmarks</a:t>
+            </a:r>
+          </a:p>
+        </p:txBody>
+      </p:sp>
+      <p:sp>
+        <p:nvSpPr>
+          <p:cNvPr id="34" name="Freeform: Shape 33">
+            <a:extLst>
+              <a:ext uri="{FF2B5EF4-FFF2-40B4-BE49-F238E27FC236}">
+                <a16:creationId xmlns:a16="http://schemas.microsoft.com/office/drawing/2014/main" id="{F3BDA13A-0D4C-44B1-6408-3FD5EC77F745}"/>
+              </a:ext>
+            </a:extLst>
+          </p:cNvPr>
+          <p:cNvSpPr/>
+          <p:nvPr/>
+        </p:nvSpPr>
+        <p:spPr>
+          <a:xfrm>
+            <a:off x="7853362" y="3429000"/>
+            <a:ext cx="1628775" cy="8572"/>
+          </a:xfrm>
+          <a:custGeom>
+            <a:avLst/>
+            <a:gdLst>
+              <a:gd name="connsiteX0" fmla="*/ 0 w 1628775"/>
+              <a:gd name="connsiteY0" fmla="*/ 0 h 8572"/>
+              <a:gd name="connsiteX1" fmla="*/ 1628775 w 1628775"/>
+              <a:gd name="connsiteY1" fmla="*/ 0 h 8572"/>
+            </a:gdLst>
+            <a:ahLst/>
+            <a:cxnLst>
+              <a:cxn ang="0">
+                <a:pos x="connsiteX0" y="connsiteY0"/>
+              </a:cxn>
+              <a:cxn ang="0">
+                <a:pos x="connsiteX1" y="connsiteY1"/>
+              </a:cxn>
+            </a:cxnLst>
+            <a:rect l="l" t="t" r="r" b="b"/>
+            <a:pathLst>
+              <a:path w="1628775" h="8572">
+                <a:moveTo>
+                  <a:pt x="0" y="0"/>
+                </a:moveTo>
+                <a:lnTo>
+                  <a:pt x="1628775" y="0"/>
+                </a:lnTo>
+              </a:path>
+            </a:pathLst>
+          </a:custGeom>
+          <a:ln w="17145" cap="flat">
+            <a:solidFill>
+              <a:srgbClr val="000000"/>
+            </a:solidFill>
+            <a:prstDash val="solid"/>
+            <a:miter/>
+          </a:ln>
+        </p:spPr>
+        <p:txBody>
+          <a:bodyPr rtlCol="0" anchor="ctr"/>
+          <a:lstStyle/>
+          <a:p>
+            <a:endParaRPr lang="en-IN"/>
+          </a:p>
+        </p:txBody>
+      </p:sp>
+      <p:sp>
+        <p:nvSpPr>
+          <p:cNvPr id="35" name="TextBox 34">
+            <a:extLst>
+              <a:ext uri="{FF2B5EF4-FFF2-40B4-BE49-F238E27FC236}">
+                <a16:creationId xmlns:a16="http://schemas.microsoft.com/office/drawing/2014/main" id="{E48FEFC5-B24B-9F69-248E-054A4A0D8D16}"/>
+              </a:ext>
+            </a:extLst>
+          </p:cNvPr>
+          <p:cNvSpPr txBox="1"/>
+          <p:nvPr/>
+        </p:nvSpPr>
+        <p:spPr>
+          <a:xfrm>
+            <a:off x="8199120" y="3203257"/>
+            <a:ext cx="937260" cy="211455"/>
           </a:xfrm>
           <a:prstGeom prst="rect">
             <a:avLst/>
@@ -7511,10 +8078,10 @@
       </p:sp>
       <p:sp>
         <p:nvSpPr>
-          <p:cNvPr id="22" name="Freeform: Shape 21">
-            <a:extLst>
-              <a:ext uri="{FF2B5EF4-FFF2-40B4-BE49-F238E27FC236}">
-                <a16:creationId xmlns:a16="http://schemas.microsoft.com/office/drawing/2014/main" id="{4E7420BD-0B1A-B977-66D6-8840A9E65453}"/>
+          <p:cNvPr id="36" name="Freeform: Shape 35">
+            <a:extLst>
+              <a:ext uri="{FF2B5EF4-FFF2-40B4-BE49-F238E27FC236}">
+                <a16:creationId xmlns:a16="http://schemas.microsoft.com/office/drawing/2014/main" id="{58CA730E-A1C6-BFC7-2F1F-9FF5D01A2969}"/>
               </a:ext>
             </a:extLst>
           </p:cNvPr>
@@ -7523,28 +8090,16 @@
         </p:nvSpPr>
         <p:spPr>
           <a:xfrm>
-            <a:off x="5410200" y="5486400"/>
-            <a:ext cx="1371600" cy="411480"/>
+            <a:off x="7853362" y="3857625"/>
+            <a:ext cx="1628775" cy="8572"/>
           </a:xfrm>
           <a:custGeom>
             <a:avLst/>
             <a:gdLst>
-              <a:gd name="connsiteX0" fmla="*/ 1303020 w 1371600"/>
-              <a:gd name="connsiteY0" fmla="*/ 0 h 411480"/>
-              <a:gd name="connsiteX1" fmla="*/ 1371600 w 1371600"/>
-              <a:gd name="connsiteY1" fmla="*/ 0 h 411480"/>
-              <a:gd name="connsiteX2" fmla="*/ 1371600 w 1371600"/>
-              <a:gd name="connsiteY2" fmla="*/ 411480 h 411480"/>
-              <a:gd name="connsiteX3" fmla="*/ 1303020 w 1371600"/>
-              <a:gd name="connsiteY3" fmla="*/ 411480 h 411480"/>
-              <a:gd name="connsiteX4" fmla="*/ 68580 w 1371600"/>
-              <a:gd name="connsiteY4" fmla="*/ 411480 h 411480"/>
-              <a:gd name="connsiteX5" fmla="*/ 0 w 1371600"/>
-              <a:gd name="connsiteY5" fmla="*/ 411480 h 411480"/>
-              <a:gd name="connsiteX6" fmla="*/ 0 w 1371600"/>
-              <a:gd name="connsiteY6" fmla="*/ 0 h 411480"/>
-              <a:gd name="connsiteX7" fmla="*/ 68580 w 1371600"/>
-              <a:gd name="connsiteY7" fmla="*/ 0 h 411480"/>
+              <a:gd name="connsiteX0" fmla="*/ 1628775 w 1628775"/>
+              <a:gd name="connsiteY0" fmla="*/ 0 h 8572"/>
+              <a:gd name="connsiteX1" fmla="*/ 0 w 1628775"/>
+              <a:gd name="connsiteY1" fmla="*/ 0 h 8572"/>
             </a:gdLst>
             <a:ahLst/>
             <a:cxnLst>
@@ -7554,72 +8109,26 @@
               <a:cxn ang="0">
                 <a:pos x="connsiteX1" y="connsiteY1"/>
               </a:cxn>
-              <a:cxn ang="0">
-                <a:pos x="connsiteX2" y="connsiteY2"/>
-              </a:cxn>
-              <a:cxn ang="0">
-                <a:pos x="connsiteX3" y="connsiteY3"/>
-              </a:cxn>
-              <a:cxn ang="0">
-                <a:pos x="connsiteX4" y="connsiteY4"/>
-              </a:cxn>
-              <a:cxn ang="0">
-                <a:pos x="connsiteX5" y="connsiteY5"/>
-              </a:cxn>
-              <a:cxn ang="0">
-                <a:pos x="connsiteX6" y="connsiteY6"/>
-              </a:cxn>
-              <a:cxn ang="0">
-                <a:pos x="connsiteX7" y="connsiteY7"/>
-              </a:cxn>
             </a:cxnLst>
             <a:rect l="l" t="t" r="r" b="b"/>
             <a:pathLst>
-              <a:path w="1371600" h="411480">
+              <a:path w="1628775" h="8572">
                 <a:moveTo>
-                  <a:pt x="1303020" y="0"/>
+                  <a:pt x="1628775" y="0"/>
                 </a:moveTo>
-                <a:cubicBezTo>
-                  <a:pt x="1340896" y="0"/>
-                  <a:pt x="1371600" y="0"/>
-                  <a:pt x="1371600" y="0"/>
-                </a:cubicBezTo>
-                <a:lnTo>
-                  <a:pt x="1371600" y="411480"/>
-                </a:lnTo>
-                <a:cubicBezTo>
-                  <a:pt x="1371600" y="411480"/>
-                  <a:pt x="1340896" y="411480"/>
-                  <a:pt x="1303020" y="411480"/>
-                </a:cubicBezTo>
-                <a:lnTo>
-                  <a:pt x="68580" y="411480"/>
-                </a:lnTo>
-                <a:cubicBezTo>
-                  <a:pt x="30704" y="411480"/>
-                  <a:pt x="0" y="411480"/>
-                  <a:pt x="0" y="411480"/>
-                </a:cubicBezTo>
                 <a:lnTo>
                   <a:pt x="0" y="0"/>
                 </a:lnTo>
-                <a:cubicBezTo>
-                  <a:pt x="0" y="0"/>
-                  <a:pt x="30704" y="0"/>
-                  <a:pt x="68580" y="0"/>
-                </a:cubicBezTo>
-                <a:close/>
               </a:path>
             </a:pathLst>
           </a:custGeom>
-          <a:solidFill>
-            <a:srgbClr val="FFFFFF"/>
-          </a:solidFill>
-          <a:ln w="13716" cap="flat">
+          <a:ln w="17145" cap="flat">
             <a:solidFill>
               <a:srgbClr val="000000"/>
             </a:solidFill>
-            <a:prstDash val="solid"/>
+            <a:custDash>
+              <a:ds d="300000" sp="300000"/>
+            </a:custDash>
             <a:miter/>
           </a:ln>
         </p:spPr>
@@ -7633,10 +8142,10 @@
       </p:sp>
       <p:sp>
         <p:nvSpPr>
-          <p:cNvPr id="23" name="TextBox 22">
-            <a:extLst>
-              <a:ext uri="{FF2B5EF4-FFF2-40B4-BE49-F238E27FC236}">
-                <a16:creationId xmlns:a16="http://schemas.microsoft.com/office/drawing/2014/main" id="{492D4368-4AA2-7661-00B0-380CA8BE3C67}"/>
+          <p:cNvPr id="37" name="TextBox 36">
+            <a:extLst>
+              <a:ext uri="{FF2B5EF4-FFF2-40B4-BE49-F238E27FC236}">
+                <a16:creationId xmlns:a16="http://schemas.microsoft.com/office/drawing/2014/main" id="{07B136E4-CF49-A2A5-43B0-0AFFC0CCC9FB}"/>
               </a:ext>
             </a:extLst>
           </p:cNvPr>
@@ -7645,8 +8154,335 @@
         </p:nvSpPr>
         <p:spPr>
           <a:xfrm>
-            <a:off x="5706237" y="5605272"/>
-            <a:ext cx="779526" cy="187452"/>
+            <a:off x="8190547" y="3631882"/>
+            <a:ext cx="954405" cy="211455"/>
+          </a:xfrm>
+          <a:prstGeom prst="rect">
+            <a:avLst/>
+          </a:prstGeom>
+          <a:noFill/>
+        </p:spPr>
+        <p:txBody>
+          <a:bodyPr wrap="none" rtlCol="0">
+            <a:spAutoFit/>
+          </a:bodyPr>
+          <a:lstStyle/>
+          <a:p>
+            <a:pPr algn="l"/>
+            <a:r>
+              <a:rPr lang="en-IN" sz="900" spc="0" baseline="0">
+                <a:ln/>
+                <a:solidFill>
+                  <a:srgbClr val="000000"/>
+                </a:solidFill>
+                <a:latin typeface="Arial"/>
+                <a:cs typeface="Arial"/>
+                <a:sym typeface="Arial"/>
+                <a:rtl val="0"/>
+              </a:rPr>
+              <a:t>Confirm Storage</a:t>
+            </a:r>
+          </a:p>
+        </p:txBody>
+      </p:sp>
+      <p:sp>
+        <p:nvSpPr>
+          <p:cNvPr id="38" name="Freeform: Shape 37">
+            <a:extLst>
+              <a:ext uri="{FF2B5EF4-FFF2-40B4-BE49-F238E27FC236}">
+                <a16:creationId xmlns:a16="http://schemas.microsoft.com/office/drawing/2014/main" id="{91D6234C-B55A-4DF4-66DF-038CD41EA5AD}"/>
+              </a:ext>
+            </a:extLst>
+          </p:cNvPr>
+          <p:cNvSpPr/>
+          <p:nvPr/>
+        </p:nvSpPr>
+        <p:spPr>
+          <a:xfrm>
+            <a:off x="6138862" y="4286250"/>
+            <a:ext cx="1628775" cy="8572"/>
+          </a:xfrm>
+          <a:custGeom>
+            <a:avLst/>
+            <a:gdLst>
+              <a:gd name="connsiteX0" fmla="*/ 1628775 w 1628775"/>
+              <a:gd name="connsiteY0" fmla="*/ 0 h 8572"/>
+              <a:gd name="connsiteX1" fmla="*/ 0 w 1628775"/>
+              <a:gd name="connsiteY1" fmla="*/ 0 h 8572"/>
+            </a:gdLst>
+            <a:ahLst/>
+            <a:cxnLst>
+              <a:cxn ang="0">
+                <a:pos x="connsiteX0" y="connsiteY0"/>
+              </a:cxn>
+              <a:cxn ang="0">
+                <a:pos x="connsiteX1" y="connsiteY1"/>
+              </a:cxn>
+            </a:cxnLst>
+            <a:rect l="l" t="t" r="r" b="b"/>
+            <a:pathLst>
+              <a:path w="1628775" h="8572">
+                <a:moveTo>
+                  <a:pt x="1628775" y="0"/>
+                </a:moveTo>
+                <a:lnTo>
+                  <a:pt x="0" y="0"/>
+                </a:lnTo>
+              </a:path>
+            </a:pathLst>
+          </a:custGeom>
+          <a:ln w="17145" cap="flat">
+            <a:solidFill>
+              <a:srgbClr val="000000"/>
+            </a:solidFill>
+            <a:custDash>
+              <a:ds d="300000" sp="300000"/>
+            </a:custDash>
+            <a:miter/>
+          </a:ln>
+        </p:spPr>
+        <p:txBody>
+          <a:bodyPr rtlCol="0" anchor="ctr"/>
+          <a:lstStyle/>
+          <a:p>
+            <a:endParaRPr lang="en-IN"/>
+          </a:p>
+        </p:txBody>
+      </p:sp>
+      <p:sp>
+        <p:nvSpPr>
+          <p:cNvPr id="39" name="TextBox 38">
+            <a:extLst>
+              <a:ext uri="{FF2B5EF4-FFF2-40B4-BE49-F238E27FC236}">
+                <a16:creationId xmlns:a16="http://schemas.microsoft.com/office/drawing/2014/main" id="{0B94FABF-EED2-8BD7-26FE-EE37E3255130}"/>
+              </a:ext>
+            </a:extLst>
+          </p:cNvPr>
+          <p:cNvSpPr txBox="1"/>
+          <p:nvPr/>
+        </p:nvSpPr>
+        <p:spPr>
+          <a:xfrm>
+            <a:off x="6424612" y="4060507"/>
+            <a:ext cx="1057275" cy="211455"/>
+          </a:xfrm>
+          <a:prstGeom prst="rect">
+            <a:avLst/>
+          </a:prstGeom>
+          <a:noFill/>
+        </p:spPr>
+        <p:txBody>
+          <a:bodyPr wrap="none" rtlCol="0">
+            <a:spAutoFit/>
+          </a:bodyPr>
+          <a:lstStyle/>
+          <a:p>
+            <a:pPr algn="l"/>
+            <a:r>
+              <a:rPr lang="en-IN" sz="900" spc="0" baseline="0">
+                <a:ln/>
+                <a:solidFill>
+                  <a:srgbClr val="000000"/>
+                </a:solidFill>
+                <a:latin typeface="Arial"/>
+                <a:cs typeface="Arial"/>
+                <a:sym typeface="Arial"/>
+                <a:rtl val="0"/>
+              </a:rPr>
+              <a:t>Features Extracted</a:t>
+            </a:r>
+          </a:p>
+        </p:txBody>
+      </p:sp>
+      <p:sp>
+        <p:nvSpPr>
+          <p:cNvPr id="40" name="Freeform: Shape 39">
+            <a:extLst>
+              <a:ext uri="{FF2B5EF4-FFF2-40B4-BE49-F238E27FC236}">
+                <a16:creationId xmlns:a16="http://schemas.microsoft.com/office/drawing/2014/main" id="{4E11C12C-1925-40B3-DAB9-F1A6BFCCDD85}"/>
+              </a:ext>
+            </a:extLst>
+          </p:cNvPr>
+          <p:cNvSpPr/>
+          <p:nvPr/>
+        </p:nvSpPr>
+        <p:spPr>
+          <a:xfrm>
+            <a:off x="4424362" y="5143500"/>
+            <a:ext cx="1628775" cy="8572"/>
+          </a:xfrm>
+          <a:custGeom>
+            <a:avLst/>
+            <a:gdLst>
+              <a:gd name="connsiteX0" fmla="*/ 1628775 w 1628775"/>
+              <a:gd name="connsiteY0" fmla="*/ 0 h 8572"/>
+              <a:gd name="connsiteX1" fmla="*/ 0 w 1628775"/>
+              <a:gd name="connsiteY1" fmla="*/ 0 h 8572"/>
+            </a:gdLst>
+            <a:ahLst/>
+            <a:cxnLst>
+              <a:cxn ang="0">
+                <a:pos x="connsiteX0" y="connsiteY0"/>
+              </a:cxn>
+              <a:cxn ang="0">
+                <a:pos x="connsiteX1" y="connsiteY1"/>
+              </a:cxn>
+            </a:cxnLst>
+            <a:rect l="l" t="t" r="r" b="b"/>
+            <a:pathLst>
+              <a:path w="1628775" h="8572">
+                <a:moveTo>
+                  <a:pt x="1628775" y="0"/>
+                </a:moveTo>
+                <a:lnTo>
+                  <a:pt x="0" y="0"/>
+                </a:lnTo>
+              </a:path>
+            </a:pathLst>
+          </a:custGeom>
+          <a:ln w="17145" cap="flat">
+            <a:solidFill>
+              <a:srgbClr val="000000"/>
+            </a:solidFill>
+            <a:custDash>
+              <a:ds d="300000" sp="300000"/>
+            </a:custDash>
+            <a:miter/>
+          </a:ln>
+        </p:spPr>
+        <p:txBody>
+          <a:bodyPr rtlCol="0" anchor="ctr"/>
+          <a:lstStyle/>
+          <a:p>
+            <a:endParaRPr lang="en-IN"/>
+          </a:p>
+        </p:txBody>
+      </p:sp>
+      <p:sp>
+        <p:nvSpPr>
+          <p:cNvPr id="41" name="TextBox 40">
+            <a:extLst>
+              <a:ext uri="{FF2B5EF4-FFF2-40B4-BE49-F238E27FC236}">
+                <a16:creationId xmlns:a16="http://schemas.microsoft.com/office/drawing/2014/main" id="{8FE508F4-1E89-F0E5-8FF4-2C1176815B8E}"/>
+              </a:ext>
+            </a:extLst>
+          </p:cNvPr>
+          <p:cNvSpPr txBox="1"/>
+          <p:nvPr/>
+        </p:nvSpPr>
+        <p:spPr>
+          <a:xfrm>
+            <a:off x="4577238" y="4917757"/>
+            <a:ext cx="1323022" cy="211455"/>
+          </a:xfrm>
+          <a:prstGeom prst="rect">
+            <a:avLst/>
+          </a:prstGeom>
+          <a:noFill/>
+        </p:spPr>
+        <p:txBody>
+          <a:bodyPr wrap="none" rtlCol="0">
+            <a:spAutoFit/>
+          </a:bodyPr>
+          <a:lstStyle/>
+          <a:p>
+            <a:pPr algn="l"/>
+            <a:r>
+              <a:rPr lang="en-IN" sz="900" spc="0" baseline="0">
+                <a:ln/>
+                <a:solidFill>
+                  <a:srgbClr val="000000"/>
+                </a:solidFill>
+                <a:latin typeface="Arial"/>
+                <a:cs typeface="Arial"/>
+                <a:sym typeface="Arial"/>
+                <a:rtl val="0"/>
+              </a:rPr>
+              <a:t>Face Detection Success</a:t>
+            </a:r>
+          </a:p>
+        </p:txBody>
+      </p:sp>
+      <p:sp>
+        <p:nvSpPr>
+          <p:cNvPr id="42" name="Freeform: Shape 41">
+            <a:extLst>
+              <a:ext uri="{FF2B5EF4-FFF2-40B4-BE49-F238E27FC236}">
+                <a16:creationId xmlns:a16="http://schemas.microsoft.com/office/drawing/2014/main" id="{6584FA6A-0AD8-7E22-F44B-E7D549A767B2}"/>
+              </a:ext>
+            </a:extLst>
+          </p:cNvPr>
+          <p:cNvSpPr/>
+          <p:nvPr/>
+        </p:nvSpPr>
+        <p:spPr>
+          <a:xfrm>
+            <a:off x="2709862" y="5572125"/>
+            <a:ext cx="1628775" cy="8572"/>
+          </a:xfrm>
+          <a:custGeom>
+            <a:avLst/>
+            <a:gdLst>
+              <a:gd name="connsiteX0" fmla="*/ 1628775 w 1628775"/>
+              <a:gd name="connsiteY0" fmla="*/ 0 h 8572"/>
+              <a:gd name="connsiteX1" fmla="*/ 0 w 1628775"/>
+              <a:gd name="connsiteY1" fmla="*/ 0 h 8572"/>
+            </a:gdLst>
+            <a:ahLst/>
+            <a:cxnLst>
+              <a:cxn ang="0">
+                <a:pos x="connsiteX0" y="connsiteY0"/>
+              </a:cxn>
+              <a:cxn ang="0">
+                <a:pos x="connsiteX1" y="connsiteY1"/>
+              </a:cxn>
+            </a:cxnLst>
+            <a:rect l="l" t="t" r="r" b="b"/>
+            <a:pathLst>
+              <a:path w="1628775" h="8572">
+                <a:moveTo>
+                  <a:pt x="1628775" y="0"/>
+                </a:moveTo>
+                <a:lnTo>
+                  <a:pt x="0" y="0"/>
+                </a:lnTo>
+              </a:path>
+            </a:pathLst>
+          </a:custGeom>
+          <a:ln w="17145" cap="flat">
+            <a:solidFill>
+              <a:srgbClr val="000000"/>
+            </a:solidFill>
+            <a:custDash>
+              <a:ds d="300000" sp="300000"/>
+            </a:custDash>
+            <a:miter/>
+          </a:ln>
+        </p:spPr>
+        <p:txBody>
+          <a:bodyPr rtlCol="0" anchor="ctr"/>
+          <a:lstStyle/>
+          <a:p>
+            <a:endParaRPr lang="en-IN"/>
+          </a:p>
+        </p:txBody>
+      </p:sp>
+      <p:sp>
+        <p:nvSpPr>
+          <p:cNvPr id="43" name="TextBox 42">
+            <a:extLst>
+              <a:ext uri="{FF2B5EF4-FFF2-40B4-BE49-F238E27FC236}">
+                <a16:creationId xmlns:a16="http://schemas.microsoft.com/office/drawing/2014/main" id="{63197C46-3E3C-EA4B-DCCD-1D0994D4D555}"/>
+              </a:ext>
+            </a:extLst>
+          </p:cNvPr>
+          <p:cNvSpPr txBox="1"/>
+          <p:nvPr/>
+        </p:nvSpPr>
+        <p:spPr>
+          <a:xfrm>
+            <a:off x="3059906" y="5346382"/>
+            <a:ext cx="928687" cy="211455"/>
           </a:xfrm>
           <a:prstGeom prst="rect">
             <a:avLst/>
@@ -7678,10 +8514,10 @@
       </p:sp>
       <p:sp>
         <p:nvSpPr>
-          <p:cNvPr id="24" name="Freeform: Shape 23">
-            <a:extLst>
-              <a:ext uri="{FF2B5EF4-FFF2-40B4-BE49-F238E27FC236}">
-                <a16:creationId xmlns:a16="http://schemas.microsoft.com/office/drawing/2014/main" id="{F4B6224D-B5C7-35D8-5EAE-6494C5C84691}"/>
+          <p:cNvPr id="44" name="Freeform: Shape 43">
+            <a:extLst>
+              <a:ext uri="{FF2B5EF4-FFF2-40B4-BE49-F238E27FC236}">
+                <a16:creationId xmlns:a16="http://schemas.microsoft.com/office/drawing/2014/main" id="{ED789094-437E-1C7E-73A6-DA90109D8A60}"/>
               </a:ext>
             </a:extLst>
           </p:cNvPr>
@@ -7690,22 +8526,20 @@
         </p:nvSpPr>
         <p:spPr>
           <a:xfrm>
-            <a:off x="5958840" y="6172200"/>
-            <a:ext cx="274320" cy="274320"/>
+            <a:off x="2238375" y="6000750"/>
+            <a:ext cx="1714500" cy="342900"/>
           </a:xfrm>
           <a:custGeom>
             <a:avLst/>
             <a:gdLst>
-              <a:gd name="connsiteX0" fmla="*/ 274320 w 274320"/>
-              <a:gd name="connsiteY0" fmla="*/ 137160 h 274320"/>
-              <a:gd name="connsiteX1" fmla="*/ 137160 w 274320"/>
-              <a:gd name="connsiteY1" fmla="*/ 274320 h 274320"/>
-              <a:gd name="connsiteX2" fmla="*/ 0 w 274320"/>
-              <a:gd name="connsiteY2" fmla="*/ 137160 h 274320"/>
-              <a:gd name="connsiteX3" fmla="*/ 137160 w 274320"/>
-              <a:gd name="connsiteY3" fmla="*/ 0 h 274320"/>
-              <a:gd name="connsiteX4" fmla="*/ 274320 w 274320"/>
-              <a:gd name="connsiteY4" fmla="*/ 137160 h 274320"/>
+              <a:gd name="connsiteX0" fmla="*/ 0 w 1714500"/>
+              <a:gd name="connsiteY0" fmla="*/ 0 h 342900"/>
+              <a:gd name="connsiteX1" fmla="*/ 1714500 w 1714500"/>
+              <a:gd name="connsiteY1" fmla="*/ 0 h 342900"/>
+              <a:gd name="connsiteX2" fmla="*/ 1714500 w 1714500"/>
+              <a:gd name="connsiteY2" fmla="*/ 342900 h 342900"/>
+              <a:gd name="connsiteX3" fmla="*/ 0 w 1714500"/>
+              <a:gd name="connsiteY3" fmla="*/ 342900 h 342900"/>
             </a:gdLst>
             <a:ahLst/>
             <a:cxnLst>
@@ -7721,44 +8555,30 @@
               <a:cxn ang="0">
                 <a:pos x="connsiteX3" y="connsiteY3"/>
               </a:cxn>
-              <a:cxn ang="0">
-                <a:pos x="connsiteX4" y="connsiteY4"/>
-              </a:cxn>
             </a:cxnLst>
             <a:rect l="l" t="t" r="r" b="b"/>
             <a:pathLst>
-              <a:path w="274320" h="274320">
+              <a:path w="1714500" h="342900">
                 <a:moveTo>
-                  <a:pt x="274320" y="137160"/>
+                  <a:pt x="0" y="0"/>
                 </a:moveTo>
-                <a:cubicBezTo>
-                  <a:pt x="274320" y="212912"/>
-                  <a:pt x="212911" y="274320"/>
-                  <a:pt x="137160" y="274320"/>
-                </a:cubicBezTo>
-                <a:cubicBezTo>
-                  <a:pt x="61409" y="274320"/>
-                  <a:pt x="0" y="212912"/>
-                  <a:pt x="0" y="137160"/>
-                </a:cubicBezTo>
-                <a:cubicBezTo>
-                  <a:pt x="0" y="61408"/>
-                  <a:pt x="61409" y="0"/>
-                  <a:pt x="137160" y="0"/>
-                </a:cubicBezTo>
-                <a:cubicBezTo>
-                  <a:pt x="212911" y="0"/>
-                  <a:pt x="274320" y="61408"/>
-                  <a:pt x="274320" y="137160"/>
-                </a:cubicBezTo>
+                <a:lnTo>
+                  <a:pt x="1714500" y="0"/>
+                </a:lnTo>
+                <a:lnTo>
+                  <a:pt x="1714500" y="342900"/>
+                </a:lnTo>
+                <a:lnTo>
+                  <a:pt x="0" y="342900"/>
+                </a:lnTo>
                 <a:close/>
               </a:path>
             </a:pathLst>
           </a:custGeom>
           <a:solidFill>
-            <a:srgbClr val="FFFFFF"/>
+            <a:srgbClr val="FFFFDD"/>
           </a:solidFill>
-          <a:ln w="20574" cap="flat">
+          <a:ln w="8572" cap="flat">
             <a:solidFill>
               <a:srgbClr val="000000"/>
             </a:solidFill>
@@ -7776,416 +8596,10 @@
       </p:sp>
       <p:sp>
         <p:nvSpPr>
-          <p:cNvPr id="25" name="Freeform: Shape 24">
-            <a:extLst>
-              <a:ext uri="{FF2B5EF4-FFF2-40B4-BE49-F238E27FC236}">
-                <a16:creationId xmlns:a16="http://schemas.microsoft.com/office/drawing/2014/main" id="{6727BE2D-18F3-B1A2-B071-B3EAEB45AB1B}"/>
-              </a:ext>
-            </a:extLst>
-          </p:cNvPr>
-          <p:cNvSpPr/>
-          <p:nvPr/>
-        </p:nvSpPr>
-        <p:spPr>
-          <a:xfrm>
-            <a:off x="5993130" y="6206490"/>
-            <a:ext cx="205740" cy="205740"/>
-          </a:xfrm>
-          <a:custGeom>
-            <a:avLst/>
-            <a:gdLst>
-              <a:gd name="connsiteX0" fmla="*/ 205740 w 205740"/>
-              <a:gd name="connsiteY0" fmla="*/ 102870 h 205740"/>
-              <a:gd name="connsiteX1" fmla="*/ 102870 w 205740"/>
-              <a:gd name="connsiteY1" fmla="*/ 205740 h 205740"/>
-              <a:gd name="connsiteX2" fmla="*/ 0 w 205740"/>
-              <a:gd name="connsiteY2" fmla="*/ 102870 h 205740"/>
-              <a:gd name="connsiteX3" fmla="*/ 102870 w 205740"/>
-              <a:gd name="connsiteY3" fmla="*/ 0 h 205740"/>
-              <a:gd name="connsiteX4" fmla="*/ 205740 w 205740"/>
-              <a:gd name="connsiteY4" fmla="*/ 102870 h 205740"/>
-            </a:gdLst>
-            <a:ahLst/>
-            <a:cxnLst>
-              <a:cxn ang="0">
-                <a:pos x="connsiteX0" y="connsiteY0"/>
-              </a:cxn>
-              <a:cxn ang="0">
-                <a:pos x="connsiteX1" y="connsiteY1"/>
-              </a:cxn>
-              <a:cxn ang="0">
-                <a:pos x="connsiteX2" y="connsiteY2"/>
-              </a:cxn>
-              <a:cxn ang="0">
-                <a:pos x="connsiteX3" y="connsiteY3"/>
-              </a:cxn>
-              <a:cxn ang="0">
-                <a:pos x="connsiteX4" y="connsiteY4"/>
-              </a:cxn>
-            </a:cxnLst>
-            <a:rect l="l" t="t" r="r" b="b"/>
-            <a:pathLst>
-              <a:path w="205740" h="205740">
-                <a:moveTo>
-                  <a:pt x="205740" y="102870"/>
-                </a:moveTo>
-                <a:cubicBezTo>
-                  <a:pt x="205740" y="159684"/>
-                  <a:pt x="159684" y="205740"/>
-                  <a:pt x="102870" y="205740"/>
-                </a:cubicBezTo>
-                <a:cubicBezTo>
-                  <a:pt x="46056" y="205740"/>
-                  <a:pt x="0" y="159684"/>
-                  <a:pt x="0" y="102870"/>
-                </a:cubicBezTo>
-                <a:cubicBezTo>
-                  <a:pt x="0" y="46056"/>
-                  <a:pt x="46056" y="0"/>
-                  <a:pt x="102870" y="0"/>
-                </a:cubicBezTo>
-                <a:cubicBezTo>
-                  <a:pt x="159684" y="0"/>
-                  <a:pt x="205740" y="46056"/>
-                  <a:pt x="205740" y="102870"/>
-                </a:cubicBezTo>
-                <a:close/>
-              </a:path>
-            </a:pathLst>
-          </a:custGeom>
-          <a:solidFill>
-            <a:srgbClr val="000000"/>
-          </a:solidFill>
-          <a:ln w="6858" cap="flat">
-            <a:noFill/>
-            <a:prstDash val="solid"/>
-            <a:miter/>
-          </a:ln>
-        </p:spPr>
-        <p:txBody>
-          <a:bodyPr rtlCol="0" anchor="ctr"/>
-          <a:lstStyle/>
-          <a:p>
-            <a:endParaRPr lang="en-IN"/>
-          </a:p>
-        </p:txBody>
-      </p:sp>
-      <p:sp>
-        <p:nvSpPr>
-          <p:cNvPr id="26" name="Freeform: Shape 25">
-            <a:extLst>
-              <a:ext uri="{FF2B5EF4-FFF2-40B4-BE49-F238E27FC236}">
-                <a16:creationId xmlns:a16="http://schemas.microsoft.com/office/drawing/2014/main" id="{462B313C-354B-5220-6BA0-AAE15DC7B113}"/>
-              </a:ext>
-            </a:extLst>
-          </p:cNvPr>
-          <p:cNvSpPr/>
-          <p:nvPr/>
-        </p:nvSpPr>
-        <p:spPr>
-          <a:xfrm>
-            <a:off x="6096000" y="480060"/>
-            <a:ext cx="6858" cy="205740"/>
-          </a:xfrm>
-          <a:custGeom>
-            <a:avLst/>
-            <a:gdLst>
-              <a:gd name="connsiteX0" fmla="*/ 0 w 6858"/>
-              <a:gd name="connsiteY0" fmla="*/ 0 h 205740"/>
-              <a:gd name="connsiteX1" fmla="*/ 0 w 6858"/>
-              <a:gd name="connsiteY1" fmla="*/ 205740 h 205740"/>
-            </a:gdLst>
-            <a:ahLst/>
-            <a:cxnLst>
-              <a:cxn ang="0">
-                <a:pos x="connsiteX0" y="connsiteY0"/>
-              </a:cxn>
-              <a:cxn ang="0">
-                <a:pos x="connsiteX1" y="connsiteY1"/>
-              </a:cxn>
-            </a:cxnLst>
-            <a:rect l="l" t="t" r="r" b="b"/>
-            <a:pathLst>
-              <a:path w="6858" h="205740">
-                <a:moveTo>
-                  <a:pt x="0" y="0"/>
-                </a:moveTo>
-                <a:lnTo>
-                  <a:pt x="0" y="205740"/>
-                </a:lnTo>
-              </a:path>
-            </a:pathLst>
-          </a:custGeom>
-          <a:ln w="13716" cap="flat">
-            <a:solidFill>
-              <a:srgbClr val="000000"/>
-            </a:solidFill>
-            <a:prstDash val="solid"/>
-            <a:miter/>
-          </a:ln>
-        </p:spPr>
-        <p:txBody>
-          <a:bodyPr rtlCol="0" anchor="ctr"/>
-          <a:lstStyle/>
-          <a:p>
-            <a:endParaRPr lang="en-IN"/>
-          </a:p>
-        </p:txBody>
-      </p:sp>
-      <p:sp>
-        <p:nvSpPr>
-          <p:cNvPr id="27" name="Freeform: Shape 26">
-            <a:extLst>
-              <a:ext uri="{FF2B5EF4-FFF2-40B4-BE49-F238E27FC236}">
-                <a16:creationId xmlns:a16="http://schemas.microsoft.com/office/drawing/2014/main" id="{E4B89DB8-3807-EE74-300E-46F85509986F}"/>
-              </a:ext>
-            </a:extLst>
-          </p:cNvPr>
-          <p:cNvSpPr/>
-          <p:nvPr/>
-        </p:nvSpPr>
-        <p:spPr>
-          <a:xfrm>
-            <a:off x="6096000" y="1097280"/>
-            <a:ext cx="6858" cy="274320"/>
-          </a:xfrm>
-          <a:custGeom>
-            <a:avLst/>
-            <a:gdLst>
-              <a:gd name="connsiteX0" fmla="*/ 0 w 6858"/>
-              <a:gd name="connsiteY0" fmla="*/ 0 h 274320"/>
-              <a:gd name="connsiteX1" fmla="*/ 0 w 6858"/>
-              <a:gd name="connsiteY1" fmla="*/ 274320 h 274320"/>
-            </a:gdLst>
-            <a:ahLst/>
-            <a:cxnLst>
-              <a:cxn ang="0">
-                <a:pos x="connsiteX0" y="connsiteY0"/>
-              </a:cxn>
-              <a:cxn ang="0">
-                <a:pos x="connsiteX1" y="connsiteY1"/>
-              </a:cxn>
-            </a:cxnLst>
-            <a:rect l="l" t="t" r="r" b="b"/>
-            <a:pathLst>
-              <a:path w="6858" h="274320">
-                <a:moveTo>
-                  <a:pt x="0" y="0"/>
-                </a:moveTo>
-                <a:lnTo>
-                  <a:pt x="0" y="274320"/>
-                </a:lnTo>
-              </a:path>
-            </a:pathLst>
-          </a:custGeom>
-          <a:ln w="13716" cap="flat">
-            <a:solidFill>
-              <a:srgbClr val="000000"/>
-            </a:solidFill>
-            <a:prstDash val="solid"/>
-            <a:miter/>
-          </a:ln>
-        </p:spPr>
-        <p:txBody>
-          <a:bodyPr rtlCol="0" anchor="ctr"/>
-          <a:lstStyle/>
-          <a:p>
-            <a:endParaRPr lang="en-IN"/>
-          </a:p>
-        </p:txBody>
-      </p:sp>
-      <p:sp>
-        <p:nvSpPr>
-          <p:cNvPr id="28" name="Freeform: Shape 27">
-            <a:extLst>
-              <a:ext uri="{FF2B5EF4-FFF2-40B4-BE49-F238E27FC236}">
-                <a16:creationId xmlns:a16="http://schemas.microsoft.com/office/drawing/2014/main" id="{F4C1F47E-7AB5-3376-6059-E2378E2D0491}"/>
-              </a:ext>
-            </a:extLst>
-          </p:cNvPr>
-          <p:cNvSpPr/>
-          <p:nvPr/>
-        </p:nvSpPr>
-        <p:spPr>
-          <a:xfrm>
-            <a:off x="6096000" y="1783080"/>
-            <a:ext cx="6858" cy="274320"/>
-          </a:xfrm>
-          <a:custGeom>
-            <a:avLst/>
-            <a:gdLst>
-              <a:gd name="connsiteX0" fmla="*/ 0 w 6858"/>
-              <a:gd name="connsiteY0" fmla="*/ 0 h 274320"/>
-              <a:gd name="connsiteX1" fmla="*/ 0 w 6858"/>
-              <a:gd name="connsiteY1" fmla="*/ 274320 h 274320"/>
-            </a:gdLst>
-            <a:ahLst/>
-            <a:cxnLst>
-              <a:cxn ang="0">
-                <a:pos x="connsiteX0" y="connsiteY0"/>
-              </a:cxn>
-              <a:cxn ang="0">
-                <a:pos x="connsiteX1" y="connsiteY1"/>
-              </a:cxn>
-            </a:cxnLst>
-            <a:rect l="l" t="t" r="r" b="b"/>
-            <a:pathLst>
-              <a:path w="6858" h="274320">
-                <a:moveTo>
-                  <a:pt x="0" y="0"/>
-                </a:moveTo>
-                <a:lnTo>
-                  <a:pt x="0" y="274320"/>
-                </a:lnTo>
-              </a:path>
-            </a:pathLst>
-          </a:custGeom>
-          <a:ln w="13716" cap="flat">
-            <a:solidFill>
-              <a:srgbClr val="000000"/>
-            </a:solidFill>
-            <a:prstDash val="solid"/>
-            <a:miter/>
-          </a:ln>
-        </p:spPr>
-        <p:txBody>
-          <a:bodyPr rtlCol="0" anchor="ctr"/>
-          <a:lstStyle/>
-          <a:p>
-            <a:endParaRPr lang="en-IN"/>
-          </a:p>
-        </p:txBody>
-      </p:sp>
-      <p:sp>
-        <p:nvSpPr>
-          <p:cNvPr id="29" name="Freeform: Shape 28">
-            <a:extLst>
-              <a:ext uri="{FF2B5EF4-FFF2-40B4-BE49-F238E27FC236}">
-                <a16:creationId xmlns:a16="http://schemas.microsoft.com/office/drawing/2014/main" id="{6E5ED3B2-43AD-70AD-883A-B58D933D12AC}"/>
-              </a:ext>
-            </a:extLst>
-          </p:cNvPr>
-          <p:cNvSpPr/>
-          <p:nvPr/>
-        </p:nvSpPr>
-        <p:spPr>
-          <a:xfrm>
-            <a:off x="6096000" y="2468880"/>
-            <a:ext cx="6858" cy="274320"/>
-          </a:xfrm>
-          <a:custGeom>
-            <a:avLst/>
-            <a:gdLst>
-              <a:gd name="connsiteX0" fmla="*/ 0 w 6858"/>
-              <a:gd name="connsiteY0" fmla="*/ 0 h 274320"/>
-              <a:gd name="connsiteX1" fmla="*/ 0 w 6858"/>
-              <a:gd name="connsiteY1" fmla="*/ 274320 h 274320"/>
-            </a:gdLst>
-            <a:ahLst/>
-            <a:cxnLst>
-              <a:cxn ang="0">
-                <a:pos x="connsiteX0" y="connsiteY0"/>
-              </a:cxn>
-              <a:cxn ang="0">
-                <a:pos x="connsiteX1" y="connsiteY1"/>
-              </a:cxn>
-            </a:cxnLst>
-            <a:rect l="l" t="t" r="r" b="b"/>
-            <a:pathLst>
-              <a:path w="6858" h="274320">
-                <a:moveTo>
-                  <a:pt x="0" y="0"/>
-                </a:moveTo>
-                <a:lnTo>
-                  <a:pt x="0" y="274320"/>
-                </a:lnTo>
-              </a:path>
-            </a:pathLst>
-          </a:custGeom>
-          <a:ln w="13716" cap="flat">
-            <a:solidFill>
-              <a:srgbClr val="000000"/>
-            </a:solidFill>
-            <a:prstDash val="solid"/>
-            <a:miter/>
-          </a:ln>
-        </p:spPr>
-        <p:txBody>
-          <a:bodyPr rtlCol="0" anchor="ctr"/>
-          <a:lstStyle/>
-          <a:p>
-            <a:endParaRPr lang="en-IN"/>
-          </a:p>
-        </p:txBody>
-      </p:sp>
-      <p:sp>
-        <p:nvSpPr>
-          <p:cNvPr id="30" name="Freeform: Shape 29">
-            <a:extLst>
-              <a:ext uri="{FF2B5EF4-FFF2-40B4-BE49-F238E27FC236}">
-                <a16:creationId xmlns:a16="http://schemas.microsoft.com/office/drawing/2014/main" id="{48A7E617-F2C0-ED48-623B-0BB0E0586B34}"/>
-              </a:ext>
-            </a:extLst>
-          </p:cNvPr>
-          <p:cNvSpPr/>
-          <p:nvPr/>
-        </p:nvSpPr>
-        <p:spPr>
-          <a:xfrm>
-            <a:off x="6781800" y="2743200"/>
-            <a:ext cx="342900" cy="342900"/>
-          </a:xfrm>
-          <a:custGeom>
-            <a:avLst/>
-            <a:gdLst>
-              <a:gd name="connsiteX0" fmla="*/ 0 w 342900"/>
-              <a:gd name="connsiteY0" fmla="*/ 0 h 342900"/>
-              <a:gd name="connsiteX1" fmla="*/ 342900 w 342900"/>
-              <a:gd name="connsiteY1" fmla="*/ 342900 h 342900"/>
-            </a:gdLst>
-            <a:ahLst/>
-            <a:cxnLst>
-              <a:cxn ang="0">
-                <a:pos x="connsiteX0" y="connsiteY0"/>
-              </a:cxn>
-              <a:cxn ang="0">
-                <a:pos x="connsiteX1" y="connsiteY1"/>
-              </a:cxn>
-            </a:cxnLst>
-            <a:rect l="l" t="t" r="r" b="b"/>
-            <a:pathLst>
-              <a:path w="342900" h="342900">
-                <a:moveTo>
-                  <a:pt x="0" y="0"/>
-                </a:moveTo>
-                <a:lnTo>
-                  <a:pt x="342900" y="342900"/>
-                </a:lnTo>
-              </a:path>
-            </a:pathLst>
-          </a:custGeom>
-          <a:ln w="13716" cap="flat">
-            <a:solidFill>
-              <a:srgbClr val="000000"/>
-            </a:solidFill>
-            <a:prstDash val="solid"/>
-            <a:miter/>
-          </a:ln>
-        </p:spPr>
-        <p:txBody>
-          <a:bodyPr rtlCol="0" anchor="ctr"/>
-          <a:lstStyle/>
-          <a:p>
-            <a:endParaRPr lang="en-IN"/>
-          </a:p>
-        </p:txBody>
-      </p:sp>
-      <p:sp>
-        <p:nvSpPr>
-          <p:cNvPr id="31" name="TextBox 30">
-            <a:extLst>
-              <a:ext uri="{FF2B5EF4-FFF2-40B4-BE49-F238E27FC236}">
-                <a16:creationId xmlns:a16="http://schemas.microsoft.com/office/drawing/2014/main" id="{63C46E64-4D17-1932-BB6D-7676AA7A7DFE}"/>
+          <p:cNvPr id="45" name="TextBox 44">
+            <a:extLst>
+              <a:ext uri="{FF2B5EF4-FFF2-40B4-BE49-F238E27FC236}">
+                <a16:creationId xmlns:a16="http://schemas.microsoft.com/office/drawing/2014/main" id="{0A454F5A-CF33-F30C-F7BF-70151D113F08}"/>
               </a:ext>
             </a:extLst>
           </p:cNvPr>
@@ -8194,8 +8608,8 @@
         </p:nvSpPr>
         <p:spPr>
           <a:xfrm>
-            <a:off x="6896100" y="2690622"/>
-            <a:ext cx="292608" cy="187452"/>
+            <a:off x="2378392" y="6075045"/>
+            <a:ext cx="1434465" cy="211455"/>
           </a:xfrm>
           <a:prstGeom prst="rect">
             <a:avLst/>
@@ -8220,79 +8634,17 @@
                 <a:sym typeface="Arial"/>
                 <a:rtl val="0"/>
               </a:rPr>
-              <a:t>No</a:t>
+              <a:t>Alternative: No Face Found</a:t>
             </a:r>
           </a:p>
         </p:txBody>
       </p:sp>
       <p:sp>
         <p:nvSpPr>
-          <p:cNvPr id="32" name="Freeform: Shape 31">
-            <a:extLst>
-              <a:ext uri="{FF2B5EF4-FFF2-40B4-BE49-F238E27FC236}">
-                <a16:creationId xmlns:a16="http://schemas.microsoft.com/office/drawing/2014/main" id="{B9078B24-2CF2-FD51-EE04-94758A87E472}"/>
-              </a:ext>
-            </a:extLst>
-          </p:cNvPr>
-          <p:cNvSpPr/>
-          <p:nvPr/>
-        </p:nvSpPr>
-        <p:spPr>
-          <a:xfrm>
-            <a:off x="6096000" y="3086100"/>
-            <a:ext cx="6858" cy="342900"/>
-          </a:xfrm>
-          <a:custGeom>
-            <a:avLst/>
-            <a:gdLst>
-              <a:gd name="connsiteX0" fmla="*/ 0 w 6858"/>
-              <a:gd name="connsiteY0" fmla="*/ 0 h 342900"/>
-              <a:gd name="connsiteX1" fmla="*/ 0 w 6858"/>
-              <a:gd name="connsiteY1" fmla="*/ 342900 h 342900"/>
-            </a:gdLst>
-            <a:ahLst/>
-            <a:cxnLst>
-              <a:cxn ang="0">
-                <a:pos x="connsiteX0" y="connsiteY0"/>
-              </a:cxn>
-              <a:cxn ang="0">
-                <a:pos x="connsiteX1" y="connsiteY1"/>
-              </a:cxn>
-            </a:cxnLst>
-            <a:rect l="l" t="t" r="r" b="b"/>
-            <a:pathLst>
-              <a:path w="6858" h="342900">
-                <a:moveTo>
-                  <a:pt x="0" y="0"/>
-                </a:moveTo>
-                <a:lnTo>
-                  <a:pt x="0" y="342900"/>
-                </a:lnTo>
-              </a:path>
-            </a:pathLst>
-          </a:custGeom>
-          <a:ln w="13716" cap="flat">
-            <a:solidFill>
-              <a:srgbClr val="000000"/>
-            </a:solidFill>
-            <a:prstDash val="solid"/>
-            <a:miter/>
-          </a:ln>
-        </p:spPr>
-        <p:txBody>
-          <a:bodyPr rtlCol="0" anchor="ctr"/>
-          <a:lstStyle/>
-          <a:p>
-            <a:endParaRPr lang="en-IN"/>
-          </a:p>
-        </p:txBody>
-      </p:sp>
-      <p:sp>
-        <p:nvSpPr>
-          <p:cNvPr id="33" name="TextBox 32">
-            <a:extLst>
-              <a:ext uri="{FF2B5EF4-FFF2-40B4-BE49-F238E27FC236}">
-                <a16:creationId xmlns:a16="http://schemas.microsoft.com/office/drawing/2014/main" id="{79DDC6A9-8CD4-3D99-5515-91682AF93E1D}"/>
+          <p:cNvPr id="46" name="TextBox 45">
+            <a:extLst>
+              <a:ext uri="{FF2B5EF4-FFF2-40B4-BE49-F238E27FC236}">
+                <a16:creationId xmlns:a16="http://schemas.microsoft.com/office/drawing/2014/main" id="{0BE3FE35-8EDC-2444-98BD-10A26672703E}"/>
               </a:ext>
             </a:extLst>
           </p:cNvPr>
@@ -8301,372 +8653,8 @@
         </p:nvSpPr>
         <p:spPr>
           <a:xfrm>
-            <a:off x="6141720" y="3170682"/>
-            <a:ext cx="320040" cy="187452"/>
-          </a:xfrm>
-          <a:prstGeom prst="rect">
-            <a:avLst/>
-          </a:prstGeom>
-          <a:noFill/>
-        </p:spPr>
-        <p:txBody>
-          <a:bodyPr wrap="none" rtlCol="0">
-            <a:spAutoFit/>
-          </a:bodyPr>
-          <a:lstStyle/>
-          <a:p>
-            <a:pPr algn="l"/>
-            <a:r>
-              <a:rPr lang="en-IN" sz="900" spc="0" baseline="0">
-                <a:ln/>
-                <a:solidFill>
-                  <a:srgbClr val="000000"/>
-                </a:solidFill>
-                <a:latin typeface="Arial"/>
-                <a:cs typeface="Arial"/>
-                <a:sym typeface="Arial"/>
-                <a:rtl val="0"/>
-              </a:rPr>
-              <a:t>Yes</a:t>
-            </a:r>
-          </a:p>
-        </p:txBody>
-      </p:sp>
-      <p:sp>
-        <p:nvSpPr>
-          <p:cNvPr id="34" name="Freeform: Shape 33">
-            <a:extLst>
-              <a:ext uri="{FF2B5EF4-FFF2-40B4-BE49-F238E27FC236}">
-                <a16:creationId xmlns:a16="http://schemas.microsoft.com/office/drawing/2014/main" id="{BFA78A3C-88BD-D582-343F-E5C3D860D334}"/>
-              </a:ext>
-            </a:extLst>
-          </p:cNvPr>
-          <p:cNvSpPr/>
-          <p:nvPr/>
-        </p:nvSpPr>
-        <p:spPr>
-          <a:xfrm>
-            <a:off x="6096000" y="3840480"/>
-            <a:ext cx="6858" cy="274320"/>
-          </a:xfrm>
-          <a:custGeom>
-            <a:avLst/>
-            <a:gdLst>
-              <a:gd name="connsiteX0" fmla="*/ 0 w 6858"/>
-              <a:gd name="connsiteY0" fmla="*/ 0 h 274320"/>
-              <a:gd name="connsiteX1" fmla="*/ 0 w 6858"/>
-              <a:gd name="connsiteY1" fmla="*/ 274320 h 274320"/>
-            </a:gdLst>
-            <a:ahLst/>
-            <a:cxnLst>
-              <a:cxn ang="0">
-                <a:pos x="connsiteX0" y="connsiteY0"/>
-              </a:cxn>
-              <a:cxn ang="0">
-                <a:pos x="connsiteX1" y="connsiteY1"/>
-              </a:cxn>
-            </a:cxnLst>
-            <a:rect l="l" t="t" r="r" b="b"/>
-            <a:pathLst>
-              <a:path w="6858" h="274320">
-                <a:moveTo>
-                  <a:pt x="0" y="0"/>
-                </a:moveTo>
-                <a:lnTo>
-                  <a:pt x="0" y="274320"/>
-                </a:lnTo>
-              </a:path>
-            </a:pathLst>
-          </a:custGeom>
-          <a:ln w="13716" cap="flat">
-            <a:solidFill>
-              <a:srgbClr val="000000"/>
-            </a:solidFill>
-            <a:prstDash val="solid"/>
-            <a:miter/>
-          </a:ln>
-        </p:spPr>
-        <p:txBody>
-          <a:bodyPr rtlCol="0" anchor="ctr"/>
-          <a:lstStyle/>
-          <a:p>
-            <a:endParaRPr lang="en-IN"/>
-          </a:p>
-        </p:txBody>
-      </p:sp>
-      <p:sp>
-        <p:nvSpPr>
-          <p:cNvPr id="35" name="Freeform: Shape 34">
-            <a:extLst>
-              <a:ext uri="{FF2B5EF4-FFF2-40B4-BE49-F238E27FC236}">
-                <a16:creationId xmlns:a16="http://schemas.microsoft.com/office/drawing/2014/main" id="{68A3CB38-3990-6E45-12CA-E5C1D2C5F93B}"/>
-              </a:ext>
-            </a:extLst>
-          </p:cNvPr>
-          <p:cNvSpPr/>
-          <p:nvPr/>
-        </p:nvSpPr>
-        <p:spPr>
-          <a:xfrm>
-            <a:off x="6096000" y="4526280"/>
-            <a:ext cx="6858" cy="274320"/>
-          </a:xfrm>
-          <a:custGeom>
-            <a:avLst/>
-            <a:gdLst>
-              <a:gd name="connsiteX0" fmla="*/ 0 w 6858"/>
-              <a:gd name="connsiteY0" fmla="*/ 0 h 274320"/>
-              <a:gd name="connsiteX1" fmla="*/ 0 w 6858"/>
-              <a:gd name="connsiteY1" fmla="*/ 274320 h 274320"/>
-            </a:gdLst>
-            <a:ahLst/>
-            <a:cxnLst>
-              <a:cxn ang="0">
-                <a:pos x="connsiteX0" y="connsiteY0"/>
-              </a:cxn>
-              <a:cxn ang="0">
-                <a:pos x="connsiteX1" y="connsiteY1"/>
-              </a:cxn>
-            </a:cxnLst>
-            <a:rect l="l" t="t" r="r" b="b"/>
-            <a:pathLst>
-              <a:path w="6858" h="274320">
-                <a:moveTo>
-                  <a:pt x="0" y="0"/>
-                </a:moveTo>
-                <a:lnTo>
-                  <a:pt x="0" y="274320"/>
-                </a:lnTo>
-              </a:path>
-            </a:pathLst>
-          </a:custGeom>
-          <a:ln w="13716" cap="flat">
-            <a:solidFill>
-              <a:srgbClr val="000000"/>
-            </a:solidFill>
-            <a:prstDash val="solid"/>
-            <a:miter/>
-          </a:ln>
-        </p:spPr>
-        <p:txBody>
-          <a:bodyPr rtlCol="0" anchor="ctr"/>
-          <a:lstStyle/>
-          <a:p>
-            <a:endParaRPr lang="en-IN"/>
-          </a:p>
-        </p:txBody>
-      </p:sp>
-      <p:sp>
-        <p:nvSpPr>
-          <p:cNvPr id="36" name="Freeform: Shape 35">
-            <a:extLst>
-              <a:ext uri="{FF2B5EF4-FFF2-40B4-BE49-F238E27FC236}">
-                <a16:creationId xmlns:a16="http://schemas.microsoft.com/office/drawing/2014/main" id="{69023AA4-C8E2-454D-369A-7777D940E076}"/>
-              </a:ext>
-            </a:extLst>
-          </p:cNvPr>
-          <p:cNvSpPr/>
-          <p:nvPr/>
-        </p:nvSpPr>
-        <p:spPr>
-          <a:xfrm>
-            <a:off x="6096000" y="5212080"/>
-            <a:ext cx="6858" cy="274320"/>
-          </a:xfrm>
-          <a:custGeom>
-            <a:avLst/>
-            <a:gdLst>
-              <a:gd name="connsiteX0" fmla="*/ 0 w 6858"/>
-              <a:gd name="connsiteY0" fmla="*/ 0 h 274320"/>
-              <a:gd name="connsiteX1" fmla="*/ 0 w 6858"/>
-              <a:gd name="connsiteY1" fmla="*/ 274320 h 274320"/>
-            </a:gdLst>
-            <a:ahLst/>
-            <a:cxnLst>
-              <a:cxn ang="0">
-                <a:pos x="connsiteX0" y="connsiteY0"/>
-              </a:cxn>
-              <a:cxn ang="0">
-                <a:pos x="connsiteX1" y="connsiteY1"/>
-              </a:cxn>
-            </a:cxnLst>
-            <a:rect l="l" t="t" r="r" b="b"/>
-            <a:pathLst>
-              <a:path w="6858" h="274320">
-                <a:moveTo>
-                  <a:pt x="0" y="0"/>
-                </a:moveTo>
-                <a:lnTo>
-                  <a:pt x="0" y="274320"/>
-                </a:lnTo>
-              </a:path>
-            </a:pathLst>
-          </a:custGeom>
-          <a:ln w="13716" cap="flat">
-            <a:solidFill>
-              <a:srgbClr val="000000"/>
-            </a:solidFill>
-            <a:prstDash val="solid"/>
-            <a:miter/>
-          </a:ln>
-        </p:spPr>
-        <p:txBody>
-          <a:bodyPr rtlCol="0" anchor="ctr"/>
-          <a:lstStyle/>
-          <a:p>
-            <a:endParaRPr lang="en-IN"/>
-          </a:p>
-        </p:txBody>
-      </p:sp>
-      <p:sp>
-        <p:nvSpPr>
-          <p:cNvPr id="37" name="Freeform: Shape 36">
-            <a:extLst>
-              <a:ext uri="{FF2B5EF4-FFF2-40B4-BE49-F238E27FC236}">
-                <a16:creationId xmlns:a16="http://schemas.microsoft.com/office/drawing/2014/main" id="{DCF43B55-FADC-DA6A-F29F-70E74664A074}"/>
-              </a:ext>
-            </a:extLst>
-          </p:cNvPr>
-          <p:cNvSpPr/>
-          <p:nvPr/>
-        </p:nvSpPr>
-        <p:spPr>
-          <a:xfrm>
-            <a:off x="6096000" y="5897880"/>
-            <a:ext cx="6858" cy="274320"/>
-          </a:xfrm>
-          <a:custGeom>
-            <a:avLst/>
-            <a:gdLst>
-              <a:gd name="connsiteX0" fmla="*/ 0 w 6858"/>
-              <a:gd name="connsiteY0" fmla="*/ 0 h 274320"/>
-              <a:gd name="connsiteX1" fmla="*/ 0 w 6858"/>
-              <a:gd name="connsiteY1" fmla="*/ 274320 h 274320"/>
-            </a:gdLst>
-            <a:ahLst/>
-            <a:cxnLst>
-              <a:cxn ang="0">
-                <a:pos x="connsiteX0" y="connsiteY0"/>
-              </a:cxn>
-              <a:cxn ang="0">
-                <a:pos x="connsiteX1" y="connsiteY1"/>
-              </a:cxn>
-            </a:cxnLst>
-            <a:rect l="l" t="t" r="r" b="b"/>
-            <a:pathLst>
-              <a:path w="6858" h="274320">
-                <a:moveTo>
-                  <a:pt x="0" y="0"/>
-                </a:moveTo>
-                <a:lnTo>
-                  <a:pt x="0" y="274320"/>
-                </a:lnTo>
-              </a:path>
-            </a:pathLst>
-          </a:custGeom>
-          <a:ln w="13716" cap="flat">
-            <a:solidFill>
-              <a:srgbClr val="000000"/>
-            </a:solidFill>
-            <a:prstDash val="solid"/>
-            <a:miter/>
-          </a:ln>
-        </p:spPr>
-        <p:txBody>
-          <a:bodyPr rtlCol="0" anchor="ctr"/>
-          <a:lstStyle/>
-          <a:p>
-            <a:endParaRPr lang="en-IN"/>
-          </a:p>
-        </p:txBody>
-      </p:sp>
-      <p:sp>
-        <p:nvSpPr>
-          <p:cNvPr id="38" name="Freeform: Shape 37">
-            <a:extLst>
-              <a:ext uri="{FF2B5EF4-FFF2-40B4-BE49-F238E27FC236}">
-                <a16:creationId xmlns:a16="http://schemas.microsoft.com/office/drawing/2014/main" id="{3F4F4642-DBB9-25A4-FAA4-84C530D2E856}"/>
-              </a:ext>
-            </a:extLst>
-          </p:cNvPr>
-          <p:cNvSpPr/>
-          <p:nvPr/>
-        </p:nvSpPr>
-        <p:spPr>
-          <a:xfrm>
-            <a:off x="6781800" y="3291840"/>
-            <a:ext cx="1028700" cy="2537460"/>
-          </a:xfrm>
-          <a:custGeom>
-            <a:avLst/>
-            <a:gdLst>
-              <a:gd name="connsiteX0" fmla="*/ 1028700 w 1028700"/>
-              <a:gd name="connsiteY0" fmla="*/ 0 h 2537460"/>
-              <a:gd name="connsiteX1" fmla="*/ 1028700 w 1028700"/>
-              <a:gd name="connsiteY1" fmla="*/ 2537460 h 2537460"/>
-              <a:gd name="connsiteX2" fmla="*/ 0 w 1028700"/>
-              <a:gd name="connsiteY2" fmla="*/ 2537460 h 2537460"/>
-            </a:gdLst>
-            <a:ahLst/>
-            <a:cxnLst>
-              <a:cxn ang="0">
-                <a:pos x="connsiteX0" y="connsiteY0"/>
-              </a:cxn>
-              <a:cxn ang="0">
-                <a:pos x="connsiteX1" y="connsiteY1"/>
-              </a:cxn>
-              <a:cxn ang="0">
-                <a:pos x="connsiteX2" y="connsiteY2"/>
-              </a:cxn>
-            </a:cxnLst>
-            <a:rect l="l" t="t" r="r" b="b"/>
-            <a:pathLst>
-              <a:path w="1028700" h="2537460">
-                <a:moveTo>
-                  <a:pt x="1028700" y="0"/>
-                </a:moveTo>
-                <a:lnTo>
-                  <a:pt x="1028700" y="2537460"/>
-                </a:lnTo>
-                <a:lnTo>
-                  <a:pt x="0" y="2537460"/>
-                </a:lnTo>
-              </a:path>
-            </a:pathLst>
-          </a:custGeom>
-          <a:noFill/>
-          <a:ln w="13716" cap="flat">
-            <a:solidFill>
-              <a:srgbClr val="000000"/>
-            </a:solidFill>
-            <a:prstDash val="solid"/>
-            <a:miter/>
-          </a:ln>
-        </p:spPr>
-        <p:txBody>
-          <a:bodyPr rtlCol="0" anchor="ctr"/>
-          <a:lstStyle/>
-          <a:p>
-            <a:endParaRPr lang="en-IN"/>
-          </a:p>
-        </p:txBody>
-      </p:sp>
-      <p:sp>
-        <p:nvSpPr>
-          <p:cNvPr id="39" name="TextBox 38">
-            <a:extLst>
-              <a:ext uri="{FF2B5EF4-FFF2-40B4-BE49-F238E27FC236}">
-                <a16:creationId xmlns:a16="http://schemas.microsoft.com/office/drawing/2014/main" id="{F0F1E0A5-7A54-DB39-87B1-76CE45B3995E}"/>
-              </a:ext>
-            </a:extLst>
-          </p:cNvPr>
-          <p:cNvSpPr txBox="1"/>
-          <p:nvPr/>
-        </p:nvSpPr>
-        <p:spPr>
-          <a:xfrm>
-            <a:off x="2172929" y="1097280"/>
-            <a:ext cx="1371600" cy="369332"/>
+            <a:off x="592282" y="460057"/>
+            <a:ext cx="937433" cy="369332"/>
           </a:xfrm>
           <a:prstGeom prst="rect">
             <a:avLst/>
@@ -8680,8 +8668,8 @@
           <a:lstStyle/>
           <a:p>
             <a:r>
-              <a:rPr lang="en-US" dirty="0" err="1"/>
-              <a:t>behavioural</a:t>
+              <a:rPr lang="en-US" dirty="0"/>
+              <a:t>behave</a:t>
             </a:r>
             <a:endParaRPr lang="en-IN" dirty="0"/>
           </a:p>
@@ -8690,7 +8678,7 @@
     </p:spTree>
     <p:extLst>
       <p:ext uri="{BB962C8B-B14F-4D97-AF65-F5344CB8AC3E}">
-        <p14:creationId xmlns:p14="http://schemas.microsoft.com/office/powerpoint/2010/main" val="4159775893"/>
+        <p14:creationId xmlns:p14="http://schemas.microsoft.com/office/powerpoint/2010/main" val="1052398607"/>
       </p:ext>
     </p:extLst>
   </p:cSld>
@@ -8719,10 +8707,10 @@
       </p:grpSpPr>
       <p:sp>
         <p:nvSpPr>
-          <p:cNvPr id="5" name="Freeform: Shape 4">
-            <a:extLst>
-              <a:ext uri="{FF2B5EF4-FFF2-40B4-BE49-F238E27FC236}">
-                <a16:creationId xmlns:a16="http://schemas.microsoft.com/office/drawing/2014/main" id="{B7AB3A11-7FCD-7B5E-DE6E-892CF24AF29A}"/>
+          <p:cNvPr id="49" name="Freeform: Shape 48">
+            <a:extLst>
+              <a:ext uri="{FF2B5EF4-FFF2-40B4-BE49-F238E27FC236}">
+                <a16:creationId xmlns:a16="http://schemas.microsoft.com/office/drawing/2014/main" id="{F3090135-E2A0-98D3-8200-B3D2B2F3B476}"/>
               </a:ext>
             </a:extLst>
           </p:cNvPr>
@@ -8731,22 +8719,22 @@
         </p:nvSpPr>
         <p:spPr>
           <a:xfrm>
-            <a:off x="5958840" y="205740"/>
-            <a:ext cx="274320" cy="274320"/>
+            <a:off x="5905500" y="857250"/>
+            <a:ext cx="381000" cy="381000"/>
           </a:xfrm>
           <a:custGeom>
             <a:avLst/>
             <a:gdLst>
-              <a:gd name="connsiteX0" fmla="*/ 274320 w 274320"/>
-              <a:gd name="connsiteY0" fmla="*/ 137160 h 274320"/>
-              <a:gd name="connsiteX1" fmla="*/ 137160 w 274320"/>
-              <a:gd name="connsiteY1" fmla="*/ 274320 h 274320"/>
-              <a:gd name="connsiteX2" fmla="*/ 0 w 274320"/>
-              <a:gd name="connsiteY2" fmla="*/ 137160 h 274320"/>
-              <a:gd name="connsiteX3" fmla="*/ 137160 w 274320"/>
-              <a:gd name="connsiteY3" fmla="*/ 0 h 274320"/>
-              <a:gd name="connsiteX4" fmla="*/ 274320 w 274320"/>
-              <a:gd name="connsiteY4" fmla="*/ 137160 h 274320"/>
+              <a:gd name="connsiteX0" fmla="*/ 381000 w 381000"/>
+              <a:gd name="connsiteY0" fmla="*/ 190500 h 381000"/>
+              <a:gd name="connsiteX1" fmla="*/ 190500 w 381000"/>
+              <a:gd name="connsiteY1" fmla="*/ 381000 h 381000"/>
+              <a:gd name="connsiteX2" fmla="*/ 0 w 381000"/>
+              <a:gd name="connsiteY2" fmla="*/ 190500 h 381000"/>
+              <a:gd name="connsiteX3" fmla="*/ 190500 w 381000"/>
+              <a:gd name="connsiteY3" fmla="*/ 0 h 381000"/>
+              <a:gd name="connsiteX4" fmla="*/ 381000 w 381000"/>
+              <a:gd name="connsiteY4" fmla="*/ 190500 h 381000"/>
             </a:gdLst>
             <a:ahLst/>
             <a:cxnLst>
@@ -8768,29 +8756,29 @@
             </a:cxnLst>
             <a:rect l="l" t="t" r="r" b="b"/>
             <a:pathLst>
-              <a:path w="274320" h="274320">
+              <a:path w="381000" h="381000">
                 <a:moveTo>
-                  <a:pt x="274320" y="137160"/>
+                  <a:pt x="381000" y="190500"/>
                 </a:moveTo>
                 <a:cubicBezTo>
-                  <a:pt x="274320" y="212911"/>
-                  <a:pt x="212911" y="274320"/>
-                  <a:pt x="137160" y="274320"/>
+                  <a:pt x="381000" y="295710"/>
+                  <a:pt x="295710" y="381000"/>
+                  <a:pt x="190500" y="381000"/>
                 </a:cubicBezTo>
                 <a:cubicBezTo>
-                  <a:pt x="61409" y="274320"/>
-                  <a:pt x="0" y="212911"/>
-                  <a:pt x="0" y="137160"/>
+                  <a:pt x="85290" y="381000"/>
+                  <a:pt x="0" y="295710"/>
+                  <a:pt x="0" y="190500"/>
                 </a:cubicBezTo>
                 <a:cubicBezTo>
-                  <a:pt x="0" y="61409"/>
-                  <a:pt x="61409" y="0"/>
-                  <a:pt x="137160" y="0"/>
+                  <a:pt x="0" y="85290"/>
+                  <a:pt x="85290" y="0"/>
+                  <a:pt x="190500" y="0"/>
                 </a:cubicBezTo>
                 <a:cubicBezTo>
-                  <a:pt x="212911" y="0"/>
-                  <a:pt x="274320" y="61409"/>
-                  <a:pt x="274320" y="137160"/>
+                  <a:pt x="295710" y="0"/>
+                  <a:pt x="381000" y="85290"/>
+                  <a:pt x="381000" y="190500"/>
                 </a:cubicBezTo>
                 <a:close/>
               </a:path>
@@ -8799,7 +8787,7 @@
           <a:solidFill>
             <a:srgbClr val="000000"/>
           </a:solidFill>
-          <a:ln w="6858" cap="flat">
+          <a:ln w="9525" cap="flat">
             <a:noFill/>
             <a:prstDash val="solid"/>
             <a:miter/>
@@ -8815,10 +8803,10 @@
       </p:sp>
       <p:sp>
         <p:nvSpPr>
-          <p:cNvPr id="6" name="Freeform: Shape 5">
-            <a:extLst>
-              <a:ext uri="{FF2B5EF4-FFF2-40B4-BE49-F238E27FC236}">
-                <a16:creationId xmlns:a16="http://schemas.microsoft.com/office/drawing/2014/main" id="{DCF10488-CB4E-3773-91FB-2552206B9F49}"/>
+          <p:cNvPr id="50" name="Freeform: Shape 49">
+            <a:extLst>
+              <a:ext uri="{FF2B5EF4-FFF2-40B4-BE49-F238E27FC236}">
+                <a16:creationId xmlns:a16="http://schemas.microsoft.com/office/drawing/2014/main" id="{A20334B3-C80D-9903-DF52-DAC9AA510904}"/>
               </a:ext>
             </a:extLst>
           </p:cNvPr>
@@ -8827,28 +8815,28 @@
         </p:nvSpPr>
         <p:spPr>
           <a:xfrm>
-            <a:off x="5410200" y="685800"/>
-            <a:ext cx="1371600" cy="411480"/>
+            <a:off x="5381625" y="1524000"/>
+            <a:ext cx="1428750" cy="476250"/>
           </a:xfrm>
           <a:custGeom>
             <a:avLst/>
             <a:gdLst>
-              <a:gd name="connsiteX0" fmla="*/ 1303020 w 1371600"/>
-              <a:gd name="connsiteY0" fmla="*/ 0 h 411480"/>
-              <a:gd name="connsiteX1" fmla="*/ 1371600 w 1371600"/>
-              <a:gd name="connsiteY1" fmla="*/ 0 h 411480"/>
-              <a:gd name="connsiteX2" fmla="*/ 1371600 w 1371600"/>
-              <a:gd name="connsiteY2" fmla="*/ 411480 h 411480"/>
-              <a:gd name="connsiteX3" fmla="*/ 1303020 w 1371600"/>
-              <a:gd name="connsiteY3" fmla="*/ 411480 h 411480"/>
-              <a:gd name="connsiteX4" fmla="*/ 68580 w 1371600"/>
-              <a:gd name="connsiteY4" fmla="*/ 411480 h 411480"/>
-              <a:gd name="connsiteX5" fmla="*/ 0 w 1371600"/>
-              <a:gd name="connsiteY5" fmla="*/ 411480 h 411480"/>
-              <a:gd name="connsiteX6" fmla="*/ 0 w 1371600"/>
-              <a:gd name="connsiteY6" fmla="*/ 0 h 411480"/>
-              <a:gd name="connsiteX7" fmla="*/ 68580 w 1371600"/>
-              <a:gd name="connsiteY7" fmla="*/ 0 h 411480"/>
+              <a:gd name="connsiteX0" fmla="*/ 1333500 w 1428750"/>
+              <a:gd name="connsiteY0" fmla="*/ 0 h 476250"/>
+              <a:gd name="connsiteX1" fmla="*/ 1428750 w 1428750"/>
+              <a:gd name="connsiteY1" fmla="*/ 0 h 476250"/>
+              <a:gd name="connsiteX2" fmla="*/ 1428750 w 1428750"/>
+              <a:gd name="connsiteY2" fmla="*/ 476250 h 476250"/>
+              <a:gd name="connsiteX3" fmla="*/ 1333500 w 1428750"/>
+              <a:gd name="connsiteY3" fmla="*/ 476250 h 476250"/>
+              <a:gd name="connsiteX4" fmla="*/ 95250 w 1428750"/>
+              <a:gd name="connsiteY4" fmla="*/ 476250 h 476250"/>
+              <a:gd name="connsiteX5" fmla="*/ 0 w 1428750"/>
+              <a:gd name="connsiteY5" fmla="*/ 476250 h 476250"/>
+              <a:gd name="connsiteX6" fmla="*/ 0 w 1428750"/>
+              <a:gd name="connsiteY6" fmla="*/ 0 h 476250"/>
+              <a:gd name="connsiteX7" fmla="*/ 95250 w 1428750"/>
+              <a:gd name="connsiteY7" fmla="*/ 0 h 476250"/>
             </a:gdLst>
             <a:ahLst/>
             <a:cxnLst>
@@ -8879,38 +8867,38 @@
             </a:cxnLst>
             <a:rect l="l" t="t" r="r" b="b"/>
             <a:pathLst>
-              <a:path w="1371600" h="411480">
+              <a:path w="1428750" h="476250">
                 <a:moveTo>
-                  <a:pt x="1303020" y="0"/>
+                  <a:pt x="1333500" y="0"/>
                 </a:moveTo>
                 <a:cubicBezTo>
-                  <a:pt x="1340896" y="0"/>
-                  <a:pt x="1371600" y="0"/>
-                  <a:pt x="1371600" y="0"/>
+                  <a:pt x="1386105" y="0"/>
+                  <a:pt x="1428750" y="0"/>
+                  <a:pt x="1428750" y="0"/>
                 </a:cubicBezTo>
                 <a:lnTo>
-                  <a:pt x="1371600" y="411480"/>
+                  <a:pt x="1428750" y="476250"/>
                 </a:lnTo>
                 <a:cubicBezTo>
-                  <a:pt x="1371600" y="411480"/>
-                  <a:pt x="1340896" y="411480"/>
-                  <a:pt x="1303020" y="411480"/>
+                  <a:pt x="1428750" y="476250"/>
+                  <a:pt x="1386105" y="476250"/>
+                  <a:pt x="1333500" y="476250"/>
                 </a:cubicBezTo>
                 <a:lnTo>
-                  <a:pt x="68580" y="411480"/>
+                  <a:pt x="95250" y="476250"/>
                 </a:lnTo>
                 <a:cubicBezTo>
-                  <a:pt x="30704" y="411480"/>
-                  <a:pt x="0" y="411480"/>
-                  <a:pt x="0" y="411480"/>
+                  <a:pt x="42645" y="476250"/>
+                  <a:pt x="0" y="476250"/>
+                  <a:pt x="0" y="476250"/>
                 </a:cubicBezTo>
                 <a:lnTo>
                   <a:pt x="0" y="0"/>
                 </a:lnTo>
                 <a:cubicBezTo>
                   <a:pt x="0" y="0"/>
-                  <a:pt x="30704" y="0"/>
-                  <a:pt x="68580" y="0"/>
+                  <a:pt x="42645" y="0"/>
+                  <a:pt x="95250" y="0"/>
                 </a:cubicBezTo>
                 <a:close/>
               </a:path>
@@ -8919,7 +8907,7 @@
           <a:solidFill>
             <a:srgbClr val="FFFFFF"/>
           </a:solidFill>
-          <a:ln w="13716" cap="flat">
+          <a:ln w="19050" cap="flat">
             <a:solidFill>
               <a:srgbClr val="000000"/>
             </a:solidFill>
@@ -8937,10 +8925,10 @@
       </p:sp>
       <p:sp>
         <p:nvSpPr>
-          <p:cNvPr id="7" name="TextBox 6">
-            <a:extLst>
-              <a:ext uri="{FF2B5EF4-FFF2-40B4-BE49-F238E27FC236}">
-                <a16:creationId xmlns:a16="http://schemas.microsoft.com/office/drawing/2014/main" id="{759B202F-A74F-7304-7DD0-AEC85043644C}"/>
+          <p:cNvPr id="51" name="TextBox 50">
+            <a:extLst>
+              <a:ext uri="{FF2B5EF4-FFF2-40B4-BE49-F238E27FC236}">
+                <a16:creationId xmlns:a16="http://schemas.microsoft.com/office/drawing/2014/main" id="{866E6B78-8EA3-DB69-D07C-16CB8CD0AF6A}"/>
               </a:ext>
             </a:extLst>
           </p:cNvPr>
@@ -8949,8 +8937,8 @@
         </p:nvSpPr>
         <p:spPr>
           <a:xfrm>
-            <a:off x="5737098" y="804672"/>
-            <a:ext cx="717804" cy="187452"/>
+            <a:off x="5694997" y="1659255"/>
+            <a:ext cx="802005" cy="224790"/>
           </a:xfrm>
           <a:prstGeom prst="rect">
             <a:avLst/>
@@ -8975,17 +8963,17 @@
                 <a:sym typeface="Arial"/>
                 <a:rtl val="0"/>
               </a:rPr>
-              <a:t>Upload Image</a:t>
+              <a:t>Input Image</a:t>
             </a:r>
           </a:p>
         </p:txBody>
       </p:sp>
       <p:sp>
         <p:nvSpPr>
-          <p:cNvPr id="8" name="Freeform: Shape 7">
-            <a:extLst>
-              <a:ext uri="{FF2B5EF4-FFF2-40B4-BE49-F238E27FC236}">
-                <a16:creationId xmlns:a16="http://schemas.microsoft.com/office/drawing/2014/main" id="{9CC2808D-FC6A-688A-AC6D-A8508D35196B}"/>
+          <p:cNvPr id="52" name="Freeform: Shape 51">
+            <a:extLst>
+              <a:ext uri="{FF2B5EF4-FFF2-40B4-BE49-F238E27FC236}">
+                <a16:creationId xmlns:a16="http://schemas.microsoft.com/office/drawing/2014/main" id="{6F701DE3-73B2-899E-280F-F9670C93DA9E}"/>
               </a:ext>
             </a:extLst>
           </p:cNvPr>
@@ -8994,28 +8982,28 @@
         </p:nvSpPr>
         <p:spPr>
           <a:xfrm>
-            <a:off x="5410200" y="1371600"/>
-            <a:ext cx="1371600" cy="411480"/>
+            <a:off x="5381625" y="2286000"/>
+            <a:ext cx="1428750" cy="476250"/>
           </a:xfrm>
           <a:custGeom>
             <a:avLst/>
             <a:gdLst>
-              <a:gd name="connsiteX0" fmla="*/ 1303020 w 1371600"/>
-              <a:gd name="connsiteY0" fmla="*/ 0 h 411480"/>
-              <a:gd name="connsiteX1" fmla="*/ 1371600 w 1371600"/>
-              <a:gd name="connsiteY1" fmla="*/ 0 h 411480"/>
-              <a:gd name="connsiteX2" fmla="*/ 1371600 w 1371600"/>
-              <a:gd name="connsiteY2" fmla="*/ 411480 h 411480"/>
-              <a:gd name="connsiteX3" fmla="*/ 1303020 w 1371600"/>
-              <a:gd name="connsiteY3" fmla="*/ 411480 h 411480"/>
-              <a:gd name="connsiteX4" fmla="*/ 68580 w 1371600"/>
-              <a:gd name="connsiteY4" fmla="*/ 411480 h 411480"/>
-              <a:gd name="connsiteX5" fmla="*/ 0 w 1371600"/>
-              <a:gd name="connsiteY5" fmla="*/ 411480 h 411480"/>
-              <a:gd name="connsiteX6" fmla="*/ 0 w 1371600"/>
-              <a:gd name="connsiteY6" fmla="*/ 0 h 411480"/>
-              <a:gd name="connsiteX7" fmla="*/ 68580 w 1371600"/>
-              <a:gd name="connsiteY7" fmla="*/ 0 h 411480"/>
+              <a:gd name="connsiteX0" fmla="*/ 1333500 w 1428750"/>
+              <a:gd name="connsiteY0" fmla="*/ 0 h 476250"/>
+              <a:gd name="connsiteX1" fmla="*/ 1428750 w 1428750"/>
+              <a:gd name="connsiteY1" fmla="*/ 0 h 476250"/>
+              <a:gd name="connsiteX2" fmla="*/ 1428750 w 1428750"/>
+              <a:gd name="connsiteY2" fmla="*/ 476250 h 476250"/>
+              <a:gd name="connsiteX3" fmla="*/ 1333500 w 1428750"/>
+              <a:gd name="connsiteY3" fmla="*/ 476250 h 476250"/>
+              <a:gd name="connsiteX4" fmla="*/ 95250 w 1428750"/>
+              <a:gd name="connsiteY4" fmla="*/ 476250 h 476250"/>
+              <a:gd name="connsiteX5" fmla="*/ 0 w 1428750"/>
+              <a:gd name="connsiteY5" fmla="*/ 476250 h 476250"/>
+              <a:gd name="connsiteX6" fmla="*/ 0 w 1428750"/>
+              <a:gd name="connsiteY6" fmla="*/ 0 h 476250"/>
+              <a:gd name="connsiteX7" fmla="*/ 95250 w 1428750"/>
+              <a:gd name="connsiteY7" fmla="*/ 0 h 476250"/>
             </a:gdLst>
             <a:ahLst/>
             <a:cxnLst>
@@ -9046,38 +9034,38 @@
             </a:cxnLst>
             <a:rect l="l" t="t" r="r" b="b"/>
             <a:pathLst>
-              <a:path w="1371600" h="411480">
+              <a:path w="1428750" h="476250">
                 <a:moveTo>
-                  <a:pt x="1303020" y="0"/>
+                  <a:pt x="1333500" y="0"/>
                 </a:moveTo>
                 <a:cubicBezTo>
-                  <a:pt x="1340896" y="0"/>
-                  <a:pt x="1371600" y="0"/>
-                  <a:pt x="1371600" y="0"/>
+                  <a:pt x="1386105" y="0"/>
+                  <a:pt x="1428750" y="0"/>
+                  <a:pt x="1428750" y="0"/>
                 </a:cubicBezTo>
                 <a:lnTo>
-                  <a:pt x="1371600" y="411480"/>
+                  <a:pt x="1428750" y="476250"/>
                 </a:lnTo>
                 <a:cubicBezTo>
-                  <a:pt x="1371600" y="411480"/>
-                  <a:pt x="1340896" y="411480"/>
-                  <a:pt x="1303020" y="411480"/>
+                  <a:pt x="1428750" y="476250"/>
+                  <a:pt x="1386105" y="476250"/>
+                  <a:pt x="1333500" y="476250"/>
                 </a:cubicBezTo>
                 <a:lnTo>
-                  <a:pt x="68580" y="411480"/>
+                  <a:pt x="95250" y="476250"/>
                 </a:lnTo>
                 <a:cubicBezTo>
-                  <a:pt x="30704" y="411480"/>
-                  <a:pt x="0" y="411480"/>
-                  <a:pt x="0" y="411480"/>
+                  <a:pt x="42645" y="476250"/>
+                  <a:pt x="0" y="476250"/>
+                  <a:pt x="0" y="476250"/>
                 </a:cubicBezTo>
                 <a:lnTo>
                   <a:pt x="0" y="0"/>
                 </a:lnTo>
                 <a:cubicBezTo>
                   <a:pt x="0" y="0"/>
-                  <a:pt x="30704" y="0"/>
-                  <a:pt x="68580" y="0"/>
+                  <a:pt x="42645" y="0"/>
+                  <a:pt x="95250" y="0"/>
                 </a:cubicBezTo>
                 <a:close/>
               </a:path>
@@ -9086,7 +9074,7 @@
           <a:solidFill>
             <a:srgbClr val="FFFFFF"/>
           </a:solidFill>
-          <a:ln w="13716" cap="flat">
+          <a:ln w="19050" cap="flat">
             <a:solidFill>
               <a:srgbClr val="000000"/>
             </a:solidFill>
@@ -9104,10 +9092,10 @@
       </p:sp>
       <p:sp>
         <p:nvSpPr>
-          <p:cNvPr id="9" name="TextBox 8">
-            <a:extLst>
-              <a:ext uri="{FF2B5EF4-FFF2-40B4-BE49-F238E27FC236}">
-                <a16:creationId xmlns:a16="http://schemas.microsoft.com/office/drawing/2014/main" id="{39E3BDA5-E956-7EB4-EB8E-7F54D4310992}"/>
+          <p:cNvPr id="53" name="TextBox 52">
+            <a:extLst>
+              <a:ext uri="{FF2B5EF4-FFF2-40B4-BE49-F238E27FC236}">
+                <a16:creationId xmlns:a16="http://schemas.microsoft.com/office/drawing/2014/main" id="{614C6C1B-E9E9-1E28-352C-1C9347750FA3}"/>
               </a:ext>
             </a:extLst>
           </p:cNvPr>
@@ -9116,8 +9104,8 @@
         </p:nvSpPr>
         <p:spPr>
           <a:xfrm>
-            <a:off x="5596509" y="1490472"/>
-            <a:ext cx="998982" cy="187452"/>
+            <a:off x="5437822" y="2421255"/>
+            <a:ext cx="1316355" cy="224790"/>
           </a:xfrm>
           <a:prstGeom prst="rect">
             <a:avLst/>
@@ -9149,10 +9137,10 @@
       </p:sp>
       <p:sp>
         <p:nvSpPr>
-          <p:cNvPr id="10" name="Freeform: Shape 9">
-            <a:extLst>
-              <a:ext uri="{FF2B5EF4-FFF2-40B4-BE49-F238E27FC236}">
-                <a16:creationId xmlns:a16="http://schemas.microsoft.com/office/drawing/2014/main" id="{04733D2B-F503-67CD-5A4D-42622007CCF6}"/>
+          <p:cNvPr id="54" name="Freeform: Shape 53">
+            <a:extLst>
+              <a:ext uri="{FF2B5EF4-FFF2-40B4-BE49-F238E27FC236}">
+                <a16:creationId xmlns:a16="http://schemas.microsoft.com/office/drawing/2014/main" id="{15448D13-9407-5A6E-3E5E-FEBFE6F8925A}"/>
               </a:ext>
             </a:extLst>
           </p:cNvPr>
@@ -9161,28 +9149,28 @@
         </p:nvSpPr>
         <p:spPr>
           <a:xfrm>
-            <a:off x="5410200" y="2057400"/>
-            <a:ext cx="1371600" cy="411480"/>
+            <a:off x="5381625" y="3048000"/>
+            <a:ext cx="1428750" cy="476250"/>
           </a:xfrm>
           <a:custGeom>
             <a:avLst/>
             <a:gdLst>
-              <a:gd name="connsiteX0" fmla="*/ 1303020 w 1371600"/>
-              <a:gd name="connsiteY0" fmla="*/ 0 h 411480"/>
-              <a:gd name="connsiteX1" fmla="*/ 1371600 w 1371600"/>
-              <a:gd name="connsiteY1" fmla="*/ 0 h 411480"/>
-              <a:gd name="connsiteX2" fmla="*/ 1371600 w 1371600"/>
-              <a:gd name="connsiteY2" fmla="*/ 411480 h 411480"/>
-              <a:gd name="connsiteX3" fmla="*/ 1303020 w 1371600"/>
-              <a:gd name="connsiteY3" fmla="*/ 411480 h 411480"/>
-              <a:gd name="connsiteX4" fmla="*/ 68580 w 1371600"/>
-              <a:gd name="connsiteY4" fmla="*/ 411480 h 411480"/>
-              <a:gd name="connsiteX5" fmla="*/ 0 w 1371600"/>
-              <a:gd name="connsiteY5" fmla="*/ 411480 h 411480"/>
-              <a:gd name="connsiteX6" fmla="*/ 0 w 1371600"/>
-              <a:gd name="connsiteY6" fmla="*/ 0 h 411480"/>
-              <a:gd name="connsiteX7" fmla="*/ 68580 w 1371600"/>
-              <a:gd name="connsiteY7" fmla="*/ 0 h 411480"/>
+              <a:gd name="connsiteX0" fmla="*/ 1333500 w 1428750"/>
+              <a:gd name="connsiteY0" fmla="*/ 0 h 476250"/>
+              <a:gd name="connsiteX1" fmla="*/ 1428750 w 1428750"/>
+              <a:gd name="connsiteY1" fmla="*/ 0 h 476250"/>
+              <a:gd name="connsiteX2" fmla="*/ 1428750 w 1428750"/>
+              <a:gd name="connsiteY2" fmla="*/ 476250 h 476250"/>
+              <a:gd name="connsiteX3" fmla="*/ 1333500 w 1428750"/>
+              <a:gd name="connsiteY3" fmla="*/ 476250 h 476250"/>
+              <a:gd name="connsiteX4" fmla="*/ 95250 w 1428750"/>
+              <a:gd name="connsiteY4" fmla="*/ 476250 h 476250"/>
+              <a:gd name="connsiteX5" fmla="*/ 0 w 1428750"/>
+              <a:gd name="connsiteY5" fmla="*/ 476250 h 476250"/>
+              <a:gd name="connsiteX6" fmla="*/ 0 w 1428750"/>
+              <a:gd name="connsiteY6" fmla="*/ 0 h 476250"/>
+              <a:gd name="connsiteX7" fmla="*/ 95250 w 1428750"/>
+              <a:gd name="connsiteY7" fmla="*/ 0 h 476250"/>
             </a:gdLst>
             <a:ahLst/>
             <a:cxnLst>
@@ -9213,38 +9201,38 @@
             </a:cxnLst>
             <a:rect l="l" t="t" r="r" b="b"/>
             <a:pathLst>
-              <a:path w="1371600" h="411480">
+              <a:path w="1428750" h="476250">
                 <a:moveTo>
-                  <a:pt x="1303020" y="0"/>
+                  <a:pt x="1333500" y="0"/>
                 </a:moveTo>
                 <a:cubicBezTo>
-                  <a:pt x="1340896" y="0"/>
-                  <a:pt x="1371600" y="0"/>
-                  <a:pt x="1371600" y="0"/>
+                  <a:pt x="1386105" y="0"/>
+                  <a:pt x="1428750" y="0"/>
+                  <a:pt x="1428750" y="0"/>
                 </a:cubicBezTo>
                 <a:lnTo>
-                  <a:pt x="1371600" y="411480"/>
+                  <a:pt x="1428750" y="476250"/>
                 </a:lnTo>
                 <a:cubicBezTo>
-                  <a:pt x="1371600" y="411480"/>
-                  <a:pt x="1340896" y="411480"/>
-                  <a:pt x="1303020" y="411480"/>
+                  <a:pt x="1428750" y="476250"/>
+                  <a:pt x="1386105" y="476250"/>
+                  <a:pt x="1333500" y="476250"/>
                 </a:cubicBezTo>
                 <a:lnTo>
-                  <a:pt x="68580" y="411480"/>
+                  <a:pt x="95250" y="476250"/>
                 </a:lnTo>
                 <a:cubicBezTo>
-                  <a:pt x="30704" y="411480"/>
-                  <a:pt x="0" y="411480"/>
-                  <a:pt x="0" y="411480"/>
+                  <a:pt x="42645" y="476250"/>
+                  <a:pt x="0" y="476250"/>
+                  <a:pt x="0" y="476250"/>
                 </a:cubicBezTo>
                 <a:lnTo>
                   <a:pt x="0" y="0"/>
                 </a:lnTo>
                 <a:cubicBezTo>
                   <a:pt x="0" y="0"/>
-                  <a:pt x="30704" y="0"/>
-                  <a:pt x="68580" y="0"/>
+                  <a:pt x="42645" y="0"/>
+                  <a:pt x="95250" y="0"/>
                 </a:cubicBezTo>
                 <a:close/>
               </a:path>
@@ -9253,7 +9241,7 @@
           <a:solidFill>
             <a:srgbClr val="FFFFFF"/>
           </a:solidFill>
-          <a:ln w="13716" cap="flat">
+          <a:ln w="19050" cap="flat">
             <a:solidFill>
               <a:srgbClr val="000000"/>
             </a:solidFill>
@@ -9271,10 +9259,10 @@
       </p:sp>
       <p:sp>
         <p:nvSpPr>
-          <p:cNvPr id="11" name="TextBox 10">
-            <a:extLst>
-              <a:ext uri="{FF2B5EF4-FFF2-40B4-BE49-F238E27FC236}">
-                <a16:creationId xmlns:a16="http://schemas.microsoft.com/office/drawing/2014/main" id="{A440BD50-5285-1B21-BA6B-55187171B6AA}"/>
+          <p:cNvPr id="55" name="TextBox 54">
+            <a:extLst>
+              <a:ext uri="{FF2B5EF4-FFF2-40B4-BE49-F238E27FC236}">
+                <a16:creationId xmlns:a16="http://schemas.microsoft.com/office/drawing/2014/main" id="{E6021A6F-491E-2540-BBE5-3654E87B6137}"/>
               </a:ext>
             </a:extLst>
           </p:cNvPr>
@@ -9283,8 +9271,8 @@
         </p:nvSpPr>
         <p:spPr>
           <a:xfrm>
-            <a:off x="5538216" y="2176272"/>
-            <a:ext cx="1115568" cy="187452"/>
+            <a:off x="5614035" y="3183255"/>
+            <a:ext cx="963930" cy="224790"/>
           </a:xfrm>
           <a:prstGeom prst="rect">
             <a:avLst/>
@@ -9309,17 +9297,17 @@
                 <a:sym typeface="Arial"/>
                 <a:rtl val="0"/>
               </a:rPr>
-              <a:t>Face Detection Algorithm</a:t>
+              <a:t>Face Detection</a:t>
             </a:r>
           </a:p>
         </p:txBody>
       </p:sp>
       <p:sp>
         <p:nvSpPr>
-          <p:cNvPr id="12" name="Freeform: Shape 11">
-            <a:extLst>
-              <a:ext uri="{FF2B5EF4-FFF2-40B4-BE49-F238E27FC236}">
-                <a16:creationId xmlns:a16="http://schemas.microsoft.com/office/drawing/2014/main" id="{2A412077-F726-8811-0BDB-B387001F00DE}"/>
+          <p:cNvPr id="56" name="Freeform: Shape 55">
+            <a:extLst>
+              <a:ext uri="{FF2B5EF4-FFF2-40B4-BE49-F238E27FC236}">
+                <a16:creationId xmlns:a16="http://schemas.microsoft.com/office/drawing/2014/main" id="{5FF61996-8E57-06C4-63C5-CA5ED874F647}"/>
               </a:ext>
             </a:extLst>
           </p:cNvPr>
@@ -9328,20 +9316,20 @@
         </p:nvSpPr>
         <p:spPr>
           <a:xfrm>
-            <a:off x="5753100" y="2743200"/>
-            <a:ext cx="685800" cy="685800"/>
+            <a:off x="5619750" y="3810000"/>
+            <a:ext cx="952500" cy="952500"/>
           </a:xfrm>
           <a:custGeom>
             <a:avLst/>
             <a:gdLst>
-              <a:gd name="connsiteX0" fmla="*/ 342900 w 685800"/>
-              <a:gd name="connsiteY0" fmla="*/ 0 h 685800"/>
-              <a:gd name="connsiteX1" fmla="*/ 685800 w 685800"/>
-              <a:gd name="connsiteY1" fmla="*/ 342900 h 685800"/>
-              <a:gd name="connsiteX2" fmla="*/ 342900 w 685800"/>
-              <a:gd name="connsiteY2" fmla="*/ 685800 h 685800"/>
-              <a:gd name="connsiteX3" fmla="*/ 0 w 685800"/>
-              <a:gd name="connsiteY3" fmla="*/ 342900 h 685800"/>
+              <a:gd name="connsiteX0" fmla="*/ 476250 w 952500"/>
+              <a:gd name="connsiteY0" fmla="*/ 0 h 952500"/>
+              <a:gd name="connsiteX1" fmla="*/ 952500 w 952500"/>
+              <a:gd name="connsiteY1" fmla="*/ 476250 h 952500"/>
+              <a:gd name="connsiteX2" fmla="*/ 476250 w 952500"/>
+              <a:gd name="connsiteY2" fmla="*/ 952500 h 952500"/>
+              <a:gd name="connsiteX3" fmla="*/ 0 w 952500"/>
+              <a:gd name="connsiteY3" fmla="*/ 476250 h 952500"/>
             </a:gdLst>
             <a:ahLst/>
             <a:cxnLst>
@@ -9360,18 +9348,18 @@
             </a:cxnLst>
             <a:rect l="l" t="t" r="r" b="b"/>
             <a:pathLst>
-              <a:path w="685800" h="685800">
+              <a:path w="952500" h="952500">
                 <a:moveTo>
-                  <a:pt x="342900" y="0"/>
+                  <a:pt x="476250" y="0"/>
                 </a:moveTo>
                 <a:lnTo>
-                  <a:pt x="685800" y="342900"/>
-                </a:lnTo>
-                <a:lnTo>
-                  <a:pt x="342900" y="685800"/>
-                </a:lnTo>
-                <a:lnTo>
-                  <a:pt x="0" y="342900"/>
+                  <a:pt x="952500" y="476250"/>
+                </a:lnTo>
+                <a:lnTo>
+                  <a:pt x="476250" y="952500"/>
+                </a:lnTo>
+                <a:lnTo>
+                  <a:pt x="0" y="476250"/>
                 </a:lnTo>
                 <a:close/>
               </a:path>
@@ -9380,7 +9368,7 @@
           <a:solidFill>
             <a:srgbClr val="FFFFFF"/>
           </a:solidFill>
-          <a:ln w="13716" cap="flat">
+          <a:ln w="19050" cap="flat">
             <a:solidFill>
               <a:srgbClr val="000000"/>
             </a:solidFill>
@@ -9398,10 +9386,10 @@
       </p:sp>
       <p:sp>
         <p:nvSpPr>
-          <p:cNvPr id="13" name="TextBox 12">
-            <a:extLst>
-              <a:ext uri="{FF2B5EF4-FFF2-40B4-BE49-F238E27FC236}">
-                <a16:creationId xmlns:a16="http://schemas.microsoft.com/office/drawing/2014/main" id="{26DD3CCB-D409-556B-1293-B74308607F4D}"/>
+          <p:cNvPr id="57" name="TextBox 56">
+            <a:extLst>
+              <a:ext uri="{FF2B5EF4-FFF2-40B4-BE49-F238E27FC236}">
+                <a16:creationId xmlns:a16="http://schemas.microsoft.com/office/drawing/2014/main" id="{26E84102-987C-A903-BE68-8CFCF67B6B64}"/>
               </a:ext>
             </a:extLst>
           </p:cNvPr>
@@ -9410,8 +9398,8 @@
         </p:nvSpPr>
         <p:spPr>
           <a:xfrm>
-            <a:off x="5709666" y="2999232"/>
-            <a:ext cx="772668" cy="187452"/>
+            <a:off x="5661660" y="4183380"/>
+            <a:ext cx="868680" cy="224790"/>
           </a:xfrm>
           <a:prstGeom prst="rect">
             <a:avLst/>
@@ -9436,17 +9424,17 @@
                 <a:sym typeface="Arial"/>
                 <a:rtl val="0"/>
               </a:rPr>
-              <a:t>Face Detected?</a:t>
+              <a:t>Face Found?</a:t>
             </a:r>
           </a:p>
         </p:txBody>
       </p:sp>
       <p:sp>
         <p:nvSpPr>
-          <p:cNvPr id="14" name="Freeform: Shape 13">
-            <a:extLst>
-              <a:ext uri="{FF2B5EF4-FFF2-40B4-BE49-F238E27FC236}">
-                <a16:creationId xmlns:a16="http://schemas.microsoft.com/office/drawing/2014/main" id="{02844EFA-97BD-4850-34D1-00ACD9595791}"/>
+          <p:cNvPr id="58" name="Freeform: Shape 57">
+            <a:extLst>
+              <a:ext uri="{FF2B5EF4-FFF2-40B4-BE49-F238E27FC236}">
+                <a16:creationId xmlns:a16="http://schemas.microsoft.com/office/drawing/2014/main" id="{6ACA0A4E-89BE-8125-79EF-BD768405D2FD}"/>
               </a:ext>
             </a:extLst>
           </p:cNvPr>
@@ -9455,28 +9443,28 @@
         </p:nvSpPr>
         <p:spPr>
           <a:xfrm>
-            <a:off x="4038600" y="2880360"/>
-            <a:ext cx="1371600" cy="411480"/>
+            <a:off x="5381625" y="5048250"/>
+            <a:ext cx="1428750" cy="476250"/>
           </a:xfrm>
           <a:custGeom>
             <a:avLst/>
             <a:gdLst>
-              <a:gd name="connsiteX0" fmla="*/ 1303020 w 1371600"/>
-              <a:gd name="connsiteY0" fmla="*/ 0 h 411480"/>
-              <a:gd name="connsiteX1" fmla="*/ 1371600 w 1371600"/>
-              <a:gd name="connsiteY1" fmla="*/ 0 h 411480"/>
-              <a:gd name="connsiteX2" fmla="*/ 1371600 w 1371600"/>
-              <a:gd name="connsiteY2" fmla="*/ 411480 h 411480"/>
-              <a:gd name="connsiteX3" fmla="*/ 1303020 w 1371600"/>
-              <a:gd name="connsiteY3" fmla="*/ 411480 h 411480"/>
-              <a:gd name="connsiteX4" fmla="*/ 68580 w 1371600"/>
-              <a:gd name="connsiteY4" fmla="*/ 411480 h 411480"/>
-              <a:gd name="connsiteX5" fmla="*/ 0 w 1371600"/>
-              <a:gd name="connsiteY5" fmla="*/ 411480 h 411480"/>
-              <a:gd name="connsiteX6" fmla="*/ 0 w 1371600"/>
-              <a:gd name="connsiteY6" fmla="*/ 0 h 411480"/>
-              <a:gd name="connsiteX7" fmla="*/ 68580 w 1371600"/>
-              <a:gd name="connsiteY7" fmla="*/ 0 h 411480"/>
+              <a:gd name="connsiteX0" fmla="*/ 1333500 w 1428750"/>
+              <a:gd name="connsiteY0" fmla="*/ 0 h 476250"/>
+              <a:gd name="connsiteX1" fmla="*/ 1428750 w 1428750"/>
+              <a:gd name="connsiteY1" fmla="*/ 0 h 476250"/>
+              <a:gd name="connsiteX2" fmla="*/ 1428750 w 1428750"/>
+              <a:gd name="connsiteY2" fmla="*/ 476250 h 476250"/>
+              <a:gd name="connsiteX3" fmla="*/ 1333500 w 1428750"/>
+              <a:gd name="connsiteY3" fmla="*/ 476250 h 476250"/>
+              <a:gd name="connsiteX4" fmla="*/ 95250 w 1428750"/>
+              <a:gd name="connsiteY4" fmla="*/ 476250 h 476250"/>
+              <a:gd name="connsiteX5" fmla="*/ 0 w 1428750"/>
+              <a:gd name="connsiteY5" fmla="*/ 476250 h 476250"/>
+              <a:gd name="connsiteX6" fmla="*/ 0 w 1428750"/>
+              <a:gd name="connsiteY6" fmla="*/ 0 h 476250"/>
+              <a:gd name="connsiteX7" fmla="*/ 95250 w 1428750"/>
+              <a:gd name="connsiteY7" fmla="*/ 0 h 476250"/>
             </a:gdLst>
             <a:ahLst/>
             <a:cxnLst>
@@ -9507,38 +9495,38 @@
             </a:cxnLst>
             <a:rect l="l" t="t" r="r" b="b"/>
             <a:pathLst>
-              <a:path w="1371600" h="411480">
+              <a:path w="1428750" h="476250">
                 <a:moveTo>
-                  <a:pt x="1303020" y="0"/>
+                  <a:pt x="1333500" y="0"/>
                 </a:moveTo>
                 <a:cubicBezTo>
-                  <a:pt x="1340896" y="0"/>
-                  <a:pt x="1371600" y="0"/>
-                  <a:pt x="1371600" y="0"/>
+                  <a:pt x="1386105" y="0"/>
+                  <a:pt x="1428750" y="0"/>
+                  <a:pt x="1428750" y="0"/>
                 </a:cubicBezTo>
                 <a:lnTo>
-                  <a:pt x="1371600" y="411480"/>
+                  <a:pt x="1428750" y="476250"/>
                 </a:lnTo>
                 <a:cubicBezTo>
-                  <a:pt x="1371600" y="411480"/>
-                  <a:pt x="1340896" y="411480"/>
-                  <a:pt x="1303020" y="411480"/>
+                  <a:pt x="1428750" y="476250"/>
+                  <a:pt x="1386105" y="476250"/>
+                  <a:pt x="1333500" y="476250"/>
                 </a:cubicBezTo>
                 <a:lnTo>
-                  <a:pt x="68580" y="411480"/>
+                  <a:pt x="95250" y="476250"/>
                 </a:lnTo>
                 <a:cubicBezTo>
-                  <a:pt x="30704" y="411480"/>
-                  <a:pt x="0" y="411480"/>
-                  <a:pt x="0" y="411480"/>
+                  <a:pt x="42645" y="476250"/>
+                  <a:pt x="0" y="476250"/>
+                  <a:pt x="0" y="476250"/>
                 </a:cubicBezTo>
                 <a:lnTo>
                   <a:pt x="0" y="0"/>
                 </a:lnTo>
                 <a:cubicBezTo>
                   <a:pt x="0" y="0"/>
-                  <a:pt x="30704" y="0"/>
-                  <a:pt x="68580" y="0"/>
+                  <a:pt x="42645" y="0"/>
+                  <a:pt x="95250" y="0"/>
                 </a:cubicBezTo>
                 <a:close/>
               </a:path>
@@ -9547,7 +9535,7 @@
           <a:solidFill>
             <a:srgbClr val="FFFFFF"/>
           </a:solidFill>
-          <a:ln w="13716" cap="flat">
+          <a:ln w="19050" cap="flat">
             <a:solidFill>
               <a:srgbClr val="000000"/>
             </a:solidFill>
@@ -9565,10 +9553,10 @@
       </p:sp>
       <p:sp>
         <p:nvSpPr>
-          <p:cNvPr id="15" name="TextBox 14">
-            <a:extLst>
-              <a:ext uri="{FF2B5EF4-FFF2-40B4-BE49-F238E27FC236}">
-                <a16:creationId xmlns:a16="http://schemas.microsoft.com/office/drawing/2014/main" id="{325F17DD-6352-2439-D5F4-87E9B7A785F6}"/>
+          <p:cNvPr id="59" name="TextBox 58">
+            <a:extLst>
+              <a:ext uri="{FF2B5EF4-FFF2-40B4-BE49-F238E27FC236}">
+                <a16:creationId xmlns:a16="http://schemas.microsoft.com/office/drawing/2014/main" id="{B408B8F2-0346-D6C7-DA3B-642F67A40E29}"/>
               </a:ext>
             </a:extLst>
           </p:cNvPr>
@@ -9577,8 +9565,8 @@
         </p:nvSpPr>
         <p:spPr>
           <a:xfrm>
-            <a:off x="4204335" y="2999232"/>
-            <a:ext cx="1040130" cy="187452"/>
+            <a:off x="5485447" y="5183505"/>
+            <a:ext cx="1221105" cy="224790"/>
           </a:xfrm>
           <a:prstGeom prst="rect">
             <a:avLst/>
@@ -9603,17 +9591,17 @@
                 <a:sym typeface="Arial"/>
                 <a:rtl val="0"/>
               </a:rPr>
-              <a:t>Display Error Message</a:t>
+              <a:t>Extract Face Region</a:t>
             </a:r>
           </a:p>
         </p:txBody>
       </p:sp>
       <p:sp>
         <p:nvSpPr>
-          <p:cNvPr id="16" name="Freeform: Shape 15">
-            <a:extLst>
-              <a:ext uri="{FF2B5EF4-FFF2-40B4-BE49-F238E27FC236}">
-                <a16:creationId xmlns:a16="http://schemas.microsoft.com/office/drawing/2014/main" id="{8DF7D60D-633F-C84E-439B-2913221190BE}"/>
+          <p:cNvPr id="60" name="Freeform: Shape 59">
+            <a:extLst>
+              <a:ext uri="{FF2B5EF4-FFF2-40B4-BE49-F238E27FC236}">
+                <a16:creationId xmlns:a16="http://schemas.microsoft.com/office/drawing/2014/main" id="{6DD1056B-6E7D-2EFD-5B7B-EA0ED7484346}"/>
               </a:ext>
             </a:extLst>
           </p:cNvPr>
@@ -9622,28 +9610,28 @@
         </p:nvSpPr>
         <p:spPr>
           <a:xfrm>
-            <a:off x="5410200" y="3566160"/>
-            <a:ext cx="1371600" cy="411480"/>
+            <a:off x="7286625" y="4048125"/>
+            <a:ext cx="1428750" cy="476250"/>
           </a:xfrm>
           <a:custGeom>
             <a:avLst/>
             <a:gdLst>
-              <a:gd name="connsiteX0" fmla="*/ 1303020 w 1371600"/>
-              <a:gd name="connsiteY0" fmla="*/ 0 h 411480"/>
-              <a:gd name="connsiteX1" fmla="*/ 1371600 w 1371600"/>
-              <a:gd name="connsiteY1" fmla="*/ 0 h 411480"/>
-              <a:gd name="connsiteX2" fmla="*/ 1371600 w 1371600"/>
-              <a:gd name="connsiteY2" fmla="*/ 411480 h 411480"/>
-              <a:gd name="connsiteX3" fmla="*/ 1303020 w 1371600"/>
-              <a:gd name="connsiteY3" fmla="*/ 411480 h 411480"/>
-              <a:gd name="connsiteX4" fmla="*/ 68580 w 1371600"/>
-              <a:gd name="connsiteY4" fmla="*/ 411480 h 411480"/>
-              <a:gd name="connsiteX5" fmla="*/ 0 w 1371600"/>
-              <a:gd name="connsiteY5" fmla="*/ 411480 h 411480"/>
-              <a:gd name="connsiteX6" fmla="*/ 0 w 1371600"/>
-              <a:gd name="connsiteY6" fmla="*/ 0 h 411480"/>
-              <a:gd name="connsiteX7" fmla="*/ 68580 w 1371600"/>
-              <a:gd name="connsiteY7" fmla="*/ 0 h 411480"/>
+              <a:gd name="connsiteX0" fmla="*/ 1333500 w 1428750"/>
+              <a:gd name="connsiteY0" fmla="*/ 0 h 476250"/>
+              <a:gd name="connsiteX1" fmla="*/ 1428750 w 1428750"/>
+              <a:gd name="connsiteY1" fmla="*/ 0 h 476250"/>
+              <a:gd name="connsiteX2" fmla="*/ 1428750 w 1428750"/>
+              <a:gd name="connsiteY2" fmla="*/ 476250 h 476250"/>
+              <a:gd name="connsiteX3" fmla="*/ 1333500 w 1428750"/>
+              <a:gd name="connsiteY3" fmla="*/ 476250 h 476250"/>
+              <a:gd name="connsiteX4" fmla="*/ 95250 w 1428750"/>
+              <a:gd name="connsiteY4" fmla="*/ 476250 h 476250"/>
+              <a:gd name="connsiteX5" fmla="*/ 0 w 1428750"/>
+              <a:gd name="connsiteY5" fmla="*/ 476250 h 476250"/>
+              <a:gd name="connsiteX6" fmla="*/ 0 w 1428750"/>
+              <a:gd name="connsiteY6" fmla="*/ 0 h 476250"/>
+              <a:gd name="connsiteX7" fmla="*/ 95250 w 1428750"/>
+              <a:gd name="connsiteY7" fmla="*/ 0 h 476250"/>
             </a:gdLst>
             <a:ahLst/>
             <a:cxnLst>
@@ -9674,38 +9662,38 @@
             </a:cxnLst>
             <a:rect l="l" t="t" r="r" b="b"/>
             <a:pathLst>
-              <a:path w="1371600" h="411480">
+              <a:path w="1428750" h="476250">
                 <a:moveTo>
-                  <a:pt x="1303020" y="0"/>
+                  <a:pt x="1333500" y="0"/>
                 </a:moveTo>
                 <a:cubicBezTo>
-                  <a:pt x="1340896" y="0"/>
-                  <a:pt x="1371600" y="0"/>
-                  <a:pt x="1371600" y="0"/>
+                  <a:pt x="1386105" y="0"/>
+                  <a:pt x="1428750" y="0"/>
+                  <a:pt x="1428750" y="0"/>
                 </a:cubicBezTo>
                 <a:lnTo>
-                  <a:pt x="1371600" y="411480"/>
+                  <a:pt x="1428750" y="476250"/>
                 </a:lnTo>
                 <a:cubicBezTo>
-                  <a:pt x="1371600" y="411480"/>
-                  <a:pt x="1340896" y="411480"/>
-                  <a:pt x="1303020" y="411480"/>
+                  <a:pt x="1428750" y="476250"/>
+                  <a:pt x="1386105" y="476250"/>
+                  <a:pt x="1333500" y="476250"/>
                 </a:cubicBezTo>
                 <a:lnTo>
-                  <a:pt x="68580" y="411480"/>
+                  <a:pt x="95250" y="476250"/>
                 </a:lnTo>
                 <a:cubicBezTo>
-                  <a:pt x="30704" y="411480"/>
-                  <a:pt x="0" y="411480"/>
-                  <a:pt x="0" y="411480"/>
+                  <a:pt x="42645" y="476250"/>
+                  <a:pt x="0" y="476250"/>
+                  <a:pt x="0" y="476250"/>
                 </a:cubicBezTo>
                 <a:lnTo>
                   <a:pt x="0" y="0"/>
                 </a:lnTo>
                 <a:cubicBezTo>
                   <a:pt x="0" y="0"/>
-                  <a:pt x="30704" y="0"/>
-                  <a:pt x="68580" y="0"/>
+                  <a:pt x="42645" y="0"/>
+                  <a:pt x="95250" y="0"/>
                 </a:cubicBezTo>
                 <a:close/>
               </a:path>
@@ -9714,7 +9702,7 @@
           <a:solidFill>
             <a:srgbClr val="FFFFFF"/>
           </a:solidFill>
-          <a:ln w="13716" cap="flat">
+          <a:ln w="19050" cap="flat">
             <a:solidFill>
               <a:srgbClr val="000000"/>
             </a:solidFill>
@@ -9732,10 +9720,10 @@
       </p:sp>
       <p:sp>
         <p:nvSpPr>
-          <p:cNvPr id="17" name="TextBox 16">
-            <a:extLst>
-              <a:ext uri="{FF2B5EF4-FFF2-40B4-BE49-F238E27FC236}">
-                <a16:creationId xmlns:a16="http://schemas.microsoft.com/office/drawing/2014/main" id="{35DD9C4C-463F-CF1B-6871-136C9F09EB63}"/>
+          <p:cNvPr id="61" name="TextBox 60">
+            <a:extLst>
+              <a:ext uri="{FF2B5EF4-FFF2-40B4-BE49-F238E27FC236}">
+                <a16:creationId xmlns:a16="http://schemas.microsoft.com/office/drawing/2014/main" id="{06162CD9-1E60-F04D-3C26-438C659D3A8B}"/>
               </a:ext>
             </a:extLst>
           </p:cNvPr>
@@ -9744,8 +9732,8 @@
         </p:nvSpPr>
         <p:spPr>
           <a:xfrm>
-            <a:off x="5599938" y="3685032"/>
-            <a:ext cx="992124" cy="187452"/>
+            <a:off x="7395210" y="4183380"/>
+            <a:ext cx="1211580" cy="224790"/>
           </a:xfrm>
           <a:prstGeom prst="rect">
             <a:avLst/>
@@ -9770,17 +9758,17 @@
                 <a:sym typeface="Arial"/>
                 <a:rtl val="0"/>
               </a:rPr>
-              <a:t>Extract Face Features</a:t>
+              <a:t>Log No Face Found</a:t>
             </a:r>
           </a:p>
         </p:txBody>
       </p:sp>
       <p:sp>
         <p:nvSpPr>
-          <p:cNvPr id="18" name="Freeform: Shape 17">
-            <a:extLst>
-              <a:ext uri="{FF2B5EF4-FFF2-40B4-BE49-F238E27FC236}">
-                <a16:creationId xmlns:a16="http://schemas.microsoft.com/office/drawing/2014/main" id="{CBA13F27-83A8-7451-6AAE-3DFC1447F6A4}"/>
+          <p:cNvPr id="62" name="Freeform: Shape 61">
+            <a:extLst>
+              <a:ext uri="{FF2B5EF4-FFF2-40B4-BE49-F238E27FC236}">
+                <a16:creationId xmlns:a16="http://schemas.microsoft.com/office/drawing/2014/main" id="{A5277BBB-B15B-C0C6-0E7F-4ABEA4157B44}"/>
               </a:ext>
             </a:extLst>
           </p:cNvPr>
@@ -9789,28 +9777,22 @@
         </p:nvSpPr>
         <p:spPr>
           <a:xfrm>
-            <a:off x="5410200" y="4251960"/>
-            <a:ext cx="1371600" cy="411480"/>
+            <a:off x="5943600" y="5753100"/>
+            <a:ext cx="304800" cy="304800"/>
           </a:xfrm>
           <a:custGeom>
             <a:avLst/>
             <a:gdLst>
-              <a:gd name="connsiteX0" fmla="*/ 1303020 w 1371600"/>
-              <a:gd name="connsiteY0" fmla="*/ 0 h 411480"/>
-              <a:gd name="connsiteX1" fmla="*/ 1371600 w 1371600"/>
-              <a:gd name="connsiteY1" fmla="*/ 0 h 411480"/>
-              <a:gd name="connsiteX2" fmla="*/ 1371600 w 1371600"/>
-              <a:gd name="connsiteY2" fmla="*/ 411480 h 411480"/>
-              <a:gd name="connsiteX3" fmla="*/ 1303020 w 1371600"/>
-              <a:gd name="connsiteY3" fmla="*/ 411480 h 411480"/>
-              <a:gd name="connsiteX4" fmla="*/ 68580 w 1371600"/>
-              <a:gd name="connsiteY4" fmla="*/ 411480 h 411480"/>
-              <a:gd name="connsiteX5" fmla="*/ 0 w 1371600"/>
-              <a:gd name="connsiteY5" fmla="*/ 411480 h 411480"/>
-              <a:gd name="connsiteX6" fmla="*/ 0 w 1371600"/>
-              <a:gd name="connsiteY6" fmla="*/ 0 h 411480"/>
-              <a:gd name="connsiteX7" fmla="*/ 68580 w 1371600"/>
-              <a:gd name="connsiteY7" fmla="*/ 0 h 411480"/>
+              <a:gd name="connsiteX0" fmla="*/ 304800 w 304800"/>
+              <a:gd name="connsiteY0" fmla="*/ 152400 h 304800"/>
+              <a:gd name="connsiteX1" fmla="*/ 152400 w 304800"/>
+              <a:gd name="connsiteY1" fmla="*/ 304800 h 304800"/>
+              <a:gd name="connsiteX2" fmla="*/ 0 w 304800"/>
+              <a:gd name="connsiteY2" fmla="*/ 152400 h 304800"/>
+              <a:gd name="connsiteX3" fmla="*/ 152400 w 304800"/>
+              <a:gd name="connsiteY3" fmla="*/ 0 h 304800"/>
+              <a:gd name="connsiteX4" fmla="*/ 304800 w 304800"/>
+              <a:gd name="connsiteY4" fmla="*/ 152400 h 304800"/>
             </a:gdLst>
             <a:ahLst/>
             <a:cxnLst>
@@ -9829,50 +9811,32 @@
               <a:cxn ang="0">
                 <a:pos x="connsiteX4" y="connsiteY4"/>
               </a:cxn>
-              <a:cxn ang="0">
-                <a:pos x="connsiteX5" y="connsiteY5"/>
-              </a:cxn>
-              <a:cxn ang="0">
-                <a:pos x="connsiteX6" y="connsiteY6"/>
-              </a:cxn>
-              <a:cxn ang="0">
-                <a:pos x="connsiteX7" y="connsiteY7"/>
-              </a:cxn>
             </a:cxnLst>
             <a:rect l="l" t="t" r="r" b="b"/>
             <a:pathLst>
-              <a:path w="1371600" h="411480">
+              <a:path w="304800" h="304800">
                 <a:moveTo>
-                  <a:pt x="1303020" y="0"/>
+                  <a:pt x="304800" y="152400"/>
                 </a:moveTo>
                 <a:cubicBezTo>
-                  <a:pt x="1340896" y="0"/>
-                  <a:pt x="1371600" y="0"/>
-                  <a:pt x="1371600" y="0"/>
+                  <a:pt x="304800" y="236568"/>
+                  <a:pt x="236568" y="304800"/>
+                  <a:pt x="152400" y="304800"/>
                 </a:cubicBezTo>
-                <a:lnTo>
-                  <a:pt x="1371600" y="411480"/>
-                </a:lnTo>
                 <a:cubicBezTo>
-                  <a:pt x="1371600" y="411480"/>
-                  <a:pt x="1340896" y="411480"/>
-                  <a:pt x="1303020" y="411480"/>
+                  <a:pt x="68232" y="304800"/>
+                  <a:pt x="0" y="236568"/>
+                  <a:pt x="0" y="152400"/>
                 </a:cubicBezTo>
-                <a:lnTo>
-                  <a:pt x="68580" y="411480"/>
-                </a:lnTo>
                 <a:cubicBezTo>
-                  <a:pt x="30704" y="411480"/>
-                  <a:pt x="0" y="411480"/>
-                  <a:pt x="0" y="411480"/>
+                  <a:pt x="0" y="68232"/>
+                  <a:pt x="68232" y="0"/>
+                  <a:pt x="152400" y="0"/>
                 </a:cubicBezTo>
-                <a:lnTo>
-                  <a:pt x="0" y="0"/>
-                </a:lnTo>
                 <a:cubicBezTo>
-                  <a:pt x="0" y="0"/>
-                  <a:pt x="30704" y="0"/>
-                  <a:pt x="68580" y="0"/>
+                  <a:pt x="236568" y="0"/>
+                  <a:pt x="304800" y="68232"/>
+                  <a:pt x="304800" y="152400"/>
                 </a:cubicBezTo>
                 <a:close/>
               </a:path>
@@ -9881,7 +9845,7 @@
           <a:solidFill>
             <a:srgbClr val="FFFFFF"/>
           </a:solidFill>
-          <a:ln w="13716" cap="flat">
+          <a:ln w="28575" cap="flat">
             <a:solidFill>
               <a:srgbClr val="000000"/>
             </a:solidFill>
@@ -9899,10 +9863,610 @@
       </p:sp>
       <p:sp>
         <p:nvSpPr>
-          <p:cNvPr id="19" name="TextBox 18">
-            <a:extLst>
-              <a:ext uri="{FF2B5EF4-FFF2-40B4-BE49-F238E27FC236}">
-                <a16:creationId xmlns:a16="http://schemas.microsoft.com/office/drawing/2014/main" id="{87D47737-92FE-3B72-8AF7-8C07F67C1745}"/>
+          <p:cNvPr id="63" name="Freeform: Shape 62">
+            <a:extLst>
+              <a:ext uri="{FF2B5EF4-FFF2-40B4-BE49-F238E27FC236}">
+                <a16:creationId xmlns:a16="http://schemas.microsoft.com/office/drawing/2014/main" id="{B16A025C-C608-41C0-7728-4E8F9F4FB3CA}"/>
+              </a:ext>
+            </a:extLst>
+          </p:cNvPr>
+          <p:cNvSpPr/>
+          <p:nvPr/>
+        </p:nvSpPr>
+        <p:spPr>
+          <a:xfrm>
+            <a:off x="6000750" y="5810250"/>
+            <a:ext cx="190500" cy="190500"/>
+          </a:xfrm>
+          <a:custGeom>
+            <a:avLst/>
+            <a:gdLst>
+              <a:gd name="connsiteX0" fmla="*/ 190500 w 190500"/>
+              <a:gd name="connsiteY0" fmla="*/ 95250 h 190500"/>
+              <a:gd name="connsiteX1" fmla="*/ 95250 w 190500"/>
+              <a:gd name="connsiteY1" fmla="*/ 190500 h 190500"/>
+              <a:gd name="connsiteX2" fmla="*/ 0 w 190500"/>
+              <a:gd name="connsiteY2" fmla="*/ 95250 h 190500"/>
+              <a:gd name="connsiteX3" fmla="*/ 95250 w 190500"/>
+              <a:gd name="connsiteY3" fmla="*/ 0 h 190500"/>
+              <a:gd name="connsiteX4" fmla="*/ 190500 w 190500"/>
+              <a:gd name="connsiteY4" fmla="*/ 95250 h 190500"/>
+            </a:gdLst>
+            <a:ahLst/>
+            <a:cxnLst>
+              <a:cxn ang="0">
+                <a:pos x="connsiteX0" y="connsiteY0"/>
+              </a:cxn>
+              <a:cxn ang="0">
+                <a:pos x="connsiteX1" y="connsiteY1"/>
+              </a:cxn>
+              <a:cxn ang="0">
+                <a:pos x="connsiteX2" y="connsiteY2"/>
+              </a:cxn>
+              <a:cxn ang="0">
+                <a:pos x="connsiteX3" y="connsiteY3"/>
+              </a:cxn>
+              <a:cxn ang="0">
+                <a:pos x="connsiteX4" y="connsiteY4"/>
+              </a:cxn>
+            </a:cxnLst>
+            <a:rect l="l" t="t" r="r" b="b"/>
+            <a:pathLst>
+              <a:path w="190500" h="190500">
+                <a:moveTo>
+                  <a:pt x="190500" y="95250"/>
+                </a:moveTo>
+                <a:cubicBezTo>
+                  <a:pt x="190500" y="147855"/>
+                  <a:pt x="147855" y="190500"/>
+                  <a:pt x="95250" y="190500"/>
+                </a:cubicBezTo>
+                <a:cubicBezTo>
+                  <a:pt x="42645" y="190500"/>
+                  <a:pt x="0" y="147855"/>
+                  <a:pt x="0" y="95250"/>
+                </a:cubicBezTo>
+                <a:cubicBezTo>
+                  <a:pt x="0" y="42645"/>
+                  <a:pt x="42645" y="0"/>
+                  <a:pt x="95250" y="0"/>
+                </a:cubicBezTo>
+                <a:cubicBezTo>
+                  <a:pt x="147855" y="0"/>
+                  <a:pt x="190500" y="42645"/>
+                  <a:pt x="190500" y="95250"/>
+                </a:cubicBezTo>
+                <a:close/>
+              </a:path>
+            </a:pathLst>
+          </a:custGeom>
+          <a:solidFill>
+            <a:srgbClr val="000000"/>
+          </a:solidFill>
+          <a:ln w="9525" cap="flat">
+            <a:noFill/>
+            <a:prstDash val="solid"/>
+            <a:miter/>
+          </a:ln>
+        </p:spPr>
+        <p:txBody>
+          <a:bodyPr rtlCol="0" anchor="ctr"/>
+          <a:lstStyle/>
+          <a:p>
+            <a:endParaRPr lang="en-IN"/>
+          </a:p>
+        </p:txBody>
+      </p:sp>
+      <p:sp>
+        <p:nvSpPr>
+          <p:cNvPr id="64" name="Freeform: Shape 63">
+            <a:extLst>
+              <a:ext uri="{FF2B5EF4-FFF2-40B4-BE49-F238E27FC236}">
+                <a16:creationId xmlns:a16="http://schemas.microsoft.com/office/drawing/2014/main" id="{981F4EA5-DA79-6E75-F3DF-5A459B6E6171}"/>
+              </a:ext>
+            </a:extLst>
+          </p:cNvPr>
+          <p:cNvSpPr/>
+          <p:nvPr/>
+        </p:nvSpPr>
+        <p:spPr>
+          <a:xfrm>
+            <a:off x="7848600" y="4895850"/>
+            <a:ext cx="304800" cy="304800"/>
+          </a:xfrm>
+          <a:custGeom>
+            <a:avLst/>
+            <a:gdLst>
+              <a:gd name="connsiteX0" fmla="*/ 304800 w 304800"/>
+              <a:gd name="connsiteY0" fmla="*/ 152400 h 304800"/>
+              <a:gd name="connsiteX1" fmla="*/ 152400 w 304800"/>
+              <a:gd name="connsiteY1" fmla="*/ 304800 h 304800"/>
+              <a:gd name="connsiteX2" fmla="*/ 0 w 304800"/>
+              <a:gd name="connsiteY2" fmla="*/ 152400 h 304800"/>
+              <a:gd name="connsiteX3" fmla="*/ 152400 w 304800"/>
+              <a:gd name="connsiteY3" fmla="*/ 0 h 304800"/>
+              <a:gd name="connsiteX4" fmla="*/ 304800 w 304800"/>
+              <a:gd name="connsiteY4" fmla="*/ 152400 h 304800"/>
+            </a:gdLst>
+            <a:ahLst/>
+            <a:cxnLst>
+              <a:cxn ang="0">
+                <a:pos x="connsiteX0" y="connsiteY0"/>
+              </a:cxn>
+              <a:cxn ang="0">
+                <a:pos x="connsiteX1" y="connsiteY1"/>
+              </a:cxn>
+              <a:cxn ang="0">
+                <a:pos x="connsiteX2" y="connsiteY2"/>
+              </a:cxn>
+              <a:cxn ang="0">
+                <a:pos x="connsiteX3" y="connsiteY3"/>
+              </a:cxn>
+              <a:cxn ang="0">
+                <a:pos x="connsiteX4" y="connsiteY4"/>
+              </a:cxn>
+            </a:cxnLst>
+            <a:rect l="l" t="t" r="r" b="b"/>
+            <a:pathLst>
+              <a:path w="304800" h="304800">
+                <a:moveTo>
+                  <a:pt x="304800" y="152400"/>
+                </a:moveTo>
+                <a:cubicBezTo>
+                  <a:pt x="304800" y="236568"/>
+                  <a:pt x="236568" y="304800"/>
+                  <a:pt x="152400" y="304800"/>
+                </a:cubicBezTo>
+                <a:cubicBezTo>
+                  <a:pt x="68232" y="304800"/>
+                  <a:pt x="0" y="236568"/>
+                  <a:pt x="0" y="152400"/>
+                </a:cubicBezTo>
+                <a:cubicBezTo>
+                  <a:pt x="0" y="68232"/>
+                  <a:pt x="68232" y="0"/>
+                  <a:pt x="152400" y="0"/>
+                </a:cubicBezTo>
+                <a:cubicBezTo>
+                  <a:pt x="236568" y="0"/>
+                  <a:pt x="304800" y="68232"/>
+                  <a:pt x="304800" y="152400"/>
+                </a:cubicBezTo>
+                <a:close/>
+              </a:path>
+            </a:pathLst>
+          </a:custGeom>
+          <a:solidFill>
+            <a:srgbClr val="FFFFFF"/>
+          </a:solidFill>
+          <a:ln w="28575" cap="flat">
+            <a:solidFill>
+              <a:srgbClr val="000000"/>
+            </a:solidFill>
+            <a:prstDash val="solid"/>
+            <a:miter/>
+          </a:ln>
+        </p:spPr>
+        <p:txBody>
+          <a:bodyPr rtlCol="0" anchor="ctr"/>
+          <a:lstStyle/>
+          <a:p>
+            <a:endParaRPr lang="en-IN"/>
+          </a:p>
+        </p:txBody>
+      </p:sp>
+      <p:sp>
+        <p:nvSpPr>
+          <p:cNvPr id="65" name="Freeform: Shape 64">
+            <a:extLst>
+              <a:ext uri="{FF2B5EF4-FFF2-40B4-BE49-F238E27FC236}">
+                <a16:creationId xmlns:a16="http://schemas.microsoft.com/office/drawing/2014/main" id="{337742B4-60B0-A5FE-7C93-C826D131B111}"/>
+              </a:ext>
+            </a:extLst>
+          </p:cNvPr>
+          <p:cNvSpPr/>
+          <p:nvPr/>
+        </p:nvSpPr>
+        <p:spPr>
+          <a:xfrm>
+            <a:off x="7905750" y="4953000"/>
+            <a:ext cx="190500" cy="190500"/>
+          </a:xfrm>
+          <a:custGeom>
+            <a:avLst/>
+            <a:gdLst>
+              <a:gd name="connsiteX0" fmla="*/ 190500 w 190500"/>
+              <a:gd name="connsiteY0" fmla="*/ 95250 h 190500"/>
+              <a:gd name="connsiteX1" fmla="*/ 95250 w 190500"/>
+              <a:gd name="connsiteY1" fmla="*/ 190500 h 190500"/>
+              <a:gd name="connsiteX2" fmla="*/ 0 w 190500"/>
+              <a:gd name="connsiteY2" fmla="*/ 95250 h 190500"/>
+              <a:gd name="connsiteX3" fmla="*/ 95250 w 190500"/>
+              <a:gd name="connsiteY3" fmla="*/ 0 h 190500"/>
+              <a:gd name="connsiteX4" fmla="*/ 190500 w 190500"/>
+              <a:gd name="connsiteY4" fmla="*/ 95250 h 190500"/>
+            </a:gdLst>
+            <a:ahLst/>
+            <a:cxnLst>
+              <a:cxn ang="0">
+                <a:pos x="connsiteX0" y="connsiteY0"/>
+              </a:cxn>
+              <a:cxn ang="0">
+                <a:pos x="connsiteX1" y="connsiteY1"/>
+              </a:cxn>
+              <a:cxn ang="0">
+                <a:pos x="connsiteX2" y="connsiteY2"/>
+              </a:cxn>
+              <a:cxn ang="0">
+                <a:pos x="connsiteX3" y="connsiteY3"/>
+              </a:cxn>
+              <a:cxn ang="0">
+                <a:pos x="connsiteX4" y="connsiteY4"/>
+              </a:cxn>
+            </a:cxnLst>
+            <a:rect l="l" t="t" r="r" b="b"/>
+            <a:pathLst>
+              <a:path w="190500" h="190500">
+                <a:moveTo>
+                  <a:pt x="190500" y="95250"/>
+                </a:moveTo>
+                <a:cubicBezTo>
+                  <a:pt x="190500" y="147855"/>
+                  <a:pt x="147855" y="190500"/>
+                  <a:pt x="95250" y="190500"/>
+                </a:cubicBezTo>
+                <a:cubicBezTo>
+                  <a:pt x="42645" y="190500"/>
+                  <a:pt x="0" y="147855"/>
+                  <a:pt x="0" y="95250"/>
+                </a:cubicBezTo>
+                <a:cubicBezTo>
+                  <a:pt x="0" y="42645"/>
+                  <a:pt x="42645" y="0"/>
+                  <a:pt x="95250" y="0"/>
+                </a:cubicBezTo>
+                <a:cubicBezTo>
+                  <a:pt x="147855" y="0"/>
+                  <a:pt x="190500" y="42645"/>
+                  <a:pt x="190500" y="95250"/>
+                </a:cubicBezTo>
+                <a:close/>
+              </a:path>
+            </a:pathLst>
+          </a:custGeom>
+          <a:solidFill>
+            <a:srgbClr val="000000"/>
+          </a:solidFill>
+          <a:ln w="9525" cap="flat">
+            <a:noFill/>
+            <a:prstDash val="solid"/>
+            <a:miter/>
+          </a:ln>
+        </p:spPr>
+        <p:txBody>
+          <a:bodyPr rtlCol="0" anchor="ctr"/>
+          <a:lstStyle/>
+          <a:p>
+            <a:endParaRPr lang="en-IN"/>
+          </a:p>
+        </p:txBody>
+      </p:sp>
+      <p:sp>
+        <p:nvSpPr>
+          <p:cNvPr id="66" name="Freeform: Shape 65">
+            <a:extLst>
+              <a:ext uri="{FF2B5EF4-FFF2-40B4-BE49-F238E27FC236}">
+                <a16:creationId xmlns:a16="http://schemas.microsoft.com/office/drawing/2014/main" id="{2E83850B-5D36-7EE6-E376-56A24C3F52EB}"/>
+              </a:ext>
+            </a:extLst>
+          </p:cNvPr>
+          <p:cNvSpPr/>
+          <p:nvPr/>
+        </p:nvSpPr>
+        <p:spPr>
+          <a:xfrm>
+            <a:off x="6096000" y="1238250"/>
+            <a:ext cx="9525" cy="285750"/>
+          </a:xfrm>
+          <a:custGeom>
+            <a:avLst/>
+            <a:gdLst>
+              <a:gd name="connsiteX0" fmla="*/ 0 w 9525"/>
+              <a:gd name="connsiteY0" fmla="*/ 0 h 285750"/>
+              <a:gd name="connsiteX1" fmla="*/ 0 w 9525"/>
+              <a:gd name="connsiteY1" fmla="*/ 285750 h 285750"/>
+            </a:gdLst>
+            <a:ahLst/>
+            <a:cxnLst>
+              <a:cxn ang="0">
+                <a:pos x="connsiteX0" y="connsiteY0"/>
+              </a:cxn>
+              <a:cxn ang="0">
+                <a:pos x="connsiteX1" y="connsiteY1"/>
+              </a:cxn>
+            </a:cxnLst>
+            <a:rect l="l" t="t" r="r" b="b"/>
+            <a:pathLst>
+              <a:path w="9525" h="285750">
+                <a:moveTo>
+                  <a:pt x="0" y="0"/>
+                </a:moveTo>
+                <a:lnTo>
+                  <a:pt x="0" y="285750"/>
+                </a:lnTo>
+              </a:path>
+            </a:pathLst>
+          </a:custGeom>
+          <a:ln w="19050" cap="flat">
+            <a:solidFill>
+              <a:srgbClr val="000000"/>
+            </a:solidFill>
+            <a:prstDash val="solid"/>
+            <a:miter/>
+          </a:ln>
+        </p:spPr>
+        <p:txBody>
+          <a:bodyPr rtlCol="0" anchor="ctr"/>
+          <a:lstStyle/>
+          <a:p>
+            <a:endParaRPr lang="en-IN"/>
+          </a:p>
+        </p:txBody>
+      </p:sp>
+      <p:sp>
+        <p:nvSpPr>
+          <p:cNvPr id="67" name="Freeform: Shape 66">
+            <a:extLst>
+              <a:ext uri="{FF2B5EF4-FFF2-40B4-BE49-F238E27FC236}">
+                <a16:creationId xmlns:a16="http://schemas.microsoft.com/office/drawing/2014/main" id="{68CEDBA0-9242-A774-7CA3-9DB3AC535A20}"/>
+              </a:ext>
+            </a:extLst>
+          </p:cNvPr>
+          <p:cNvSpPr/>
+          <p:nvPr/>
+        </p:nvSpPr>
+        <p:spPr>
+          <a:xfrm>
+            <a:off x="6096000" y="2000250"/>
+            <a:ext cx="9525" cy="285750"/>
+          </a:xfrm>
+          <a:custGeom>
+            <a:avLst/>
+            <a:gdLst>
+              <a:gd name="connsiteX0" fmla="*/ 0 w 9525"/>
+              <a:gd name="connsiteY0" fmla="*/ 0 h 285750"/>
+              <a:gd name="connsiteX1" fmla="*/ 0 w 9525"/>
+              <a:gd name="connsiteY1" fmla="*/ 285750 h 285750"/>
+            </a:gdLst>
+            <a:ahLst/>
+            <a:cxnLst>
+              <a:cxn ang="0">
+                <a:pos x="connsiteX0" y="connsiteY0"/>
+              </a:cxn>
+              <a:cxn ang="0">
+                <a:pos x="connsiteX1" y="connsiteY1"/>
+              </a:cxn>
+            </a:cxnLst>
+            <a:rect l="l" t="t" r="r" b="b"/>
+            <a:pathLst>
+              <a:path w="9525" h="285750">
+                <a:moveTo>
+                  <a:pt x="0" y="0"/>
+                </a:moveTo>
+                <a:lnTo>
+                  <a:pt x="0" y="285750"/>
+                </a:lnTo>
+              </a:path>
+            </a:pathLst>
+          </a:custGeom>
+          <a:ln w="19050" cap="flat">
+            <a:solidFill>
+              <a:srgbClr val="000000"/>
+            </a:solidFill>
+            <a:prstDash val="solid"/>
+            <a:miter/>
+          </a:ln>
+        </p:spPr>
+        <p:txBody>
+          <a:bodyPr rtlCol="0" anchor="ctr"/>
+          <a:lstStyle/>
+          <a:p>
+            <a:endParaRPr lang="en-IN"/>
+          </a:p>
+        </p:txBody>
+      </p:sp>
+      <p:sp>
+        <p:nvSpPr>
+          <p:cNvPr id="68" name="Freeform: Shape 67">
+            <a:extLst>
+              <a:ext uri="{FF2B5EF4-FFF2-40B4-BE49-F238E27FC236}">
+                <a16:creationId xmlns:a16="http://schemas.microsoft.com/office/drawing/2014/main" id="{1A52424E-2E1C-84D6-333E-F28A0E998B83}"/>
+              </a:ext>
+            </a:extLst>
+          </p:cNvPr>
+          <p:cNvSpPr/>
+          <p:nvPr/>
+        </p:nvSpPr>
+        <p:spPr>
+          <a:xfrm>
+            <a:off x="6096000" y="2762250"/>
+            <a:ext cx="9525" cy="285750"/>
+          </a:xfrm>
+          <a:custGeom>
+            <a:avLst/>
+            <a:gdLst>
+              <a:gd name="connsiteX0" fmla="*/ 0 w 9525"/>
+              <a:gd name="connsiteY0" fmla="*/ 0 h 285750"/>
+              <a:gd name="connsiteX1" fmla="*/ 0 w 9525"/>
+              <a:gd name="connsiteY1" fmla="*/ 285750 h 285750"/>
+            </a:gdLst>
+            <a:ahLst/>
+            <a:cxnLst>
+              <a:cxn ang="0">
+                <a:pos x="connsiteX0" y="connsiteY0"/>
+              </a:cxn>
+              <a:cxn ang="0">
+                <a:pos x="connsiteX1" y="connsiteY1"/>
+              </a:cxn>
+            </a:cxnLst>
+            <a:rect l="l" t="t" r="r" b="b"/>
+            <a:pathLst>
+              <a:path w="9525" h="285750">
+                <a:moveTo>
+                  <a:pt x="0" y="0"/>
+                </a:moveTo>
+                <a:lnTo>
+                  <a:pt x="0" y="285750"/>
+                </a:lnTo>
+              </a:path>
+            </a:pathLst>
+          </a:custGeom>
+          <a:ln w="19050" cap="flat">
+            <a:solidFill>
+              <a:srgbClr val="000000"/>
+            </a:solidFill>
+            <a:prstDash val="solid"/>
+            <a:miter/>
+          </a:ln>
+        </p:spPr>
+        <p:txBody>
+          <a:bodyPr rtlCol="0" anchor="ctr"/>
+          <a:lstStyle/>
+          <a:p>
+            <a:endParaRPr lang="en-IN"/>
+          </a:p>
+        </p:txBody>
+      </p:sp>
+      <p:sp>
+        <p:nvSpPr>
+          <p:cNvPr id="69" name="Freeform: Shape 68">
+            <a:extLst>
+              <a:ext uri="{FF2B5EF4-FFF2-40B4-BE49-F238E27FC236}">
+                <a16:creationId xmlns:a16="http://schemas.microsoft.com/office/drawing/2014/main" id="{72734660-EF29-09B8-7E1F-FE890E8D0A1F}"/>
+              </a:ext>
+            </a:extLst>
+          </p:cNvPr>
+          <p:cNvSpPr/>
+          <p:nvPr/>
+        </p:nvSpPr>
+        <p:spPr>
+          <a:xfrm>
+            <a:off x="6096000" y="3524250"/>
+            <a:ext cx="9525" cy="285750"/>
+          </a:xfrm>
+          <a:custGeom>
+            <a:avLst/>
+            <a:gdLst>
+              <a:gd name="connsiteX0" fmla="*/ 0 w 9525"/>
+              <a:gd name="connsiteY0" fmla="*/ 0 h 285750"/>
+              <a:gd name="connsiteX1" fmla="*/ 0 w 9525"/>
+              <a:gd name="connsiteY1" fmla="*/ 285750 h 285750"/>
+            </a:gdLst>
+            <a:ahLst/>
+            <a:cxnLst>
+              <a:cxn ang="0">
+                <a:pos x="connsiteX0" y="connsiteY0"/>
+              </a:cxn>
+              <a:cxn ang="0">
+                <a:pos x="connsiteX1" y="connsiteY1"/>
+              </a:cxn>
+            </a:cxnLst>
+            <a:rect l="l" t="t" r="r" b="b"/>
+            <a:pathLst>
+              <a:path w="9525" h="285750">
+                <a:moveTo>
+                  <a:pt x="0" y="0"/>
+                </a:moveTo>
+                <a:lnTo>
+                  <a:pt x="0" y="285750"/>
+                </a:lnTo>
+              </a:path>
+            </a:pathLst>
+          </a:custGeom>
+          <a:ln w="19050" cap="flat">
+            <a:solidFill>
+              <a:srgbClr val="000000"/>
+            </a:solidFill>
+            <a:prstDash val="solid"/>
+            <a:miter/>
+          </a:ln>
+        </p:spPr>
+        <p:txBody>
+          <a:bodyPr rtlCol="0" anchor="ctr"/>
+          <a:lstStyle/>
+          <a:p>
+            <a:endParaRPr lang="en-IN"/>
+          </a:p>
+        </p:txBody>
+      </p:sp>
+      <p:sp>
+        <p:nvSpPr>
+          <p:cNvPr id="70" name="Freeform: Shape 69">
+            <a:extLst>
+              <a:ext uri="{FF2B5EF4-FFF2-40B4-BE49-F238E27FC236}">
+                <a16:creationId xmlns:a16="http://schemas.microsoft.com/office/drawing/2014/main" id="{AF7B5026-70DE-C2C6-15C4-B64633B15261}"/>
+              </a:ext>
+            </a:extLst>
+          </p:cNvPr>
+          <p:cNvSpPr/>
+          <p:nvPr/>
+        </p:nvSpPr>
+        <p:spPr>
+          <a:xfrm>
+            <a:off x="6096000" y="4762500"/>
+            <a:ext cx="9525" cy="285750"/>
+          </a:xfrm>
+          <a:custGeom>
+            <a:avLst/>
+            <a:gdLst>
+              <a:gd name="connsiteX0" fmla="*/ 0 w 9525"/>
+              <a:gd name="connsiteY0" fmla="*/ 0 h 285750"/>
+              <a:gd name="connsiteX1" fmla="*/ 0 w 9525"/>
+              <a:gd name="connsiteY1" fmla="*/ 285750 h 285750"/>
+            </a:gdLst>
+            <a:ahLst/>
+            <a:cxnLst>
+              <a:cxn ang="0">
+                <a:pos x="connsiteX0" y="connsiteY0"/>
+              </a:cxn>
+              <a:cxn ang="0">
+                <a:pos x="connsiteX1" y="connsiteY1"/>
+              </a:cxn>
+            </a:cxnLst>
+            <a:rect l="l" t="t" r="r" b="b"/>
+            <a:pathLst>
+              <a:path w="9525" h="285750">
+                <a:moveTo>
+                  <a:pt x="0" y="0"/>
+                </a:moveTo>
+                <a:lnTo>
+                  <a:pt x="0" y="285750"/>
+                </a:lnTo>
+              </a:path>
+            </a:pathLst>
+          </a:custGeom>
+          <a:ln w="19050" cap="flat">
+            <a:solidFill>
+              <a:srgbClr val="000000"/>
+            </a:solidFill>
+            <a:prstDash val="solid"/>
+            <a:miter/>
+          </a:ln>
+        </p:spPr>
+        <p:txBody>
+          <a:bodyPr rtlCol="0" anchor="ctr"/>
+          <a:lstStyle/>
+          <a:p>
+            <a:endParaRPr lang="en-IN"/>
+          </a:p>
+        </p:txBody>
+      </p:sp>
+      <p:sp>
+        <p:nvSpPr>
+          <p:cNvPr id="71" name="TextBox 70">
+            <a:extLst>
+              <a:ext uri="{FF2B5EF4-FFF2-40B4-BE49-F238E27FC236}">
+                <a16:creationId xmlns:a16="http://schemas.microsoft.com/office/drawing/2014/main" id="{1BC4761E-D1C8-3468-86CD-D92E1E25947D}"/>
               </a:ext>
             </a:extLst>
           </p:cNvPr>
@@ -9911,8 +10475,8 @@
         </p:nvSpPr>
         <p:spPr>
           <a:xfrm>
-            <a:off x="5702808" y="4370832"/>
-            <a:ext cx="786384" cy="187452"/>
+            <a:off x="6195060" y="4754880"/>
+            <a:ext cx="373380" cy="224790"/>
           </a:xfrm>
           <a:prstGeom prst="rect">
             <a:avLst/>
@@ -9937,17 +10501,17 @@
                 <a:sym typeface="Arial"/>
                 <a:rtl val="0"/>
               </a:rPr>
-              <a:t>Store Face Data</a:t>
+              <a:t>Yes</a:t>
             </a:r>
           </a:p>
         </p:txBody>
       </p:sp>
       <p:sp>
         <p:nvSpPr>
-          <p:cNvPr id="20" name="Freeform: Shape 19">
-            <a:extLst>
-              <a:ext uri="{FF2B5EF4-FFF2-40B4-BE49-F238E27FC236}">
-                <a16:creationId xmlns:a16="http://schemas.microsoft.com/office/drawing/2014/main" id="{78000CB0-EBAA-054F-1CF8-D4BFA0018142}"/>
+          <p:cNvPr id="72" name="Freeform: Shape 71">
+            <a:extLst>
+              <a:ext uri="{FF2B5EF4-FFF2-40B4-BE49-F238E27FC236}">
+                <a16:creationId xmlns:a16="http://schemas.microsoft.com/office/drawing/2014/main" id="{B4DD29AF-6E0C-8B7C-30E8-1797E94595B4}"/>
               </a:ext>
             </a:extLst>
           </p:cNvPr>
@@ -9956,20 +10520,16 @@
         </p:nvSpPr>
         <p:spPr>
           <a:xfrm>
-            <a:off x="5753100" y="4937760"/>
-            <a:ext cx="685800" cy="685800"/>
+            <a:off x="6572250" y="4286250"/>
+            <a:ext cx="714375" cy="9525"/>
           </a:xfrm>
           <a:custGeom>
             <a:avLst/>
             <a:gdLst>
-              <a:gd name="connsiteX0" fmla="*/ 342900 w 685800"/>
-              <a:gd name="connsiteY0" fmla="*/ 0 h 685800"/>
-              <a:gd name="connsiteX1" fmla="*/ 685800 w 685800"/>
-              <a:gd name="connsiteY1" fmla="*/ 342900 h 685800"/>
-              <a:gd name="connsiteX2" fmla="*/ 342900 w 685800"/>
-              <a:gd name="connsiteY2" fmla="*/ 685800 h 685800"/>
-              <a:gd name="connsiteX3" fmla="*/ 0 w 685800"/>
-              <a:gd name="connsiteY3" fmla="*/ 342900 h 685800"/>
+              <a:gd name="connsiteX0" fmla="*/ 0 w 714375"/>
+              <a:gd name="connsiteY0" fmla="*/ 0 h 9525"/>
+              <a:gd name="connsiteX1" fmla="*/ 714375 w 714375"/>
+              <a:gd name="connsiteY1" fmla="*/ 0 h 9525"/>
             </a:gdLst>
             <a:ahLst/>
             <a:cxnLst>
@@ -9979,36 +10539,20 @@
               <a:cxn ang="0">
                 <a:pos x="connsiteX1" y="connsiteY1"/>
               </a:cxn>
-              <a:cxn ang="0">
-                <a:pos x="connsiteX2" y="connsiteY2"/>
-              </a:cxn>
-              <a:cxn ang="0">
-                <a:pos x="connsiteX3" y="connsiteY3"/>
-              </a:cxn>
             </a:cxnLst>
             <a:rect l="l" t="t" r="r" b="b"/>
             <a:pathLst>
-              <a:path w="685800" h="685800">
+              <a:path w="714375" h="9525">
                 <a:moveTo>
-                  <a:pt x="342900" y="0"/>
+                  <a:pt x="0" y="0"/>
                 </a:moveTo>
                 <a:lnTo>
-                  <a:pt x="685800" y="342900"/>
-                </a:lnTo>
-                <a:lnTo>
-                  <a:pt x="342900" y="685800"/>
-                </a:lnTo>
-                <a:lnTo>
-                  <a:pt x="0" y="342900"/>
-                </a:lnTo>
-                <a:close/>
+                  <a:pt x="714375" y="0"/>
+                </a:lnTo>
               </a:path>
             </a:pathLst>
           </a:custGeom>
-          <a:solidFill>
-            <a:srgbClr val="FFFFFF"/>
-          </a:solidFill>
-          <a:ln w="13716" cap="flat">
+          <a:ln w="19050" cap="flat">
             <a:solidFill>
               <a:srgbClr val="000000"/>
             </a:solidFill>
@@ -10026,10 +10570,10 @@
       </p:sp>
       <p:sp>
         <p:nvSpPr>
-          <p:cNvPr id="21" name="TextBox 20">
-            <a:extLst>
-              <a:ext uri="{FF2B5EF4-FFF2-40B4-BE49-F238E27FC236}">
-                <a16:creationId xmlns:a16="http://schemas.microsoft.com/office/drawing/2014/main" id="{2D39EB46-17D9-5B34-1A82-F6C31C01F31D}"/>
+          <p:cNvPr id="73" name="TextBox 72">
+            <a:extLst>
+              <a:ext uri="{FF2B5EF4-FFF2-40B4-BE49-F238E27FC236}">
+                <a16:creationId xmlns:a16="http://schemas.microsoft.com/office/drawing/2014/main" id="{C926EE69-F2C6-2AD4-1723-63739C42C3A4}"/>
               </a:ext>
             </a:extLst>
           </p:cNvPr>
@@ -10038,918 +10582,8 @@
         </p:nvSpPr>
         <p:spPr>
           <a:xfrm>
-            <a:off x="5699379" y="5193792"/>
-            <a:ext cx="793242" cy="187452"/>
-          </a:xfrm>
-          <a:prstGeom prst="rect">
-            <a:avLst/>
-          </a:prstGeom>
-          <a:noFill/>
-        </p:spPr>
-        <p:txBody>
-          <a:bodyPr wrap="none" rtlCol="0">
-            <a:spAutoFit/>
-          </a:bodyPr>
-          <a:lstStyle/>
-          <a:p>
-            <a:pPr algn="l"/>
-            <a:r>
-              <a:rPr lang="en-IN" sz="900" spc="0" baseline="0">
-                <a:ln/>
-                <a:solidFill>
-                  <a:srgbClr val="000000"/>
-                </a:solidFill>
-                <a:latin typeface="Arial"/>
-                <a:cs typeface="Arial"/>
-                <a:sym typeface="Arial"/>
-                <a:rtl val="0"/>
-              </a:rPr>
-              <a:t>Compare Face?</a:t>
-            </a:r>
-          </a:p>
-        </p:txBody>
-      </p:sp>
-      <p:sp>
-        <p:nvSpPr>
-          <p:cNvPr id="22" name="Freeform: Shape 21">
-            <a:extLst>
-              <a:ext uri="{FF2B5EF4-FFF2-40B4-BE49-F238E27FC236}">
-                <a16:creationId xmlns:a16="http://schemas.microsoft.com/office/drawing/2014/main" id="{C0F40BEE-DA5E-B2D1-0D42-714C1FA53974}"/>
-              </a:ext>
-            </a:extLst>
-          </p:cNvPr>
-          <p:cNvSpPr/>
-          <p:nvPr/>
-        </p:nvSpPr>
-        <p:spPr>
-          <a:xfrm>
-            <a:off x="5410200" y="5760720"/>
-            <a:ext cx="1371600" cy="411480"/>
-          </a:xfrm>
-          <a:custGeom>
-            <a:avLst/>
-            <a:gdLst>
-              <a:gd name="connsiteX0" fmla="*/ 1303020 w 1371600"/>
-              <a:gd name="connsiteY0" fmla="*/ 0 h 411480"/>
-              <a:gd name="connsiteX1" fmla="*/ 1371600 w 1371600"/>
-              <a:gd name="connsiteY1" fmla="*/ 0 h 411480"/>
-              <a:gd name="connsiteX2" fmla="*/ 1371600 w 1371600"/>
-              <a:gd name="connsiteY2" fmla="*/ 411480 h 411480"/>
-              <a:gd name="connsiteX3" fmla="*/ 1303020 w 1371600"/>
-              <a:gd name="connsiteY3" fmla="*/ 411480 h 411480"/>
-              <a:gd name="connsiteX4" fmla="*/ 68580 w 1371600"/>
-              <a:gd name="connsiteY4" fmla="*/ 411480 h 411480"/>
-              <a:gd name="connsiteX5" fmla="*/ 0 w 1371600"/>
-              <a:gd name="connsiteY5" fmla="*/ 411480 h 411480"/>
-              <a:gd name="connsiteX6" fmla="*/ 0 w 1371600"/>
-              <a:gd name="connsiteY6" fmla="*/ 0 h 411480"/>
-              <a:gd name="connsiteX7" fmla="*/ 68580 w 1371600"/>
-              <a:gd name="connsiteY7" fmla="*/ 0 h 411480"/>
-            </a:gdLst>
-            <a:ahLst/>
-            <a:cxnLst>
-              <a:cxn ang="0">
-                <a:pos x="connsiteX0" y="connsiteY0"/>
-              </a:cxn>
-              <a:cxn ang="0">
-                <a:pos x="connsiteX1" y="connsiteY1"/>
-              </a:cxn>
-              <a:cxn ang="0">
-                <a:pos x="connsiteX2" y="connsiteY2"/>
-              </a:cxn>
-              <a:cxn ang="0">
-                <a:pos x="connsiteX3" y="connsiteY3"/>
-              </a:cxn>
-              <a:cxn ang="0">
-                <a:pos x="connsiteX4" y="connsiteY4"/>
-              </a:cxn>
-              <a:cxn ang="0">
-                <a:pos x="connsiteX5" y="connsiteY5"/>
-              </a:cxn>
-              <a:cxn ang="0">
-                <a:pos x="connsiteX6" y="connsiteY6"/>
-              </a:cxn>
-              <a:cxn ang="0">
-                <a:pos x="connsiteX7" y="connsiteY7"/>
-              </a:cxn>
-            </a:cxnLst>
-            <a:rect l="l" t="t" r="r" b="b"/>
-            <a:pathLst>
-              <a:path w="1371600" h="411480">
-                <a:moveTo>
-                  <a:pt x="1303020" y="0"/>
-                </a:moveTo>
-                <a:cubicBezTo>
-                  <a:pt x="1340896" y="0"/>
-                  <a:pt x="1371600" y="0"/>
-                  <a:pt x="1371600" y="0"/>
-                </a:cubicBezTo>
-                <a:lnTo>
-                  <a:pt x="1371600" y="411480"/>
-                </a:lnTo>
-                <a:cubicBezTo>
-                  <a:pt x="1371600" y="411480"/>
-                  <a:pt x="1340896" y="411480"/>
-                  <a:pt x="1303020" y="411480"/>
-                </a:cubicBezTo>
-                <a:lnTo>
-                  <a:pt x="68580" y="411480"/>
-                </a:lnTo>
-                <a:cubicBezTo>
-                  <a:pt x="30704" y="411480"/>
-                  <a:pt x="0" y="411480"/>
-                  <a:pt x="0" y="411480"/>
-                </a:cubicBezTo>
-                <a:lnTo>
-                  <a:pt x="0" y="0"/>
-                </a:lnTo>
-                <a:cubicBezTo>
-                  <a:pt x="0" y="0"/>
-                  <a:pt x="30704" y="0"/>
-                  <a:pt x="68580" y="0"/>
-                </a:cubicBezTo>
-                <a:close/>
-              </a:path>
-            </a:pathLst>
-          </a:custGeom>
-          <a:solidFill>
-            <a:srgbClr val="FFFFFF"/>
-          </a:solidFill>
-          <a:ln w="13716" cap="flat">
-            <a:solidFill>
-              <a:srgbClr val="000000"/>
-            </a:solidFill>
-            <a:prstDash val="solid"/>
-            <a:miter/>
-          </a:ln>
-        </p:spPr>
-        <p:txBody>
-          <a:bodyPr rtlCol="0" anchor="ctr"/>
-          <a:lstStyle/>
-          <a:p>
-            <a:endParaRPr lang="en-IN"/>
-          </a:p>
-        </p:txBody>
-      </p:sp>
-      <p:sp>
-        <p:nvSpPr>
-          <p:cNvPr id="23" name="TextBox 22">
-            <a:extLst>
-              <a:ext uri="{FF2B5EF4-FFF2-40B4-BE49-F238E27FC236}">
-                <a16:creationId xmlns:a16="http://schemas.microsoft.com/office/drawing/2014/main" id="{C5A0182B-CD1B-3E13-141D-345C596591CA}"/>
-              </a:ext>
-            </a:extLst>
-          </p:cNvPr>
-          <p:cNvSpPr txBox="1"/>
-          <p:nvPr/>
-        </p:nvSpPr>
-        <p:spPr>
-          <a:xfrm>
-            <a:off x="5665089" y="5879592"/>
-            <a:ext cx="861822" cy="187452"/>
-          </a:xfrm>
-          <a:prstGeom prst="rect">
-            <a:avLst/>
-          </a:prstGeom>
-          <a:noFill/>
-        </p:spPr>
-        <p:txBody>
-          <a:bodyPr wrap="none" rtlCol="0">
-            <a:spAutoFit/>
-          </a:bodyPr>
-          <a:lstStyle/>
-          <a:p>
-            <a:pPr algn="l"/>
-            <a:r>
-              <a:rPr lang="en-IN" sz="900" spc="0" baseline="0">
-                <a:ln/>
-                <a:solidFill>
-                  <a:srgbClr val="000000"/>
-                </a:solidFill>
-                <a:latin typeface="Arial"/>
-                <a:cs typeface="Arial"/>
-                <a:sym typeface="Arial"/>
-                <a:rtl val="0"/>
-              </a:rPr>
-              <a:t>Face Comparison</a:t>
-            </a:r>
-          </a:p>
-        </p:txBody>
-      </p:sp>
-      <p:sp>
-        <p:nvSpPr>
-          <p:cNvPr id="24" name="Freeform: Shape 23">
-            <a:extLst>
-              <a:ext uri="{FF2B5EF4-FFF2-40B4-BE49-F238E27FC236}">
-                <a16:creationId xmlns:a16="http://schemas.microsoft.com/office/drawing/2014/main" id="{64298A95-1B95-2F39-A941-274D79107C64}"/>
-              </a:ext>
-            </a:extLst>
-          </p:cNvPr>
-          <p:cNvSpPr/>
-          <p:nvPr/>
-        </p:nvSpPr>
-        <p:spPr>
-          <a:xfrm>
-            <a:off x="4587240" y="-137160"/>
-            <a:ext cx="274320" cy="274320"/>
-          </a:xfrm>
-          <a:custGeom>
-            <a:avLst/>
-            <a:gdLst>
-              <a:gd name="connsiteX0" fmla="*/ 274320 w 274320"/>
-              <a:gd name="connsiteY0" fmla="*/ 137160 h 274320"/>
-              <a:gd name="connsiteX1" fmla="*/ 137160 w 274320"/>
-              <a:gd name="connsiteY1" fmla="*/ 274320 h 274320"/>
-              <a:gd name="connsiteX2" fmla="*/ 0 w 274320"/>
-              <a:gd name="connsiteY2" fmla="*/ 137160 h 274320"/>
-              <a:gd name="connsiteX3" fmla="*/ 137160 w 274320"/>
-              <a:gd name="connsiteY3" fmla="*/ 0 h 274320"/>
-              <a:gd name="connsiteX4" fmla="*/ 274320 w 274320"/>
-              <a:gd name="connsiteY4" fmla="*/ 137160 h 274320"/>
-            </a:gdLst>
-            <a:ahLst/>
-            <a:cxnLst>
-              <a:cxn ang="0">
-                <a:pos x="connsiteX0" y="connsiteY0"/>
-              </a:cxn>
-              <a:cxn ang="0">
-                <a:pos x="connsiteX1" y="connsiteY1"/>
-              </a:cxn>
-              <a:cxn ang="0">
-                <a:pos x="connsiteX2" y="connsiteY2"/>
-              </a:cxn>
-              <a:cxn ang="0">
-                <a:pos x="connsiteX3" y="connsiteY3"/>
-              </a:cxn>
-              <a:cxn ang="0">
-                <a:pos x="connsiteX4" y="connsiteY4"/>
-              </a:cxn>
-            </a:cxnLst>
-            <a:rect l="l" t="t" r="r" b="b"/>
-            <a:pathLst>
-              <a:path w="274320" h="274320">
-                <a:moveTo>
-                  <a:pt x="274320" y="137160"/>
-                </a:moveTo>
-                <a:cubicBezTo>
-                  <a:pt x="274320" y="212911"/>
-                  <a:pt x="212911" y="274320"/>
-                  <a:pt x="137160" y="274320"/>
-                </a:cubicBezTo>
-                <a:cubicBezTo>
-                  <a:pt x="61409" y="274320"/>
-                  <a:pt x="0" y="212911"/>
-                  <a:pt x="0" y="137160"/>
-                </a:cubicBezTo>
-                <a:cubicBezTo>
-                  <a:pt x="0" y="61409"/>
-                  <a:pt x="61409" y="0"/>
-                  <a:pt x="137160" y="0"/>
-                </a:cubicBezTo>
-                <a:cubicBezTo>
-                  <a:pt x="212911" y="0"/>
-                  <a:pt x="274320" y="61409"/>
-                  <a:pt x="274320" y="137160"/>
-                </a:cubicBezTo>
-                <a:close/>
-              </a:path>
-            </a:pathLst>
-          </a:custGeom>
-          <a:solidFill>
-            <a:srgbClr val="FFFFFF"/>
-          </a:solidFill>
-          <a:ln w="20574" cap="flat">
-            <a:solidFill>
-              <a:srgbClr val="000000"/>
-            </a:solidFill>
-            <a:prstDash val="solid"/>
-            <a:miter/>
-          </a:ln>
-        </p:spPr>
-        <p:txBody>
-          <a:bodyPr rtlCol="0" anchor="ctr"/>
-          <a:lstStyle/>
-          <a:p>
-            <a:endParaRPr lang="en-IN"/>
-          </a:p>
-        </p:txBody>
-      </p:sp>
-      <p:sp>
-        <p:nvSpPr>
-          <p:cNvPr id="25" name="Freeform: Shape 24">
-            <a:extLst>
-              <a:ext uri="{FF2B5EF4-FFF2-40B4-BE49-F238E27FC236}">
-                <a16:creationId xmlns:a16="http://schemas.microsoft.com/office/drawing/2014/main" id="{BCEA2978-2757-9DBB-7755-15BAB59EBEB5}"/>
-              </a:ext>
-            </a:extLst>
-          </p:cNvPr>
-          <p:cNvSpPr/>
-          <p:nvPr/>
-        </p:nvSpPr>
-        <p:spPr>
-          <a:xfrm>
-            <a:off x="4621530" y="-102870"/>
-            <a:ext cx="205740" cy="205740"/>
-          </a:xfrm>
-          <a:custGeom>
-            <a:avLst/>
-            <a:gdLst>
-              <a:gd name="connsiteX0" fmla="*/ 205740 w 205740"/>
-              <a:gd name="connsiteY0" fmla="*/ 102870 h 205740"/>
-              <a:gd name="connsiteX1" fmla="*/ 102870 w 205740"/>
-              <a:gd name="connsiteY1" fmla="*/ 205740 h 205740"/>
-              <a:gd name="connsiteX2" fmla="*/ 0 w 205740"/>
-              <a:gd name="connsiteY2" fmla="*/ 102870 h 205740"/>
-              <a:gd name="connsiteX3" fmla="*/ 102870 w 205740"/>
-              <a:gd name="connsiteY3" fmla="*/ 0 h 205740"/>
-              <a:gd name="connsiteX4" fmla="*/ 205740 w 205740"/>
-              <a:gd name="connsiteY4" fmla="*/ 102870 h 205740"/>
-            </a:gdLst>
-            <a:ahLst/>
-            <a:cxnLst>
-              <a:cxn ang="0">
-                <a:pos x="connsiteX0" y="connsiteY0"/>
-              </a:cxn>
-              <a:cxn ang="0">
-                <a:pos x="connsiteX1" y="connsiteY1"/>
-              </a:cxn>
-              <a:cxn ang="0">
-                <a:pos x="connsiteX2" y="connsiteY2"/>
-              </a:cxn>
-              <a:cxn ang="0">
-                <a:pos x="connsiteX3" y="connsiteY3"/>
-              </a:cxn>
-              <a:cxn ang="0">
-                <a:pos x="connsiteX4" y="connsiteY4"/>
-              </a:cxn>
-            </a:cxnLst>
-            <a:rect l="l" t="t" r="r" b="b"/>
-            <a:pathLst>
-              <a:path w="205740" h="205740">
-                <a:moveTo>
-                  <a:pt x="205740" y="102870"/>
-                </a:moveTo>
-                <a:cubicBezTo>
-                  <a:pt x="205740" y="159684"/>
-                  <a:pt x="159684" y="205740"/>
-                  <a:pt x="102870" y="205740"/>
-                </a:cubicBezTo>
-                <a:cubicBezTo>
-                  <a:pt x="46056" y="205740"/>
-                  <a:pt x="0" y="159684"/>
-                  <a:pt x="0" y="102870"/>
-                </a:cubicBezTo>
-                <a:cubicBezTo>
-                  <a:pt x="0" y="46056"/>
-                  <a:pt x="46056" y="0"/>
-                  <a:pt x="102870" y="0"/>
-                </a:cubicBezTo>
-                <a:cubicBezTo>
-                  <a:pt x="159684" y="0"/>
-                  <a:pt x="205740" y="46056"/>
-                  <a:pt x="205740" y="102870"/>
-                </a:cubicBezTo>
-                <a:close/>
-              </a:path>
-            </a:pathLst>
-          </a:custGeom>
-          <a:solidFill>
-            <a:srgbClr val="000000"/>
-          </a:solidFill>
-          <a:ln w="6858" cap="flat">
-            <a:noFill/>
-            <a:prstDash val="solid"/>
-            <a:miter/>
-          </a:ln>
-        </p:spPr>
-        <p:txBody>
-          <a:bodyPr rtlCol="0" anchor="ctr"/>
-          <a:lstStyle/>
-          <a:p>
-            <a:endParaRPr lang="en-IN"/>
-          </a:p>
-        </p:txBody>
-      </p:sp>
-      <p:sp>
-        <p:nvSpPr>
-          <p:cNvPr id="26" name="Freeform: Shape 25">
-            <a:extLst>
-              <a:ext uri="{FF2B5EF4-FFF2-40B4-BE49-F238E27FC236}">
-                <a16:creationId xmlns:a16="http://schemas.microsoft.com/office/drawing/2014/main" id="{34C5188F-1202-68CD-5FF4-9790E32F7151}"/>
-              </a:ext>
-            </a:extLst>
-          </p:cNvPr>
-          <p:cNvSpPr/>
-          <p:nvPr/>
-        </p:nvSpPr>
-        <p:spPr>
-          <a:xfrm>
-            <a:off x="5958840" y="-137160"/>
-            <a:ext cx="274320" cy="274320"/>
-          </a:xfrm>
-          <a:custGeom>
-            <a:avLst/>
-            <a:gdLst>
-              <a:gd name="connsiteX0" fmla="*/ 274320 w 274320"/>
-              <a:gd name="connsiteY0" fmla="*/ 137160 h 274320"/>
-              <a:gd name="connsiteX1" fmla="*/ 137160 w 274320"/>
-              <a:gd name="connsiteY1" fmla="*/ 274320 h 274320"/>
-              <a:gd name="connsiteX2" fmla="*/ 0 w 274320"/>
-              <a:gd name="connsiteY2" fmla="*/ 137160 h 274320"/>
-              <a:gd name="connsiteX3" fmla="*/ 137160 w 274320"/>
-              <a:gd name="connsiteY3" fmla="*/ 0 h 274320"/>
-              <a:gd name="connsiteX4" fmla="*/ 274320 w 274320"/>
-              <a:gd name="connsiteY4" fmla="*/ 137160 h 274320"/>
-            </a:gdLst>
-            <a:ahLst/>
-            <a:cxnLst>
-              <a:cxn ang="0">
-                <a:pos x="connsiteX0" y="connsiteY0"/>
-              </a:cxn>
-              <a:cxn ang="0">
-                <a:pos x="connsiteX1" y="connsiteY1"/>
-              </a:cxn>
-              <a:cxn ang="0">
-                <a:pos x="connsiteX2" y="connsiteY2"/>
-              </a:cxn>
-              <a:cxn ang="0">
-                <a:pos x="connsiteX3" y="connsiteY3"/>
-              </a:cxn>
-              <a:cxn ang="0">
-                <a:pos x="connsiteX4" y="connsiteY4"/>
-              </a:cxn>
-            </a:cxnLst>
-            <a:rect l="l" t="t" r="r" b="b"/>
-            <a:pathLst>
-              <a:path w="274320" h="274320">
-                <a:moveTo>
-                  <a:pt x="274320" y="137160"/>
-                </a:moveTo>
-                <a:cubicBezTo>
-                  <a:pt x="274320" y="212911"/>
-                  <a:pt x="212911" y="274320"/>
-                  <a:pt x="137160" y="274320"/>
-                </a:cubicBezTo>
-                <a:cubicBezTo>
-                  <a:pt x="61409" y="274320"/>
-                  <a:pt x="0" y="212911"/>
-                  <a:pt x="0" y="137160"/>
-                </a:cubicBezTo>
-                <a:cubicBezTo>
-                  <a:pt x="0" y="61409"/>
-                  <a:pt x="61409" y="0"/>
-                  <a:pt x="137160" y="0"/>
-                </a:cubicBezTo>
-                <a:cubicBezTo>
-                  <a:pt x="212911" y="0"/>
-                  <a:pt x="274320" y="61409"/>
-                  <a:pt x="274320" y="137160"/>
-                </a:cubicBezTo>
-                <a:close/>
-              </a:path>
-            </a:pathLst>
-          </a:custGeom>
-          <a:solidFill>
-            <a:srgbClr val="FFFFFF"/>
-          </a:solidFill>
-          <a:ln w="20574" cap="flat">
-            <a:solidFill>
-              <a:srgbClr val="000000"/>
-            </a:solidFill>
-            <a:prstDash val="solid"/>
-            <a:miter/>
-          </a:ln>
-        </p:spPr>
-        <p:txBody>
-          <a:bodyPr rtlCol="0" anchor="ctr"/>
-          <a:lstStyle/>
-          <a:p>
-            <a:endParaRPr lang="en-IN"/>
-          </a:p>
-        </p:txBody>
-      </p:sp>
-      <p:sp>
-        <p:nvSpPr>
-          <p:cNvPr id="27" name="Freeform: Shape 26">
-            <a:extLst>
-              <a:ext uri="{FF2B5EF4-FFF2-40B4-BE49-F238E27FC236}">
-                <a16:creationId xmlns:a16="http://schemas.microsoft.com/office/drawing/2014/main" id="{33F8EB7A-19FD-D13D-7DA2-7C08CA4C549C}"/>
-              </a:ext>
-            </a:extLst>
-          </p:cNvPr>
-          <p:cNvSpPr/>
-          <p:nvPr/>
-        </p:nvSpPr>
-        <p:spPr>
-          <a:xfrm>
-            <a:off x="5993130" y="-102870"/>
-            <a:ext cx="205740" cy="205740"/>
-          </a:xfrm>
-          <a:custGeom>
-            <a:avLst/>
-            <a:gdLst>
-              <a:gd name="connsiteX0" fmla="*/ 205740 w 205740"/>
-              <a:gd name="connsiteY0" fmla="*/ 102870 h 205740"/>
-              <a:gd name="connsiteX1" fmla="*/ 102870 w 205740"/>
-              <a:gd name="connsiteY1" fmla="*/ 205740 h 205740"/>
-              <a:gd name="connsiteX2" fmla="*/ 0 w 205740"/>
-              <a:gd name="connsiteY2" fmla="*/ 102870 h 205740"/>
-              <a:gd name="connsiteX3" fmla="*/ 102870 w 205740"/>
-              <a:gd name="connsiteY3" fmla="*/ 0 h 205740"/>
-              <a:gd name="connsiteX4" fmla="*/ 205740 w 205740"/>
-              <a:gd name="connsiteY4" fmla="*/ 102870 h 205740"/>
-            </a:gdLst>
-            <a:ahLst/>
-            <a:cxnLst>
-              <a:cxn ang="0">
-                <a:pos x="connsiteX0" y="connsiteY0"/>
-              </a:cxn>
-              <a:cxn ang="0">
-                <a:pos x="connsiteX1" y="connsiteY1"/>
-              </a:cxn>
-              <a:cxn ang="0">
-                <a:pos x="connsiteX2" y="connsiteY2"/>
-              </a:cxn>
-              <a:cxn ang="0">
-                <a:pos x="connsiteX3" y="connsiteY3"/>
-              </a:cxn>
-              <a:cxn ang="0">
-                <a:pos x="connsiteX4" y="connsiteY4"/>
-              </a:cxn>
-            </a:cxnLst>
-            <a:rect l="l" t="t" r="r" b="b"/>
-            <a:pathLst>
-              <a:path w="205740" h="205740">
-                <a:moveTo>
-                  <a:pt x="205740" y="102870"/>
-                </a:moveTo>
-                <a:cubicBezTo>
-                  <a:pt x="205740" y="159684"/>
-                  <a:pt x="159684" y="205740"/>
-                  <a:pt x="102870" y="205740"/>
-                </a:cubicBezTo>
-                <a:cubicBezTo>
-                  <a:pt x="46056" y="205740"/>
-                  <a:pt x="0" y="159684"/>
-                  <a:pt x="0" y="102870"/>
-                </a:cubicBezTo>
-                <a:cubicBezTo>
-                  <a:pt x="0" y="46056"/>
-                  <a:pt x="46056" y="0"/>
-                  <a:pt x="102870" y="0"/>
-                </a:cubicBezTo>
-                <a:cubicBezTo>
-                  <a:pt x="159684" y="0"/>
-                  <a:pt x="205740" y="46056"/>
-                  <a:pt x="205740" y="102870"/>
-                </a:cubicBezTo>
-                <a:close/>
-              </a:path>
-            </a:pathLst>
-          </a:custGeom>
-          <a:solidFill>
-            <a:srgbClr val="000000"/>
-          </a:solidFill>
-          <a:ln w="6858" cap="flat">
-            <a:noFill/>
-            <a:prstDash val="solid"/>
-            <a:miter/>
-          </a:ln>
-        </p:spPr>
-        <p:txBody>
-          <a:bodyPr rtlCol="0" anchor="ctr"/>
-          <a:lstStyle/>
-          <a:p>
-            <a:endParaRPr lang="en-IN"/>
-          </a:p>
-        </p:txBody>
-      </p:sp>
-      <p:sp>
-        <p:nvSpPr>
-          <p:cNvPr id="28" name="Freeform: Shape 27">
-            <a:extLst>
-              <a:ext uri="{FF2B5EF4-FFF2-40B4-BE49-F238E27FC236}">
-                <a16:creationId xmlns:a16="http://schemas.microsoft.com/office/drawing/2014/main" id="{40800D30-2D5F-9432-E90A-4BC6B2C3E871}"/>
-              </a:ext>
-            </a:extLst>
-          </p:cNvPr>
-          <p:cNvSpPr/>
-          <p:nvPr/>
-        </p:nvSpPr>
-        <p:spPr>
-          <a:xfrm>
-            <a:off x="6096000" y="480060"/>
-            <a:ext cx="6858" cy="205740"/>
-          </a:xfrm>
-          <a:custGeom>
-            <a:avLst/>
-            <a:gdLst>
-              <a:gd name="connsiteX0" fmla="*/ 0 w 6858"/>
-              <a:gd name="connsiteY0" fmla="*/ 0 h 205740"/>
-              <a:gd name="connsiteX1" fmla="*/ 0 w 6858"/>
-              <a:gd name="connsiteY1" fmla="*/ 205740 h 205740"/>
-            </a:gdLst>
-            <a:ahLst/>
-            <a:cxnLst>
-              <a:cxn ang="0">
-                <a:pos x="connsiteX0" y="connsiteY0"/>
-              </a:cxn>
-              <a:cxn ang="0">
-                <a:pos x="connsiteX1" y="connsiteY1"/>
-              </a:cxn>
-            </a:cxnLst>
-            <a:rect l="l" t="t" r="r" b="b"/>
-            <a:pathLst>
-              <a:path w="6858" h="205740">
-                <a:moveTo>
-                  <a:pt x="0" y="0"/>
-                </a:moveTo>
-                <a:lnTo>
-                  <a:pt x="0" y="205740"/>
-                </a:lnTo>
-              </a:path>
-            </a:pathLst>
-          </a:custGeom>
-          <a:ln w="13716" cap="flat">
-            <a:solidFill>
-              <a:srgbClr val="000000"/>
-            </a:solidFill>
-            <a:prstDash val="solid"/>
-            <a:miter/>
-          </a:ln>
-        </p:spPr>
-        <p:txBody>
-          <a:bodyPr rtlCol="0" anchor="ctr"/>
-          <a:lstStyle/>
-          <a:p>
-            <a:endParaRPr lang="en-IN"/>
-          </a:p>
-        </p:txBody>
-      </p:sp>
-      <p:sp>
-        <p:nvSpPr>
-          <p:cNvPr id="29" name="Freeform: Shape 28">
-            <a:extLst>
-              <a:ext uri="{FF2B5EF4-FFF2-40B4-BE49-F238E27FC236}">
-                <a16:creationId xmlns:a16="http://schemas.microsoft.com/office/drawing/2014/main" id="{D743077D-468E-10B6-A98A-7228E8A333FC}"/>
-              </a:ext>
-            </a:extLst>
-          </p:cNvPr>
-          <p:cNvSpPr/>
-          <p:nvPr/>
-        </p:nvSpPr>
-        <p:spPr>
-          <a:xfrm>
-            <a:off x="6096000" y="1097280"/>
-            <a:ext cx="6858" cy="274320"/>
-          </a:xfrm>
-          <a:custGeom>
-            <a:avLst/>
-            <a:gdLst>
-              <a:gd name="connsiteX0" fmla="*/ 0 w 6858"/>
-              <a:gd name="connsiteY0" fmla="*/ 0 h 274320"/>
-              <a:gd name="connsiteX1" fmla="*/ 0 w 6858"/>
-              <a:gd name="connsiteY1" fmla="*/ 274320 h 274320"/>
-            </a:gdLst>
-            <a:ahLst/>
-            <a:cxnLst>
-              <a:cxn ang="0">
-                <a:pos x="connsiteX0" y="connsiteY0"/>
-              </a:cxn>
-              <a:cxn ang="0">
-                <a:pos x="connsiteX1" y="connsiteY1"/>
-              </a:cxn>
-            </a:cxnLst>
-            <a:rect l="l" t="t" r="r" b="b"/>
-            <a:pathLst>
-              <a:path w="6858" h="274320">
-                <a:moveTo>
-                  <a:pt x="0" y="0"/>
-                </a:moveTo>
-                <a:lnTo>
-                  <a:pt x="0" y="274320"/>
-                </a:lnTo>
-              </a:path>
-            </a:pathLst>
-          </a:custGeom>
-          <a:ln w="13716" cap="flat">
-            <a:solidFill>
-              <a:srgbClr val="000000"/>
-            </a:solidFill>
-            <a:prstDash val="solid"/>
-            <a:miter/>
-          </a:ln>
-        </p:spPr>
-        <p:txBody>
-          <a:bodyPr rtlCol="0" anchor="ctr"/>
-          <a:lstStyle/>
-          <a:p>
-            <a:endParaRPr lang="en-IN"/>
-          </a:p>
-        </p:txBody>
-      </p:sp>
-      <p:sp>
-        <p:nvSpPr>
-          <p:cNvPr id="30" name="Freeform: Shape 29">
-            <a:extLst>
-              <a:ext uri="{FF2B5EF4-FFF2-40B4-BE49-F238E27FC236}">
-                <a16:creationId xmlns:a16="http://schemas.microsoft.com/office/drawing/2014/main" id="{541FC836-D641-2BB6-B1CA-E582B3EF7BB4}"/>
-              </a:ext>
-            </a:extLst>
-          </p:cNvPr>
-          <p:cNvSpPr/>
-          <p:nvPr/>
-        </p:nvSpPr>
-        <p:spPr>
-          <a:xfrm>
-            <a:off x="6096000" y="1783080"/>
-            <a:ext cx="6858" cy="274320"/>
-          </a:xfrm>
-          <a:custGeom>
-            <a:avLst/>
-            <a:gdLst>
-              <a:gd name="connsiteX0" fmla="*/ 0 w 6858"/>
-              <a:gd name="connsiteY0" fmla="*/ 0 h 274320"/>
-              <a:gd name="connsiteX1" fmla="*/ 0 w 6858"/>
-              <a:gd name="connsiteY1" fmla="*/ 274320 h 274320"/>
-            </a:gdLst>
-            <a:ahLst/>
-            <a:cxnLst>
-              <a:cxn ang="0">
-                <a:pos x="connsiteX0" y="connsiteY0"/>
-              </a:cxn>
-              <a:cxn ang="0">
-                <a:pos x="connsiteX1" y="connsiteY1"/>
-              </a:cxn>
-            </a:cxnLst>
-            <a:rect l="l" t="t" r="r" b="b"/>
-            <a:pathLst>
-              <a:path w="6858" h="274320">
-                <a:moveTo>
-                  <a:pt x="0" y="0"/>
-                </a:moveTo>
-                <a:lnTo>
-                  <a:pt x="0" y="274320"/>
-                </a:lnTo>
-              </a:path>
-            </a:pathLst>
-          </a:custGeom>
-          <a:ln w="13716" cap="flat">
-            <a:solidFill>
-              <a:srgbClr val="000000"/>
-            </a:solidFill>
-            <a:prstDash val="solid"/>
-            <a:miter/>
-          </a:ln>
-        </p:spPr>
-        <p:txBody>
-          <a:bodyPr rtlCol="0" anchor="ctr"/>
-          <a:lstStyle/>
-          <a:p>
-            <a:endParaRPr lang="en-IN"/>
-          </a:p>
-        </p:txBody>
-      </p:sp>
-      <p:sp>
-        <p:nvSpPr>
-          <p:cNvPr id="31" name="Freeform: Shape 30">
-            <a:extLst>
-              <a:ext uri="{FF2B5EF4-FFF2-40B4-BE49-F238E27FC236}">
-                <a16:creationId xmlns:a16="http://schemas.microsoft.com/office/drawing/2014/main" id="{06835259-E6D0-53FE-C675-079538651DC9}"/>
-              </a:ext>
-            </a:extLst>
-          </p:cNvPr>
-          <p:cNvSpPr/>
-          <p:nvPr/>
-        </p:nvSpPr>
-        <p:spPr>
-          <a:xfrm>
-            <a:off x="6096000" y="2468880"/>
-            <a:ext cx="6858" cy="274320"/>
-          </a:xfrm>
-          <a:custGeom>
-            <a:avLst/>
-            <a:gdLst>
-              <a:gd name="connsiteX0" fmla="*/ 0 w 6858"/>
-              <a:gd name="connsiteY0" fmla="*/ 0 h 274320"/>
-              <a:gd name="connsiteX1" fmla="*/ 0 w 6858"/>
-              <a:gd name="connsiteY1" fmla="*/ 274320 h 274320"/>
-            </a:gdLst>
-            <a:ahLst/>
-            <a:cxnLst>
-              <a:cxn ang="0">
-                <a:pos x="connsiteX0" y="connsiteY0"/>
-              </a:cxn>
-              <a:cxn ang="0">
-                <a:pos x="connsiteX1" y="connsiteY1"/>
-              </a:cxn>
-            </a:cxnLst>
-            <a:rect l="l" t="t" r="r" b="b"/>
-            <a:pathLst>
-              <a:path w="6858" h="274320">
-                <a:moveTo>
-                  <a:pt x="0" y="0"/>
-                </a:moveTo>
-                <a:lnTo>
-                  <a:pt x="0" y="274320"/>
-                </a:lnTo>
-              </a:path>
-            </a:pathLst>
-          </a:custGeom>
-          <a:ln w="13716" cap="flat">
-            <a:solidFill>
-              <a:srgbClr val="000000"/>
-            </a:solidFill>
-            <a:prstDash val="solid"/>
-            <a:miter/>
-          </a:ln>
-        </p:spPr>
-        <p:txBody>
-          <a:bodyPr rtlCol="0" anchor="ctr"/>
-          <a:lstStyle/>
-          <a:p>
-            <a:endParaRPr lang="en-IN"/>
-          </a:p>
-        </p:txBody>
-      </p:sp>
-      <p:sp>
-        <p:nvSpPr>
-          <p:cNvPr id="32" name="Freeform: Shape 31">
-            <a:extLst>
-              <a:ext uri="{FF2B5EF4-FFF2-40B4-BE49-F238E27FC236}">
-                <a16:creationId xmlns:a16="http://schemas.microsoft.com/office/drawing/2014/main" id="{68692AA5-67FB-BF1B-54A4-9F316F01794F}"/>
-              </a:ext>
-            </a:extLst>
-          </p:cNvPr>
-          <p:cNvSpPr/>
-          <p:nvPr/>
-        </p:nvSpPr>
-        <p:spPr>
-          <a:xfrm>
-            <a:off x="5410200" y="3086100"/>
-            <a:ext cx="342900" cy="6858"/>
-          </a:xfrm>
-          <a:custGeom>
-            <a:avLst/>
-            <a:gdLst>
-              <a:gd name="connsiteX0" fmla="*/ 342900 w 342900"/>
-              <a:gd name="connsiteY0" fmla="*/ 0 h 6858"/>
-              <a:gd name="connsiteX1" fmla="*/ 0 w 342900"/>
-              <a:gd name="connsiteY1" fmla="*/ 0 h 6858"/>
-            </a:gdLst>
-            <a:ahLst/>
-            <a:cxnLst>
-              <a:cxn ang="0">
-                <a:pos x="connsiteX0" y="connsiteY0"/>
-              </a:cxn>
-              <a:cxn ang="0">
-                <a:pos x="connsiteX1" y="connsiteY1"/>
-              </a:cxn>
-            </a:cxnLst>
-            <a:rect l="l" t="t" r="r" b="b"/>
-            <a:pathLst>
-              <a:path w="342900" h="6858">
-                <a:moveTo>
-                  <a:pt x="342900" y="0"/>
-                </a:moveTo>
-                <a:lnTo>
-                  <a:pt x="0" y="0"/>
-                </a:lnTo>
-              </a:path>
-            </a:pathLst>
-          </a:custGeom>
-          <a:ln w="13716" cap="flat">
-            <a:solidFill>
-              <a:srgbClr val="000000"/>
-            </a:solidFill>
-            <a:prstDash val="solid"/>
-            <a:miter/>
-          </a:ln>
-        </p:spPr>
-        <p:txBody>
-          <a:bodyPr rtlCol="0" anchor="ctr"/>
-          <a:lstStyle/>
-          <a:p>
-            <a:endParaRPr lang="en-IN"/>
-          </a:p>
-        </p:txBody>
-      </p:sp>
-      <p:sp>
-        <p:nvSpPr>
-          <p:cNvPr id="33" name="TextBox 32">
-            <a:extLst>
-              <a:ext uri="{FF2B5EF4-FFF2-40B4-BE49-F238E27FC236}">
-                <a16:creationId xmlns:a16="http://schemas.microsoft.com/office/drawing/2014/main" id="{087FBDC4-CBA6-E6FD-E3F3-ED45C15B4897}"/>
-              </a:ext>
-            </a:extLst>
-          </p:cNvPr>
-          <p:cNvSpPr txBox="1"/>
-          <p:nvPr/>
-        </p:nvSpPr>
-        <p:spPr>
-          <a:xfrm>
-            <a:off x="5455920" y="2896362"/>
-            <a:ext cx="292608" cy="187452"/>
+            <a:off x="6766560" y="4040505"/>
+            <a:ext cx="335280" cy="224790"/>
           </a:xfrm>
           <a:prstGeom prst="rect">
             <a:avLst/>
@@ -10981,10 +10615,10 @@
       </p:sp>
       <p:sp>
         <p:nvSpPr>
-          <p:cNvPr id="34" name="Freeform: Shape 33">
-            <a:extLst>
-              <a:ext uri="{FF2B5EF4-FFF2-40B4-BE49-F238E27FC236}">
-                <a16:creationId xmlns:a16="http://schemas.microsoft.com/office/drawing/2014/main" id="{F69B6B6D-6325-7ACE-04B6-6F4750E1B4A3}"/>
+          <p:cNvPr id="74" name="Freeform: Shape 73">
+            <a:extLst>
+              <a:ext uri="{FF2B5EF4-FFF2-40B4-BE49-F238E27FC236}">
+                <a16:creationId xmlns:a16="http://schemas.microsoft.com/office/drawing/2014/main" id="{4AD387B8-EA0D-DF2C-67DB-05A297140A50}"/>
               </a:ext>
             </a:extLst>
           </p:cNvPr>
@@ -10993,16 +10627,16 @@
         </p:nvSpPr>
         <p:spPr>
           <a:xfrm>
-            <a:off x="6096000" y="3429000"/>
-            <a:ext cx="6858" cy="137160"/>
+            <a:off x="6096000" y="5524500"/>
+            <a:ext cx="9525" cy="228600"/>
           </a:xfrm>
           <a:custGeom>
             <a:avLst/>
             <a:gdLst>
-              <a:gd name="connsiteX0" fmla="*/ 0 w 6858"/>
-              <a:gd name="connsiteY0" fmla="*/ 0 h 137160"/>
-              <a:gd name="connsiteX1" fmla="*/ 0 w 6858"/>
-              <a:gd name="connsiteY1" fmla="*/ 137160 h 137160"/>
+              <a:gd name="connsiteX0" fmla="*/ 0 w 9525"/>
+              <a:gd name="connsiteY0" fmla="*/ 0 h 228600"/>
+              <a:gd name="connsiteX1" fmla="*/ 0 w 9525"/>
+              <a:gd name="connsiteY1" fmla="*/ 228600 h 228600"/>
             </a:gdLst>
             <a:ahLst/>
             <a:cxnLst>
@@ -11015,17 +10649,17 @@
             </a:cxnLst>
             <a:rect l="l" t="t" r="r" b="b"/>
             <a:pathLst>
-              <a:path w="6858" h="137160">
+              <a:path w="9525" h="228600">
                 <a:moveTo>
                   <a:pt x="0" y="0"/>
                 </a:moveTo>
                 <a:lnTo>
-                  <a:pt x="0" y="137160"/>
+                  <a:pt x="0" y="228600"/>
                 </a:lnTo>
               </a:path>
             </a:pathLst>
           </a:custGeom>
-          <a:ln w="13716" cap="flat">
+          <a:ln w="19050" cap="flat">
             <a:solidFill>
               <a:srgbClr val="000000"/>
             </a:solidFill>
@@ -11043,55 +10677,10 @@
       </p:sp>
       <p:sp>
         <p:nvSpPr>
-          <p:cNvPr id="35" name="TextBox 34">
-            <a:extLst>
-              <a:ext uri="{FF2B5EF4-FFF2-40B4-BE49-F238E27FC236}">
-                <a16:creationId xmlns:a16="http://schemas.microsoft.com/office/drawing/2014/main" id="{715BA5A4-8E2A-F2FB-B3B6-32028689BE5B}"/>
-              </a:ext>
-            </a:extLst>
-          </p:cNvPr>
-          <p:cNvSpPr txBox="1"/>
-          <p:nvPr/>
-        </p:nvSpPr>
-        <p:spPr>
-          <a:xfrm>
-            <a:off x="6141720" y="3376422"/>
-            <a:ext cx="320040" cy="187452"/>
-          </a:xfrm>
-          <a:prstGeom prst="rect">
-            <a:avLst/>
-          </a:prstGeom>
-          <a:noFill/>
-        </p:spPr>
-        <p:txBody>
-          <a:bodyPr wrap="none" rtlCol="0">
-            <a:spAutoFit/>
-          </a:bodyPr>
-          <a:lstStyle/>
-          <a:p>
-            <a:pPr algn="l"/>
-            <a:r>
-              <a:rPr lang="en-IN" sz="900" spc="0" baseline="0">
-                <a:ln/>
-                <a:solidFill>
-                  <a:srgbClr val="000000"/>
-                </a:solidFill>
-                <a:latin typeface="Arial"/>
-                <a:cs typeface="Arial"/>
-                <a:sym typeface="Arial"/>
-                <a:rtl val="0"/>
-              </a:rPr>
-              <a:t>Yes</a:t>
-            </a:r>
-          </a:p>
-        </p:txBody>
-      </p:sp>
-      <p:sp>
-        <p:nvSpPr>
-          <p:cNvPr id="36" name="Freeform: Shape 35">
-            <a:extLst>
-              <a:ext uri="{FF2B5EF4-FFF2-40B4-BE49-F238E27FC236}">
-                <a16:creationId xmlns:a16="http://schemas.microsoft.com/office/drawing/2014/main" id="{87EF5A48-F280-6152-3DD6-862F7119FB6F}"/>
+          <p:cNvPr id="75" name="Freeform: Shape 74">
+            <a:extLst>
+              <a:ext uri="{FF2B5EF4-FFF2-40B4-BE49-F238E27FC236}">
+                <a16:creationId xmlns:a16="http://schemas.microsoft.com/office/drawing/2014/main" id="{8F5B429B-B7C2-9D27-245B-FB32D6B09D89}"/>
               </a:ext>
             </a:extLst>
           </p:cNvPr>
@@ -11100,16 +10689,16 @@
         </p:nvSpPr>
         <p:spPr>
           <a:xfrm>
-            <a:off x="6096000" y="3977640"/>
-            <a:ext cx="6858" cy="274320"/>
+            <a:off x="8001000" y="4524375"/>
+            <a:ext cx="9525" cy="371475"/>
           </a:xfrm>
           <a:custGeom>
             <a:avLst/>
             <a:gdLst>
-              <a:gd name="connsiteX0" fmla="*/ 0 w 6858"/>
-              <a:gd name="connsiteY0" fmla="*/ 0 h 274320"/>
-              <a:gd name="connsiteX1" fmla="*/ 0 w 6858"/>
-              <a:gd name="connsiteY1" fmla="*/ 274320 h 274320"/>
+              <a:gd name="connsiteX0" fmla="*/ 0 w 9525"/>
+              <a:gd name="connsiteY0" fmla="*/ 0 h 371475"/>
+              <a:gd name="connsiteX1" fmla="*/ 0 w 9525"/>
+              <a:gd name="connsiteY1" fmla="*/ 371475 h 371475"/>
             </a:gdLst>
             <a:ahLst/>
             <a:cxnLst>
@@ -11122,17 +10711,17 @@
             </a:cxnLst>
             <a:rect l="l" t="t" r="r" b="b"/>
             <a:pathLst>
-              <a:path w="6858" h="274320">
+              <a:path w="9525" h="371475">
                 <a:moveTo>
                   <a:pt x="0" y="0"/>
                 </a:moveTo>
                 <a:lnTo>
-                  <a:pt x="0" y="274320"/>
+                  <a:pt x="0" y="371475"/>
                 </a:lnTo>
               </a:path>
             </a:pathLst>
           </a:custGeom>
-          <a:ln w="13716" cap="flat">
+          <a:ln w="19050" cap="flat">
             <a:solidFill>
               <a:srgbClr val="000000"/>
             </a:solidFill>
@@ -11150,196 +10739,10 @@
       </p:sp>
       <p:sp>
         <p:nvSpPr>
-          <p:cNvPr id="37" name="Freeform: Shape 36">
-            <a:extLst>
-              <a:ext uri="{FF2B5EF4-FFF2-40B4-BE49-F238E27FC236}">
-                <a16:creationId xmlns:a16="http://schemas.microsoft.com/office/drawing/2014/main" id="{AE81F9B8-6DF8-9DF3-0C61-12D65F81DC55}"/>
-              </a:ext>
-            </a:extLst>
-          </p:cNvPr>
-          <p:cNvSpPr/>
-          <p:nvPr/>
-        </p:nvSpPr>
-        <p:spPr>
-          <a:xfrm>
-            <a:off x="6096000" y="4663440"/>
-            <a:ext cx="6858" cy="274320"/>
-          </a:xfrm>
-          <a:custGeom>
-            <a:avLst/>
-            <a:gdLst>
-              <a:gd name="connsiteX0" fmla="*/ 0 w 6858"/>
-              <a:gd name="connsiteY0" fmla="*/ 0 h 274320"/>
-              <a:gd name="connsiteX1" fmla="*/ 0 w 6858"/>
-              <a:gd name="connsiteY1" fmla="*/ 274320 h 274320"/>
-            </a:gdLst>
-            <a:ahLst/>
-            <a:cxnLst>
-              <a:cxn ang="0">
-                <a:pos x="connsiteX0" y="connsiteY0"/>
-              </a:cxn>
-              <a:cxn ang="0">
-                <a:pos x="connsiteX1" y="connsiteY1"/>
-              </a:cxn>
-            </a:cxnLst>
-            <a:rect l="l" t="t" r="r" b="b"/>
-            <a:pathLst>
-              <a:path w="6858" h="274320">
-                <a:moveTo>
-                  <a:pt x="0" y="0"/>
-                </a:moveTo>
-                <a:lnTo>
-                  <a:pt x="0" y="274320"/>
-                </a:lnTo>
-              </a:path>
-            </a:pathLst>
-          </a:custGeom>
-          <a:ln w="13716" cap="flat">
-            <a:solidFill>
-              <a:srgbClr val="000000"/>
-            </a:solidFill>
-            <a:prstDash val="solid"/>
-            <a:miter/>
-          </a:ln>
-        </p:spPr>
-        <p:txBody>
-          <a:bodyPr rtlCol="0" anchor="ctr"/>
-          <a:lstStyle/>
-          <a:p>
-            <a:endParaRPr lang="en-IN"/>
-          </a:p>
-        </p:txBody>
-      </p:sp>
-      <p:sp>
-        <p:nvSpPr>
-          <p:cNvPr id="38" name="Freeform: Shape 37">
-            <a:extLst>
-              <a:ext uri="{FF2B5EF4-FFF2-40B4-BE49-F238E27FC236}">
-                <a16:creationId xmlns:a16="http://schemas.microsoft.com/office/drawing/2014/main" id="{A0141F19-D245-A6F5-CDB2-68B1CFE05616}"/>
-              </a:ext>
-            </a:extLst>
-          </p:cNvPr>
-          <p:cNvSpPr/>
-          <p:nvPr/>
-        </p:nvSpPr>
-        <p:spPr>
-          <a:xfrm>
-            <a:off x="4724400" y="5280660"/>
-            <a:ext cx="1028700" cy="6858"/>
-          </a:xfrm>
-          <a:custGeom>
-            <a:avLst/>
-            <a:gdLst>
-              <a:gd name="connsiteX0" fmla="*/ 1028700 w 1028700"/>
-              <a:gd name="connsiteY0" fmla="*/ 0 h 6858"/>
-              <a:gd name="connsiteX1" fmla="*/ 0 w 1028700"/>
-              <a:gd name="connsiteY1" fmla="*/ 0 h 6858"/>
-            </a:gdLst>
-            <a:ahLst/>
-            <a:cxnLst>
-              <a:cxn ang="0">
-                <a:pos x="connsiteX0" y="connsiteY0"/>
-              </a:cxn>
-              <a:cxn ang="0">
-                <a:pos x="connsiteX1" y="connsiteY1"/>
-              </a:cxn>
-            </a:cxnLst>
-            <a:rect l="l" t="t" r="r" b="b"/>
-            <a:pathLst>
-              <a:path w="1028700" h="6858">
-                <a:moveTo>
-                  <a:pt x="1028700" y="0"/>
-                </a:moveTo>
-                <a:lnTo>
-                  <a:pt x="0" y="0"/>
-                </a:lnTo>
-              </a:path>
-            </a:pathLst>
-          </a:custGeom>
-          <a:ln w="13716" cap="flat">
-            <a:solidFill>
-              <a:srgbClr val="000000"/>
-            </a:solidFill>
-            <a:prstDash val="solid"/>
-            <a:miter/>
-          </a:ln>
-        </p:spPr>
-        <p:txBody>
-          <a:bodyPr rtlCol="0" anchor="ctr"/>
-          <a:lstStyle/>
-          <a:p>
-            <a:endParaRPr lang="en-IN"/>
-          </a:p>
-        </p:txBody>
-      </p:sp>
-      <p:sp>
-        <p:nvSpPr>
-          <p:cNvPr id="39" name="Freeform: Shape 38">
-            <a:extLst>
-              <a:ext uri="{FF2B5EF4-FFF2-40B4-BE49-F238E27FC236}">
-                <a16:creationId xmlns:a16="http://schemas.microsoft.com/office/drawing/2014/main" id="{45799161-58E3-0D63-DDE5-930DAD975834}"/>
-              </a:ext>
-            </a:extLst>
-          </p:cNvPr>
-          <p:cNvSpPr/>
-          <p:nvPr/>
-        </p:nvSpPr>
-        <p:spPr>
-          <a:xfrm>
-            <a:off x="4724400" y="5280660"/>
-            <a:ext cx="6858" cy="891540"/>
-          </a:xfrm>
-          <a:custGeom>
-            <a:avLst/>
-            <a:gdLst>
-              <a:gd name="connsiteX0" fmla="*/ 0 w 6858"/>
-              <a:gd name="connsiteY0" fmla="*/ 0 h 891540"/>
-              <a:gd name="connsiteX1" fmla="*/ 0 w 6858"/>
-              <a:gd name="connsiteY1" fmla="*/ 891540 h 891540"/>
-            </a:gdLst>
-            <a:ahLst/>
-            <a:cxnLst>
-              <a:cxn ang="0">
-                <a:pos x="connsiteX0" y="connsiteY0"/>
-              </a:cxn>
-              <a:cxn ang="0">
-                <a:pos x="connsiteX1" y="connsiteY1"/>
-              </a:cxn>
-            </a:cxnLst>
-            <a:rect l="l" t="t" r="r" b="b"/>
-            <a:pathLst>
-              <a:path w="6858" h="891540">
-                <a:moveTo>
-                  <a:pt x="0" y="0"/>
-                </a:moveTo>
-                <a:lnTo>
-                  <a:pt x="0" y="891540"/>
-                </a:lnTo>
-              </a:path>
-            </a:pathLst>
-          </a:custGeom>
-          <a:ln w="13716" cap="flat">
-            <a:solidFill>
-              <a:srgbClr val="000000"/>
-            </a:solidFill>
-            <a:prstDash val="solid"/>
-            <a:miter/>
-          </a:ln>
-        </p:spPr>
-        <p:txBody>
-          <a:bodyPr rtlCol="0" anchor="ctr"/>
-          <a:lstStyle/>
-          <a:p>
-            <a:endParaRPr lang="en-IN"/>
-          </a:p>
-        </p:txBody>
-      </p:sp>
-      <p:sp>
-        <p:nvSpPr>
-          <p:cNvPr id="40" name="TextBox 39">
-            <a:extLst>
-              <a:ext uri="{FF2B5EF4-FFF2-40B4-BE49-F238E27FC236}">
-                <a16:creationId xmlns:a16="http://schemas.microsoft.com/office/drawing/2014/main" id="{A884F47A-3969-D146-BB15-9B327FC38D35}"/>
+          <p:cNvPr id="76" name="TextBox 75">
+            <a:extLst>
+              <a:ext uri="{FF2B5EF4-FFF2-40B4-BE49-F238E27FC236}">
+                <a16:creationId xmlns:a16="http://schemas.microsoft.com/office/drawing/2014/main" id="{44B65FBE-6484-AE6C-72EC-D09EE6078AA0}"/>
               </a:ext>
             </a:extLst>
           </p:cNvPr>
@@ -11348,8 +10751,8 @@
         </p:nvSpPr>
         <p:spPr>
           <a:xfrm>
-            <a:off x="5455920" y="5090922"/>
-            <a:ext cx="292608" cy="187452"/>
+            <a:off x="1433945" y="1238250"/>
+            <a:ext cx="1828800" cy="646331"/>
           </a:xfrm>
           <a:prstGeom prst="rect">
             <a:avLst/>
@@ -11357,291 +10760,17 @@
           <a:noFill/>
         </p:spPr>
         <p:txBody>
-          <a:bodyPr wrap="none" rtlCol="0">
+          <a:bodyPr wrap="square" rtlCol="0">
             <a:spAutoFit/>
           </a:bodyPr>
           <a:lstStyle/>
           <a:p>
-            <a:pPr algn="l"/>
-            <a:r>
-              <a:rPr lang="en-IN" sz="900" spc="0" baseline="0">
-                <a:ln/>
-                <a:solidFill>
-                  <a:srgbClr val="000000"/>
-                </a:solidFill>
-                <a:latin typeface="Arial"/>
-                <a:cs typeface="Arial"/>
-                <a:sym typeface="Arial"/>
-                <a:rtl val="0"/>
-              </a:rPr>
-              <a:t>No</a:t>
-            </a:r>
-          </a:p>
-        </p:txBody>
-      </p:sp>
-      <p:sp>
-        <p:nvSpPr>
-          <p:cNvPr id="41" name="Freeform: Shape 40">
-            <a:extLst>
-              <a:ext uri="{FF2B5EF4-FFF2-40B4-BE49-F238E27FC236}">
-                <a16:creationId xmlns:a16="http://schemas.microsoft.com/office/drawing/2014/main" id="{1A885BA1-175D-4A1F-0EC6-301DAB3728E5}"/>
-              </a:ext>
-            </a:extLst>
-          </p:cNvPr>
-          <p:cNvSpPr/>
-          <p:nvPr/>
-        </p:nvSpPr>
-        <p:spPr>
-          <a:xfrm>
-            <a:off x="6096000" y="5623560"/>
-            <a:ext cx="6858" cy="137160"/>
-          </a:xfrm>
-          <a:custGeom>
-            <a:avLst/>
-            <a:gdLst>
-              <a:gd name="connsiteX0" fmla="*/ 0 w 6858"/>
-              <a:gd name="connsiteY0" fmla="*/ 0 h 137160"/>
-              <a:gd name="connsiteX1" fmla="*/ 0 w 6858"/>
-              <a:gd name="connsiteY1" fmla="*/ 137160 h 137160"/>
-            </a:gdLst>
-            <a:ahLst/>
-            <a:cxnLst>
-              <a:cxn ang="0">
-                <a:pos x="connsiteX0" y="connsiteY0"/>
-              </a:cxn>
-              <a:cxn ang="0">
-                <a:pos x="connsiteX1" y="connsiteY1"/>
-              </a:cxn>
-            </a:cxnLst>
-            <a:rect l="l" t="t" r="r" b="b"/>
-            <a:pathLst>
-              <a:path w="6858" h="137160">
-                <a:moveTo>
-                  <a:pt x="0" y="0"/>
-                </a:moveTo>
-                <a:lnTo>
-                  <a:pt x="0" y="137160"/>
-                </a:lnTo>
-              </a:path>
-            </a:pathLst>
-          </a:custGeom>
-          <a:ln w="13716" cap="flat">
-            <a:solidFill>
-              <a:srgbClr val="000000"/>
-            </a:solidFill>
-            <a:prstDash val="solid"/>
-            <a:miter/>
-          </a:ln>
-        </p:spPr>
-        <p:txBody>
-          <a:bodyPr rtlCol="0" anchor="ctr"/>
-          <a:lstStyle/>
-          <a:p>
-            <a:endParaRPr lang="en-IN"/>
-          </a:p>
-        </p:txBody>
-      </p:sp>
-      <p:sp>
-        <p:nvSpPr>
-          <p:cNvPr id="42" name="TextBox 41">
-            <a:extLst>
-              <a:ext uri="{FF2B5EF4-FFF2-40B4-BE49-F238E27FC236}">
-                <a16:creationId xmlns:a16="http://schemas.microsoft.com/office/drawing/2014/main" id="{28F260A2-03BC-F40D-ACA8-4E12753584CE}"/>
-              </a:ext>
-            </a:extLst>
-          </p:cNvPr>
-          <p:cNvSpPr txBox="1"/>
-          <p:nvPr/>
-        </p:nvSpPr>
-        <p:spPr>
-          <a:xfrm>
-            <a:off x="6141720" y="5570982"/>
-            <a:ext cx="320040" cy="187452"/>
-          </a:xfrm>
-          <a:prstGeom prst="rect">
-            <a:avLst/>
-          </a:prstGeom>
-          <a:noFill/>
-        </p:spPr>
-        <p:txBody>
-          <a:bodyPr wrap="none" rtlCol="0">
-            <a:spAutoFit/>
-          </a:bodyPr>
-          <a:lstStyle/>
-          <a:p>
-            <a:pPr algn="l"/>
-            <a:r>
-              <a:rPr lang="en-IN" sz="900" spc="0" baseline="0">
-                <a:ln/>
-                <a:solidFill>
-                  <a:srgbClr val="000000"/>
-                </a:solidFill>
-                <a:latin typeface="Arial"/>
-                <a:cs typeface="Arial"/>
-                <a:sym typeface="Arial"/>
-                <a:rtl val="0"/>
-              </a:rPr>
-              <a:t>Yes</a:t>
-            </a:r>
-          </a:p>
-        </p:txBody>
-      </p:sp>
-      <p:sp>
-        <p:nvSpPr>
-          <p:cNvPr id="43" name="Freeform: Shape 42">
-            <a:extLst>
-              <a:ext uri="{FF2B5EF4-FFF2-40B4-BE49-F238E27FC236}">
-                <a16:creationId xmlns:a16="http://schemas.microsoft.com/office/drawing/2014/main" id="{5EAD1CCF-1964-9D87-0253-48C60771D4C7}"/>
-              </a:ext>
-            </a:extLst>
-          </p:cNvPr>
-          <p:cNvSpPr/>
-          <p:nvPr/>
-        </p:nvSpPr>
-        <p:spPr>
-          <a:xfrm>
-            <a:off x="6096000" y="6172200"/>
-            <a:ext cx="6858" cy="205740"/>
-          </a:xfrm>
-          <a:custGeom>
-            <a:avLst/>
-            <a:gdLst>
-              <a:gd name="connsiteX0" fmla="*/ 0 w 6858"/>
-              <a:gd name="connsiteY0" fmla="*/ 0 h 205740"/>
-              <a:gd name="connsiteX1" fmla="*/ 0 w 6858"/>
-              <a:gd name="connsiteY1" fmla="*/ 205740 h 205740"/>
-            </a:gdLst>
-            <a:ahLst/>
-            <a:cxnLst>
-              <a:cxn ang="0">
-                <a:pos x="connsiteX0" y="connsiteY0"/>
-              </a:cxn>
-              <a:cxn ang="0">
-                <a:pos x="connsiteX1" y="connsiteY1"/>
-              </a:cxn>
-            </a:cxnLst>
-            <a:rect l="l" t="t" r="r" b="b"/>
-            <a:pathLst>
-              <a:path w="6858" h="205740">
-                <a:moveTo>
-                  <a:pt x="0" y="0"/>
-                </a:moveTo>
-                <a:lnTo>
-                  <a:pt x="0" y="205740"/>
-                </a:lnTo>
-              </a:path>
-            </a:pathLst>
-          </a:custGeom>
-          <a:ln w="13716" cap="flat">
-            <a:solidFill>
-              <a:srgbClr val="000000"/>
-            </a:solidFill>
-            <a:prstDash val="solid"/>
-            <a:miter/>
-          </a:ln>
-        </p:spPr>
-        <p:txBody>
-          <a:bodyPr rtlCol="0" anchor="ctr"/>
-          <a:lstStyle/>
-          <a:p>
-            <a:endParaRPr lang="en-IN"/>
-          </a:p>
-        </p:txBody>
-      </p:sp>
-      <p:sp>
-        <p:nvSpPr>
-          <p:cNvPr id="44" name="Freeform: Shape 43">
-            <a:extLst>
-              <a:ext uri="{FF2B5EF4-FFF2-40B4-BE49-F238E27FC236}">
-                <a16:creationId xmlns:a16="http://schemas.microsoft.com/office/drawing/2014/main" id="{D1F31710-66F1-0897-9502-AA53DA3049FC}"/>
-              </a:ext>
-            </a:extLst>
-          </p:cNvPr>
-          <p:cNvSpPr/>
-          <p:nvPr/>
-        </p:nvSpPr>
-        <p:spPr>
-          <a:xfrm>
-            <a:off x="4724400" y="3291840"/>
-            <a:ext cx="6858" cy="2880360"/>
-          </a:xfrm>
-          <a:custGeom>
-            <a:avLst/>
-            <a:gdLst>
-              <a:gd name="connsiteX0" fmla="*/ 0 w 6858"/>
-              <a:gd name="connsiteY0" fmla="*/ 0 h 2880360"/>
-              <a:gd name="connsiteX1" fmla="*/ 0 w 6858"/>
-              <a:gd name="connsiteY1" fmla="*/ 2880360 h 2880360"/>
-            </a:gdLst>
-            <a:ahLst/>
-            <a:cxnLst>
-              <a:cxn ang="0">
-                <a:pos x="connsiteX0" y="connsiteY0"/>
-              </a:cxn>
-              <a:cxn ang="0">
-                <a:pos x="connsiteX1" y="connsiteY1"/>
-              </a:cxn>
-            </a:cxnLst>
-            <a:rect l="l" t="t" r="r" b="b"/>
-            <a:pathLst>
-              <a:path w="6858" h="2880360">
-                <a:moveTo>
-                  <a:pt x="0" y="0"/>
-                </a:moveTo>
-                <a:lnTo>
-                  <a:pt x="0" y="2880360"/>
-                </a:lnTo>
-              </a:path>
-            </a:pathLst>
-          </a:custGeom>
-          <a:ln w="13716" cap="flat">
-            <a:solidFill>
-              <a:srgbClr val="000000"/>
-            </a:solidFill>
-            <a:prstDash val="solid"/>
-            <a:miter/>
-          </a:ln>
-        </p:spPr>
-        <p:txBody>
-          <a:bodyPr rtlCol="0" anchor="ctr"/>
-          <a:lstStyle/>
-          <a:p>
-            <a:endParaRPr lang="en-IN"/>
-          </a:p>
-        </p:txBody>
-      </p:sp>
-      <p:sp>
-        <p:nvSpPr>
-          <p:cNvPr id="45" name="TextBox 44">
-            <a:extLst>
-              <a:ext uri="{FF2B5EF4-FFF2-40B4-BE49-F238E27FC236}">
-                <a16:creationId xmlns:a16="http://schemas.microsoft.com/office/drawing/2014/main" id="{FCDA9168-B1D6-84A8-4D1B-B1F708AAD8E8}"/>
-              </a:ext>
-            </a:extLst>
-          </p:cNvPr>
-          <p:cNvSpPr txBox="1"/>
-          <p:nvPr/>
-        </p:nvSpPr>
-        <p:spPr>
-          <a:xfrm>
-            <a:off x="2812026" y="894735"/>
-            <a:ext cx="861133" cy="369332"/>
-          </a:xfrm>
-          <a:prstGeom prst="rect">
-            <a:avLst/>
-          </a:prstGeom>
-          <a:noFill/>
-        </p:spPr>
-        <p:txBody>
-          <a:bodyPr wrap="none" rtlCol="0">
-            <a:spAutoFit/>
-          </a:bodyPr>
-          <a:lstStyle/>
-          <a:p>
             <a:r>
               <a:rPr lang="en-US" dirty="0"/>
-              <a:t>activity</a:t>
+              <a:t>Activity</a:t>
             </a:r>
+          </a:p>
+          <a:p>
             <a:endParaRPr lang="en-IN" dirty="0"/>
           </a:p>
         </p:txBody>
